--- a/dena-visualize.pptx
+++ b/dena-visualize.pptx
@@ -5,7 +5,7 @@
     <p:sldMasterId id="2147483660" r:id="rId1"/>
   </p:sldMasterIdLst>
   <p:notesMasterIdLst>
-    <p:notesMasterId r:id="rId14"/>
+    <p:notesMasterId r:id="rId20"/>
   </p:notesMasterIdLst>
   <p:sldIdLst>
     <p:sldId id="258" r:id="rId2"/>
@@ -17,9 +17,15 @@
     <p:sldId id="288" r:id="rId8"/>
     <p:sldId id="282" r:id="rId9"/>
     <p:sldId id="283" r:id="rId10"/>
-    <p:sldId id="284" r:id="rId11"/>
-    <p:sldId id="285" r:id="rId12"/>
-    <p:sldId id="279" r:id="rId13"/>
+    <p:sldId id="289" r:id="rId11"/>
+    <p:sldId id="290" r:id="rId12"/>
+    <p:sldId id="291" r:id="rId13"/>
+    <p:sldId id="292" r:id="rId14"/>
+    <p:sldId id="293" r:id="rId15"/>
+    <p:sldId id="294" r:id="rId16"/>
+    <p:sldId id="284" r:id="rId17"/>
+    <p:sldId id="285" r:id="rId18"/>
+    <p:sldId id="279" r:id="rId19"/>
   </p:sldIdLst>
   <p:sldSz cx="9144000" cy="6858000" type="screen4x3"/>
   <p:notesSz cx="6858000" cy="9144000"/>
@@ -208,7 +214,7 @@
           <a:p>
             <a:fld id="{C9CFBF46-E298-9848-A43C-C3FD139B37E7}" type="datetimeFigureOut">
               <a:rPr kumimoji="1" lang="ja-JP" altLang="en-US" smtClean="0"/>
-              <a:t>2017/3/15</a:t>
+              <a:t>2017/3/16</a:t>
             </a:fld>
             <a:endParaRPr kumimoji="1" lang="ja-JP" altLang="en-US" dirty="0"/>
           </a:p>
@@ -679,7 +685,7 @@
           <a:p>
             <a:fld id="{10DBEAA2-96C3-4963-8748-D1437E6AA4B1}" type="datetimeFigureOut">
               <a:rPr kumimoji="1" lang="ja-JP" altLang="en-US" smtClean="0"/>
-              <a:t>2017/3/15</a:t>
+              <a:t>2017/3/16</a:t>
             </a:fld>
             <a:endParaRPr kumimoji="1" lang="ja-JP" altLang="en-US" dirty="0"/>
           </a:p>
@@ -1049,7 +1055,7 @@
             <a:fld id="{5F14C6F2-7246-409D-9917-681DDC4FE9EA}" type="datetimeFigureOut">
               <a:rPr kumimoji="1" lang="ja-JP" altLang="en-US" smtClean="0"/>
               <a:pPr/>
-              <a:t>2017/3/15</a:t>
+              <a:t>2017/3/16</a:t>
             </a:fld>
             <a:endParaRPr kumimoji="1" lang="ja-JP" altLang="en-US" dirty="0"/>
           </a:p>
@@ -1339,7 +1345,7 @@
           <a:p>
             <a:fld id="{A7304C85-5454-4A43-804A-5C1BA91A9C79}" type="datetimeFigureOut">
               <a:rPr kumimoji="1" lang="ja-JP" altLang="en-US" smtClean="0"/>
-              <a:t>2017/3/15</a:t>
+              <a:t>2017/3/16</a:t>
             </a:fld>
             <a:endParaRPr kumimoji="1" lang="ja-JP" altLang="en-US" dirty="0"/>
           </a:p>
@@ -1760,7 +1766,7 @@
           <a:p>
             <a:fld id="{1C386A10-7931-4D40-B0BB-5651D921EDD9}" type="datetimeFigureOut">
               <a:rPr kumimoji="1" lang="ja-JP" altLang="en-US" smtClean="0"/>
-              <a:t>2017/3/15</a:t>
+              <a:t>2017/3/16</a:t>
             </a:fld>
             <a:endParaRPr kumimoji="1" lang="ja-JP" altLang="en-US" dirty="0"/>
           </a:p>
@@ -1881,7 +1887,7 @@
           <a:p>
             <a:fld id="{10DBEAA2-96C3-4963-8748-D1437E6AA4B1}" type="datetimeFigureOut">
               <a:rPr kumimoji="1" lang="ja-JP" altLang="en-US" smtClean="0"/>
-              <a:t>2017/3/15</a:t>
+              <a:t>2017/3/16</a:t>
             </a:fld>
             <a:endParaRPr kumimoji="1" lang="ja-JP" altLang="en-US" dirty="0"/>
           </a:p>
@@ -2421,128 +2427,96 @@
       </p:grpSpPr>
       <p:sp>
         <p:nvSpPr>
-          <p:cNvPr id="2" name="コンテンツ プレースホルダー 1"/>
-          <p:cNvSpPr>
-            <a:spLocks noGrp="1"/>
-          </p:cNvSpPr>
-          <p:nvPr>
-            <p:ph idx="1"/>
+          <p:cNvPr id="2" name="タイトル 1"/>
+          <p:cNvSpPr>
+            <a:spLocks noGrp="1"/>
+          </p:cNvSpPr>
+          <p:nvPr>
+            <p:ph type="title"/>
           </p:nvPr>
         </p:nvSpPr>
         <p:spPr/>
+        <p:txBody>
+          <a:bodyPr>
+            <a:normAutofit fontScale="90000"/>
+          </a:bodyPr>
+          <a:lstStyle/>
+          <a:p>
+            <a:r>
+              <a:rPr lang="ja-JP" altLang="en-US" dirty="0" smtClean="0"/>
+              <a:t>ネットワーク図</a:t>
+            </a:r>
+            <a:endParaRPr kumimoji="1" lang="ja-JP" altLang="en-US" dirty="0"/>
+          </a:p>
+        </p:txBody>
+      </p:sp>
+      <p:sp>
+        <p:nvSpPr>
+          <p:cNvPr id="3" name="テキスト プレースホルダー 2"/>
+          <p:cNvSpPr>
+            <a:spLocks noGrp="1"/>
+          </p:cNvSpPr>
+          <p:nvPr>
+            <p:ph type="body" sz="quarter" idx="10"/>
+          </p:nvPr>
+        </p:nvSpPr>
+        <p:spPr>
+          <a:xfrm>
+            <a:off x="388505" y="1781273"/>
+            <a:ext cx="7683500" cy="3740150"/>
+          </a:xfrm>
+        </p:spPr>
         <p:txBody>
           <a:bodyPr/>
           <a:lstStyle/>
           <a:p>
-            <a:r>
-              <a:rPr kumimoji="1" lang="en-US" altLang="ja-JP" dirty="0"/>
-              <a:t>DeNA</a:t>
-            </a:r>
-            <a:r>
-              <a:rPr kumimoji="1" lang="ja-JP" altLang="en-US" dirty="0"/>
-              <a:t>の問題について</a:t>
-            </a:r>
-            <a:endParaRPr kumimoji="1" lang="en-US" altLang="ja-JP" dirty="0"/>
-          </a:p>
-          <a:p>
-            <a:r>
-              <a:rPr kumimoji="1" lang="ja-JP" altLang="en-US" dirty="0"/>
-              <a:t>調査報告書</a:t>
-            </a:r>
-            <a:endParaRPr kumimoji="1" lang="en-US" altLang="ja-JP" dirty="0"/>
-          </a:p>
-          <a:p>
-            <a:r>
-              <a:rPr lang="ja-JP" altLang="en-US" dirty="0"/>
-              <a:t>どうやって分析するか</a:t>
-            </a:r>
-            <a:endParaRPr lang="en-US" altLang="ja-JP" dirty="0"/>
-          </a:p>
-          <a:p>
-            <a:pPr lvl="1">
+            <a:pPr>
               <a:buFont typeface="Wingdings" panose="05000000000000000000" pitchFamily="2" charset="2"/>
-              <a:buChar char="ü"/>
+              <a:buChar char="u"/>
             </a:pPr>
             <a:r>
-              <a:rPr kumimoji="1" lang="en-US" altLang="ja-JP" dirty="0"/>
-              <a:t>Bi</a:t>
-            </a:r>
-            <a:r>
-              <a:rPr lang="en-US" altLang="ja-JP" dirty="0"/>
-              <a:t>-Gram</a:t>
-            </a:r>
-            <a:r>
-              <a:rPr lang="ja-JP" altLang="en-US" dirty="0"/>
-              <a:t> </a:t>
-            </a:r>
-            <a:r>
-              <a:rPr lang="en-US" altLang="ja-JP" dirty="0"/>
-              <a:t>Network</a:t>
-            </a:r>
-          </a:p>
-          <a:p>
-            <a:pPr lvl="1">
-              <a:buFont typeface="Wingdings" panose="05000000000000000000" pitchFamily="2" charset="2"/>
-              <a:buChar char="ü"/>
-            </a:pPr>
-            <a:r>
-              <a:rPr lang="en-US" altLang="ja-JP" dirty="0"/>
-              <a:t>Word2Vec</a:t>
-            </a:r>
-          </a:p>
-          <a:p>
-            <a:r>
-              <a:rPr lang="en-US" altLang="ja-JP" dirty="0"/>
-              <a:t>Bi-Gram Network</a:t>
-            </a:r>
-            <a:r>
-              <a:rPr lang="ja-JP" altLang="en-US" dirty="0"/>
-              <a:t>の結果</a:t>
-            </a:r>
-            <a:endParaRPr lang="en-US" altLang="ja-JP" dirty="0"/>
-          </a:p>
-          <a:p>
-            <a:r>
-              <a:rPr lang="en-US" altLang="ja-JP" b="1" dirty="0">
-                <a:solidFill>
-                  <a:schemeClr val="accent1"/>
-                </a:solidFill>
-              </a:rPr>
-              <a:t>Word2Vec</a:t>
-            </a:r>
-            <a:r>
-              <a:rPr lang="ja-JP" altLang="en-US" b="1" dirty="0">
-                <a:solidFill>
-                  <a:schemeClr val="accent1"/>
-                </a:solidFill>
-              </a:rPr>
-              <a:t>の結果</a:t>
-            </a:r>
-            <a:endParaRPr lang="en-US" altLang="ja-JP" b="1" dirty="0">
-              <a:solidFill>
-                <a:schemeClr val="accent1"/>
-              </a:solidFill>
-            </a:endParaRPr>
-          </a:p>
-          <a:p>
-            <a:r>
-              <a:rPr lang="ja-JP" altLang="en-US" dirty="0"/>
-              <a:t>結論</a:t>
-            </a:r>
-            <a:endParaRPr lang="en-US" altLang="ja-JP" dirty="0"/>
-          </a:p>
-          <a:p>
-            <a:endParaRPr kumimoji="1" lang="en-US" altLang="ja-JP" dirty="0"/>
-          </a:p>
-          <a:p>
-            <a:endParaRPr kumimoji="1" lang="en-US" altLang="ja-JP" dirty="0"/>
+              <a:rPr kumimoji="1" lang="en-US" altLang="ja-JP" dirty="0" smtClean="0"/>
+              <a:t>(</a:t>
+            </a:r>
+            <a:r>
+              <a:rPr kumimoji="1" lang="ja-JP" altLang="en-US" dirty="0" smtClean="0"/>
+              <a:t>ネットワーク図を貼る</a:t>
+            </a:r>
+            <a:r>
+              <a:rPr kumimoji="1" lang="en-US" altLang="ja-JP" dirty="0" smtClean="0"/>
+              <a:t>)</a:t>
+            </a:r>
+            <a:endParaRPr kumimoji="1" lang="ja-JP" altLang="en-US" dirty="0"/>
+          </a:p>
+        </p:txBody>
+      </p:sp>
+      <p:sp>
+        <p:nvSpPr>
+          <p:cNvPr id="4" name="テキスト プレースホルダー 3"/>
+          <p:cNvSpPr>
+            <a:spLocks noGrp="1"/>
+          </p:cNvSpPr>
+          <p:nvPr>
+            <p:ph type="body" sz="quarter" idx="11"/>
+          </p:nvPr>
+        </p:nvSpPr>
+        <p:spPr/>
+        <p:txBody>
+          <a:bodyPr/>
+          <a:lstStyle/>
+          <a:p>
+            <a:r>
+              <a:rPr kumimoji="1" lang="ja-JP" altLang="en-US" b="1" dirty="0" smtClean="0"/>
+              <a:t>ネットワーク分析</a:t>
+            </a:r>
+            <a:endParaRPr kumimoji="1" lang="ja-JP" altLang="en-US" b="1" dirty="0"/>
           </a:p>
         </p:txBody>
       </p:sp>
     </p:spTree>
     <p:extLst>
       <p:ext uri="{BB962C8B-B14F-4D97-AF65-F5344CB8AC3E}">
-        <p14:creationId xmlns:p14="http://schemas.microsoft.com/office/powerpoint/2010/main" val="3536755885"/>
+        <p14:creationId xmlns:p14="http://schemas.microsoft.com/office/powerpoint/2010/main" val="1901626880"/>
       </p:ext>
     </p:extLst>
   </p:cSld>
@@ -2571,6 +2545,842 @@
       </p:grpSpPr>
       <p:sp>
         <p:nvSpPr>
+          <p:cNvPr id="2" name="タイトル 1"/>
+          <p:cNvSpPr>
+            <a:spLocks noGrp="1"/>
+          </p:cNvSpPr>
+          <p:nvPr>
+            <p:ph type="title"/>
+          </p:nvPr>
+        </p:nvSpPr>
+        <p:spPr/>
+        <p:txBody>
+          <a:bodyPr>
+            <a:normAutofit fontScale="90000"/>
+          </a:bodyPr>
+          <a:lstStyle/>
+          <a:p>
+            <a:r>
+              <a:rPr kumimoji="1" lang="ja-JP" altLang="en-US" dirty="0" smtClean="0"/>
+              <a:t>各クラスターに分ける</a:t>
+            </a:r>
+            <a:endParaRPr kumimoji="1" lang="ja-JP" altLang="en-US" dirty="0"/>
+          </a:p>
+        </p:txBody>
+      </p:sp>
+      <p:sp>
+        <p:nvSpPr>
+          <p:cNvPr id="3" name="テキスト プレースホルダー 2"/>
+          <p:cNvSpPr>
+            <a:spLocks noGrp="1"/>
+          </p:cNvSpPr>
+          <p:nvPr>
+            <p:ph type="body" sz="quarter" idx="10"/>
+          </p:nvPr>
+        </p:nvSpPr>
+        <p:spPr>
+          <a:xfrm>
+            <a:off x="388505" y="1781273"/>
+            <a:ext cx="7683500" cy="3740150"/>
+          </a:xfrm>
+        </p:spPr>
+        <p:txBody>
+          <a:bodyPr/>
+          <a:lstStyle/>
+          <a:p>
+            <a:pPr>
+              <a:buFont typeface="Wingdings" panose="05000000000000000000" pitchFamily="2" charset="2"/>
+              <a:buChar char="u"/>
+            </a:pPr>
+            <a:r>
+              <a:rPr kumimoji="1" lang="en-US" altLang="ja-JP" dirty="0" smtClean="0"/>
+              <a:t>(</a:t>
+            </a:r>
+            <a:r>
+              <a:rPr kumimoji="1" lang="ja-JP" altLang="en-US" dirty="0" smtClean="0"/>
+              <a:t>モジュラリティでクラスタリングしたよ</a:t>
+            </a:r>
+            <a:r>
+              <a:rPr kumimoji="1" lang="en-US" altLang="ja-JP" dirty="0" smtClean="0"/>
+              <a:t>)</a:t>
+            </a:r>
+          </a:p>
+          <a:p>
+            <a:pPr>
+              <a:buFont typeface="Wingdings" panose="05000000000000000000" pitchFamily="2" charset="2"/>
+              <a:buChar char="u"/>
+            </a:pPr>
+            <a:r>
+              <a:rPr lang="en-US" altLang="ja-JP" dirty="0" smtClean="0"/>
+              <a:t>(</a:t>
+            </a:r>
+            <a:r>
+              <a:rPr lang="ja-JP" altLang="en-US" dirty="0" smtClean="0"/>
+              <a:t>次の４つのクラスターに着目するよ</a:t>
+            </a:r>
+            <a:r>
+              <a:rPr lang="en-US" altLang="ja-JP" dirty="0" smtClean="0"/>
+              <a:t>)</a:t>
+            </a:r>
+          </a:p>
+          <a:p>
+            <a:pPr>
+              <a:buFont typeface="Wingdings" panose="05000000000000000000" pitchFamily="2" charset="2"/>
+              <a:buChar char="u"/>
+            </a:pPr>
+            <a:r>
+              <a:rPr lang="en-US" altLang="ja-JP" dirty="0" smtClean="0"/>
+              <a:t>(word2vec</a:t>
+            </a:r>
+            <a:r>
+              <a:rPr lang="ja-JP" altLang="en-US" smtClean="0"/>
+              <a:t>でもこのクラスター名を使う</a:t>
+            </a:r>
+            <a:r>
+              <a:rPr lang="en-US" altLang="ja-JP" smtClean="0"/>
+              <a:t>)</a:t>
+            </a:r>
+            <a:endParaRPr lang="en-US" altLang="ja-JP" dirty="0" smtClean="0"/>
+          </a:p>
+        </p:txBody>
+      </p:sp>
+      <p:sp>
+        <p:nvSpPr>
+          <p:cNvPr id="4" name="テキスト プレースホルダー 3"/>
+          <p:cNvSpPr>
+            <a:spLocks noGrp="1"/>
+          </p:cNvSpPr>
+          <p:nvPr>
+            <p:ph type="body" sz="quarter" idx="11"/>
+          </p:nvPr>
+        </p:nvSpPr>
+        <p:spPr/>
+        <p:txBody>
+          <a:bodyPr/>
+          <a:lstStyle/>
+          <a:p>
+            <a:r>
+              <a:rPr kumimoji="1" lang="ja-JP" altLang="en-US" b="1" dirty="0" smtClean="0"/>
+              <a:t>ネットワーク分析</a:t>
+            </a:r>
+            <a:endParaRPr kumimoji="1" lang="ja-JP" altLang="en-US" b="1" dirty="0"/>
+          </a:p>
+        </p:txBody>
+      </p:sp>
+    </p:spTree>
+    <p:extLst>
+      <p:ext uri="{BB962C8B-B14F-4D97-AF65-F5344CB8AC3E}">
+        <p14:creationId xmlns:p14="http://schemas.microsoft.com/office/powerpoint/2010/main" val="1937072525"/>
+      </p:ext>
+    </p:extLst>
+  </p:cSld>
+  <p:clrMapOvr>
+    <a:masterClrMapping/>
+  </p:clrMapOvr>
+</p:sld>
+</file>
+
+<file path=ppt/slides/slide12.xml><?xml version="1.0" encoding="utf-8"?>
+<p:sld xmlns:a="http://schemas.openxmlformats.org/drawingml/2006/main" xmlns:r="http://schemas.openxmlformats.org/officeDocument/2006/relationships" xmlns:p="http://schemas.openxmlformats.org/presentationml/2006/main">
+  <p:cSld>
+    <p:spTree>
+      <p:nvGrpSpPr>
+        <p:cNvPr id="1" name=""/>
+        <p:cNvGrpSpPr/>
+        <p:nvPr/>
+      </p:nvGrpSpPr>
+      <p:grpSpPr>
+        <a:xfrm>
+          <a:off x="0" y="0"/>
+          <a:ext cx="0" cy="0"/>
+          <a:chOff x="0" y="0"/>
+          <a:chExt cx="0" cy="0"/>
+        </a:xfrm>
+      </p:grpSpPr>
+      <p:sp>
+        <p:nvSpPr>
+          <p:cNvPr id="2" name="タイトル 1"/>
+          <p:cNvSpPr>
+            <a:spLocks noGrp="1"/>
+          </p:cNvSpPr>
+          <p:nvPr>
+            <p:ph type="title"/>
+          </p:nvPr>
+        </p:nvSpPr>
+        <p:spPr/>
+        <p:txBody>
+          <a:bodyPr>
+            <a:normAutofit fontScale="90000"/>
+          </a:bodyPr>
+          <a:lstStyle/>
+          <a:p>
+            <a:r>
+              <a:rPr kumimoji="1" lang="ja-JP" altLang="en-US" dirty="0" smtClean="0"/>
+              <a:t>クラスター</a:t>
+            </a:r>
+            <a:r>
+              <a:rPr kumimoji="1" lang="en-US" altLang="ja-JP" dirty="0" smtClean="0"/>
+              <a:t>A:【</a:t>
+            </a:r>
+            <a:r>
+              <a:rPr kumimoji="1" lang="ja-JP" altLang="en-US" dirty="0" smtClean="0"/>
+              <a:t>記事作成</a:t>
+            </a:r>
+            <a:r>
+              <a:rPr kumimoji="1" lang="en-US" altLang="ja-JP" dirty="0" smtClean="0"/>
+              <a:t>】</a:t>
+            </a:r>
+            <a:endParaRPr kumimoji="1" lang="ja-JP" altLang="en-US" dirty="0"/>
+          </a:p>
+        </p:txBody>
+      </p:sp>
+      <p:sp>
+        <p:nvSpPr>
+          <p:cNvPr id="3" name="テキスト プレースホルダー 2"/>
+          <p:cNvSpPr>
+            <a:spLocks noGrp="1"/>
+          </p:cNvSpPr>
+          <p:nvPr>
+            <p:ph type="body" sz="quarter" idx="10"/>
+          </p:nvPr>
+        </p:nvSpPr>
+        <p:spPr>
+          <a:xfrm>
+            <a:off x="388505" y="1781273"/>
+            <a:ext cx="7683500" cy="3740150"/>
+          </a:xfrm>
+        </p:spPr>
+        <p:txBody>
+          <a:bodyPr/>
+          <a:lstStyle/>
+          <a:p>
+            <a:pPr>
+              <a:buFont typeface="Wingdings" panose="05000000000000000000" pitchFamily="2" charset="2"/>
+              <a:buChar char="u"/>
+            </a:pPr>
+            <a:r>
+              <a:rPr kumimoji="1" lang="en-US" altLang="ja-JP" dirty="0" smtClean="0"/>
+              <a:t>(</a:t>
+            </a:r>
+            <a:r>
+              <a:rPr kumimoji="1" lang="ja-JP" altLang="en-US" dirty="0" smtClean="0"/>
+              <a:t>各クラスタの分析</a:t>
+            </a:r>
+            <a:r>
+              <a:rPr kumimoji="1" lang="en-US" altLang="ja-JP" dirty="0" smtClean="0"/>
+              <a:t>)</a:t>
+            </a:r>
+            <a:endParaRPr kumimoji="1" lang="ja-JP" altLang="en-US" dirty="0"/>
+          </a:p>
+        </p:txBody>
+      </p:sp>
+      <p:sp>
+        <p:nvSpPr>
+          <p:cNvPr id="4" name="テキスト プレースホルダー 3"/>
+          <p:cNvSpPr>
+            <a:spLocks noGrp="1"/>
+          </p:cNvSpPr>
+          <p:nvPr>
+            <p:ph type="body" sz="quarter" idx="11"/>
+          </p:nvPr>
+        </p:nvSpPr>
+        <p:spPr/>
+        <p:txBody>
+          <a:bodyPr/>
+          <a:lstStyle/>
+          <a:p>
+            <a:r>
+              <a:rPr kumimoji="1" lang="ja-JP" altLang="en-US" b="1" dirty="0" smtClean="0"/>
+              <a:t>ネットワーク分析</a:t>
+            </a:r>
+            <a:endParaRPr kumimoji="1" lang="ja-JP" altLang="en-US" b="1" dirty="0"/>
+          </a:p>
+        </p:txBody>
+      </p:sp>
+    </p:spTree>
+    <p:extLst>
+      <p:ext uri="{BB962C8B-B14F-4D97-AF65-F5344CB8AC3E}">
+        <p14:creationId xmlns:p14="http://schemas.microsoft.com/office/powerpoint/2010/main" val="1132755457"/>
+      </p:ext>
+    </p:extLst>
+  </p:cSld>
+  <p:clrMapOvr>
+    <a:masterClrMapping/>
+  </p:clrMapOvr>
+</p:sld>
+</file>
+
+<file path=ppt/slides/slide13.xml><?xml version="1.0" encoding="utf-8"?>
+<p:sld xmlns:a="http://schemas.openxmlformats.org/drawingml/2006/main" xmlns:r="http://schemas.openxmlformats.org/officeDocument/2006/relationships" xmlns:p="http://schemas.openxmlformats.org/presentationml/2006/main">
+  <p:cSld>
+    <p:spTree>
+      <p:nvGrpSpPr>
+        <p:cNvPr id="1" name=""/>
+        <p:cNvGrpSpPr/>
+        <p:nvPr/>
+      </p:nvGrpSpPr>
+      <p:grpSpPr>
+        <a:xfrm>
+          <a:off x="0" y="0"/>
+          <a:ext cx="0" cy="0"/>
+          <a:chOff x="0" y="0"/>
+          <a:chExt cx="0" cy="0"/>
+        </a:xfrm>
+      </p:grpSpPr>
+      <p:sp>
+        <p:nvSpPr>
+          <p:cNvPr id="2" name="タイトル 1"/>
+          <p:cNvSpPr>
+            <a:spLocks noGrp="1"/>
+          </p:cNvSpPr>
+          <p:nvPr>
+            <p:ph type="title"/>
+          </p:nvPr>
+        </p:nvSpPr>
+        <p:spPr/>
+        <p:txBody>
+          <a:bodyPr>
+            <a:normAutofit fontScale="90000"/>
+          </a:bodyPr>
+          <a:lstStyle/>
+          <a:p>
+            <a:r>
+              <a:rPr kumimoji="1" lang="ja-JP" altLang="en-US" dirty="0" smtClean="0"/>
+              <a:t>クラスター</a:t>
+            </a:r>
+            <a:r>
+              <a:rPr lang="en-US" altLang="ja-JP" dirty="0"/>
+              <a:t>B</a:t>
+            </a:r>
+            <a:r>
+              <a:rPr kumimoji="1" lang="en-US" altLang="ja-JP" dirty="0" smtClean="0"/>
+              <a:t>:【</a:t>
+            </a:r>
+            <a:r>
+              <a:rPr lang="ja-JP" altLang="en-US" dirty="0" smtClean="0"/>
+              <a:t>法的権利</a:t>
+            </a:r>
+            <a:r>
+              <a:rPr kumimoji="1" lang="en-US" altLang="ja-JP" dirty="0" smtClean="0"/>
+              <a:t>】</a:t>
+            </a:r>
+            <a:endParaRPr kumimoji="1" lang="ja-JP" altLang="en-US" dirty="0"/>
+          </a:p>
+        </p:txBody>
+      </p:sp>
+      <p:sp>
+        <p:nvSpPr>
+          <p:cNvPr id="3" name="テキスト プレースホルダー 2"/>
+          <p:cNvSpPr>
+            <a:spLocks noGrp="1"/>
+          </p:cNvSpPr>
+          <p:nvPr>
+            <p:ph type="body" sz="quarter" idx="10"/>
+          </p:nvPr>
+        </p:nvSpPr>
+        <p:spPr>
+          <a:xfrm>
+            <a:off x="388505" y="1781273"/>
+            <a:ext cx="7683500" cy="3740150"/>
+          </a:xfrm>
+        </p:spPr>
+        <p:txBody>
+          <a:bodyPr/>
+          <a:lstStyle/>
+          <a:p>
+            <a:pPr>
+              <a:buFont typeface="Wingdings" panose="05000000000000000000" pitchFamily="2" charset="2"/>
+              <a:buChar char="u"/>
+            </a:pPr>
+            <a:r>
+              <a:rPr kumimoji="1" lang="en-US" altLang="ja-JP" dirty="0" smtClean="0"/>
+              <a:t>(</a:t>
+            </a:r>
+            <a:r>
+              <a:rPr kumimoji="1" lang="ja-JP" altLang="en-US" dirty="0" smtClean="0"/>
+              <a:t>各クラスタの分析</a:t>
+            </a:r>
+            <a:r>
+              <a:rPr kumimoji="1" lang="en-US" altLang="ja-JP" dirty="0" smtClean="0"/>
+              <a:t>)</a:t>
+            </a:r>
+            <a:endParaRPr kumimoji="1" lang="ja-JP" altLang="en-US" dirty="0"/>
+          </a:p>
+        </p:txBody>
+      </p:sp>
+      <p:sp>
+        <p:nvSpPr>
+          <p:cNvPr id="4" name="テキスト プレースホルダー 3"/>
+          <p:cNvSpPr>
+            <a:spLocks noGrp="1"/>
+          </p:cNvSpPr>
+          <p:nvPr>
+            <p:ph type="body" sz="quarter" idx="11"/>
+          </p:nvPr>
+        </p:nvSpPr>
+        <p:spPr/>
+        <p:txBody>
+          <a:bodyPr/>
+          <a:lstStyle/>
+          <a:p>
+            <a:r>
+              <a:rPr kumimoji="1" lang="ja-JP" altLang="en-US" b="1" dirty="0" smtClean="0"/>
+              <a:t>ネットワーク分析</a:t>
+            </a:r>
+            <a:endParaRPr kumimoji="1" lang="ja-JP" altLang="en-US" b="1" dirty="0"/>
+          </a:p>
+        </p:txBody>
+      </p:sp>
+    </p:spTree>
+    <p:extLst>
+      <p:ext uri="{BB962C8B-B14F-4D97-AF65-F5344CB8AC3E}">
+        <p14:creationId xmlns:p14="http://schemas.microsoft.com/office/powerpoint/2010/main" val="320623285"/>
+      </p:ext>
+    </p:extLst>
+  </p:cSld>
+  <p:clrMapOvr>
+    <a:masterClrMapping/>
+  </p:clrMapOvr>
+</p:sld>
+</file>
+
+<file path=ppt/slides/slide14.xml><?xml version="1.0" encoding="utf-8"?>
+<p:sld xmlns:a="http://schemas.openxmlformats.org/drawingml/2006/main" xmlns:r="http://schemas.openxmlformats.org/officeDocument/2006/relationships" xmlns:p="http://schemas.openxmlformats.org/presentationml/2006/main">
+  <p:cSld>
+    <p:spTree>
+      <p:nvGrpSpPr>
+        <p:cNvPr id="1" name=""/>
+        <p:cNvGrpSpPr/>
+        <p:nvPr/>
+      </p:nvGrpSpPr>
+      <p:grpSpPr>
+        <a:xfrm>
+          <a:off x="0" y="0"/>
+          <a:ext cx="0" cy="0"/>
+          <a:chOff x="0" y="0"/>
+          <a:chExt cx="0" cy="0"/>
+        </a:xfrm>
+      </p:grpSpPr>
+      <p:sp>
+        <p:nvSpPr>
+          <p:cNvPr id="2" name="タイトル 1"/>
+          <p:cNvSpPr>
+            <a:spLocks noGrp="1"/>
+          </p:cNvSpPr>
+          <p:nvPr>
+            <p:ph type="title"/>
+          </p:nvPr>
+        </p:nvSpPr>
+        <p:spPr/>
+        <p:txBody>
+          <a:bodyPr>
+            <a:normAutofit fontScale="90000"/>
+          </a:bodyPr>
+          <a:lstStyle/>
+          <a:p>
+            <a:r>
+              <a:rPr kumimoji="1" lang="ja-JP" altLang="en-US" dirty="0" smtClean="0"/>
+              <a:t>クラスター</a:t>
+            </a:r>
+            <a:r>
+              <a:rPr lang="en-US" altLang="ja-JP" dirty="0" smtClean="0"/>
+              <a:t>C</a:t>
+            </a:r>
+            <a:r>
+              <a:rPr kumimoji="1" lang="en-US" altLang="ja-JP" dirty="0" smtClean="0"/>
+              <a:t>:【</a:t>
+            </a:r>
+            <a:r>
+              <a:rPr lang="ja-JP" altLang="en-US" dirty="0" smtClean="0"/>
+              <a:t>各サービス</a:t>
+            </a:r>
+            <a:r>
+              <a:rPr kumimoji="1" lang="en-US" altLang="ja-JP" dirty="0" smtClean="0"/>
+              <a:t>】</a:t>
+            </a:r>
+            <a:endParaRPr kumimoji="1" lang="ja-JP" altLang="en-US" dirty="0"/>
+          </a:p>
+        </p:txBody>
+      </p:sp>
+      <p:sp>
+        <p:nvSpPr>
+          <p:cNvPr id="3" name="テキスト プレースホルダー 2"/>
+          <p:cNvSpPr>
+            <a:spLocks noGrp="1"/>
+          </p:cNvSpPr>
+          <p:nvPr>
+            <p:ph type="body" sz="quarter" idx="10"/>
+          </p:nvPr>
+        </p:nvSpPr>
+        <p:spPr>
+          <a:xfrm>
+            <a:off x="388505" y="1781273"/>
+            <a:ext cx="7683500" cy="3740150"/>
+          </a:xfrm>
+        </p:spPr>
+        <p:txBody>
+          <a:bodyPr/>
+          <a:lstStyle/>
+          <a:p>
+            <a:pPr>
+              <a:buFont typeface="Wingdings" panose="05000000000000000000" pitchFamily="2" charset="2"/>
+              <a:buChar char="u"/>
+            </a:pPr>
+            <a:r>
+              <a:rPr kumimoji="1" lang="en-US" altLang="ja-JP" dirty="0" smtClean="0"/>
+              <a:t>(</a:t>
+            </a:r>
+            <a:r>
+              <a:rPr kumimoji="1" lang="ja-JP" altLang="en-US" dirty="0" smtClean="0"/>
+              <a:t>各クラスタの分析</a:t>
+            </a:r>
+            <a:r>
+              <a:rPr kumimoji="1" lang="en-US" altLang="ja-JP" dirty="0" smtClean="0"/>
+              <a:t>)</a:t>
+            </a:r>
+            <a:endParaRPr kumimoji="1" lang="ja-JP" altLang="en-US" dirty="0"/>
+          </a:p>
+        </p:txBody>
+      </p:sp>
+      <p:sp>
+        <p:nvSpPr>
+          <p:cNvPr id="4" name="テキスト プレースホルダー 3"/>
+          <p:cNvSpPr>
+            <a:spLocks noGrp="1"/>
+          </p:cNvSpPr>
+          <p:nvPr>
+            <p:ph type="body" sz="quarter" idx="11"/>
+          </p:nvPr>
+        </p:nvSpPr>
+        <p:spPr/>
+        <p:txBody>
+          <a:bodyPr/>
+          <a:lstStyle/>
+          <a:p>
+            <a:r>
+              <a:rPr kumimoji="1" lang="ja-JP" altLang="en-US" b="1" dirty="0" smtClean="0"/>
+              <a:t>ネットワーク分析</a:t>
+            </a:r>
+            <a:endParaRPr kumimoji="1" lang="ja-JP" altLang="en-US" b="1" dirty="0"/>
+          </a:p>
+        </p:txBody>
+      </p:sp>
+    </p:spTree>
+    <p:extLst>
+      <p:ext uri="{BB962C8B-B14F-4D97-AF65-F5344CB8AC3E}">
+        <p14:creationId xmlns:p14="http://schemas.microsoft.com/office/powerpoint/2010/main" val="162183060"/>
+      </p:ext>
+    </p:extLst>
+  </p:cSld>
+  <p:clrMapOvr>
+    <a:masterClrMapping/>
+  </p:clrMapOvr>
+</p:sld>
+</file>
+
+<file path=ppt/slides/slide15.xml><?xml version="1.0" encoding="utf-8"?>
+<p:sld xmlns:a="http://schemas.openxmlformats.org/drawingml/2006/main" xmlns:r="http://schemas.openxmlformats.org/officeDocument/2006/relationships" xmlns:p="http://schemas.openxmlformats.org/presentationml/2006/main">
+  <p:cSld>
+    <p:spTree>
+      <p:nvGrpSpPr>
+        <p:cNvPr id="1" name=""/>
+        <p:cNvGrpSpPr/>
+        <p:nvPr/>
+      </p:nvGrpSpPr>
+      <p:grpSpPr>
+        <a:xfrm>
+          <a:off x="0" y="0"/>
+          <a:ext cx="0" cy="0"/>
+          <a:chOff x="0" y="0"/>
+          <a:chExt cx="0" cy="0"/>
+        </a:xfrm>
+      </p:grpSpPr>
+      <p:sp>
+        <p:nvSpPr>
+          <p:cNvPr id="2" name="タイトル 1"/>
+          <p:cNvSpPr>
+            <a:spLocks noGrp="1"/>
+          </p:cNvSpPr>
+          <p:nvPr>
+            <p:ph type="title"/>
+          </p:nvPr>
+        </p:nvSpPr>
+        <p:spPr/>
+        <p:txBody>
+          <a:bodyPr>
+            <a:normAutofit fontScale="90000"/>
+          </a:bodyPr>
+          <a:lstStyle/>
+          <a:p>
+            <a:r>
+              <a:rPr kumimoji="1" lang="ja-JP" altLang="en-US" dirty="0" smtClean="0"/>
+              <a:t>クラスター</a:t>
+            </a:r>
+            <a:r>
+              <a:rPr lang="en-US" altLang="ja-JP" dirty="0"/>
+              <a:t>D</a:t>
+            </a:r>
+            <a:r>
+              <a:rPr kumimoji="1" lang="en-US" altLang="ja-JP" dirty="0" smtClean="0"/>
+              <a:t>:【</a:t>
+            </a:r>
+            <a:r>
+              <a:rPr lang="ja-JP" altLang="en-US" dirty="0" smtClean="0"/>
+              <a:t>記事確認</a:t>
+            </a:r>
+            <a:r>
+              <a:rPr kumimoji="1" lang="en-US" altLang="ja-JP" dirty="0" smtClean="0"/>
+              <a:t>】</a:t>
+            </a:r>
+            <a:endParaRPr kumimoji="1" lang="ja-JP" altLang="en-US" dirty="0"/>
+          </a:p>
+        </p:txBody>
+      </p:sp>
+      <p:sp>
+        <p:nvSpPr>
+          <p:cNvPr id="3" name="テキスト プレースホルダー 2"/>
+          <p:cNvSpPr>
+            <a:spLocks noGrp="1"/>
+          </p:cNvSpPr>
+          <p:nvPr>
+            <p:ph type="body" sz="quarter" idx="10"/>
+          </p:nvPr>
+        </p:nvSpPr>
+        <p:spPr>
+          <a:xfrm>
+            <a:off x="388505" y="1781273"/>
+            <a:ext cx="7683500" cy="3740150"/>
+          </a:xfrm>
+        </p:spPr>
+        <p:txBody>
+          <a:bodyPr/>
+          <a:lstStyle/>
+          <a:p>
+            <a:pPr>
+              <a:buFont typeface="Wingdings" panose="05000000000000000000" pitchFamily="2" charset="2"/>
+              <a:buChar char="u"/>
+            </a:pPr>
+            <a:r>
+              <a:rPr kumimoji="1" lang="en-US" altLang="ja-JP" dirty="0" smtClean="0"/>
+              <a:t>(</a:t>
+            </a:r>
+            <a:r>
+              <a:rPr kumimoji="1" lang="ja-JP" altLang="en-US" dirty="0" smtClean="0"/>
+              <a:t>各クラスタの分析</a:t>
+            </a:r>
+            <a:r>
+              <a:rPr kumimoji="1" lang="en-US" altLang="ja-JP" dirty="0" smtClean="0"/>
+              <a:t>)</a:t>
+            </a:r>
+            <a:endParaRPr kumimoji="1" lang="ja-JP" altLang="en-US" dirty="0"/>
+          </a:p>
+        </p:txBody>
+      </p:sp>
+      <p:sp>
+        <p:nvSpPr>
+          <p:cNvPr id="4" name="テキスト プレースホルダー 3"/>
+          <p:cNvSpPr>
+            <a:spLocks noGrp="1"/>
+          </p:cNvSpPr>
+          <p:nvPr>
+            <p:ph type="body" sz="quarter" idx="11"/>
+          </p:nvPr>
+        </p:nvSpPr>
+        <p:spPr/>
+        <p:txBody>
+          <a:bodyPr/>
+          <a:lstStyle/>
+          <a:p>
+            <a:r>
+              <a:rPr kumimoji="1" lang="ja-JP" altLang="en-US" b="1" dirty="0" smtClean="0"/>
+              <a:t>ネットワーク分析</a:t>
+            </a:r>
+            <a:endParaRPr kumimoji="1" lang="ja-JP" altLang="en-US" b="1" dirty="0"/>
+          </a:p>
+        </p:txBody>
+      </p:sp>
+    </p:spTree>
+    <p:extLst>
+      <p:ext uri="{BB962C8B-B14F-4D97-AF65-F5344CB8AC3E}">
+        <p14:creationId xmlns:p14="http://schemas.microsoft.com/office/powerpoint/2010/main" val="1183230093"/>
+      </p:ext>
+    </p:extLst>
+  </p:cSld>
+  <p:clrMapOvr>
+    <a:masterClrMapping/>
+  </p:clrMapOvr>
+</p:sld>
+</file>
+
+<file path=ppt/slides/slide16.xml><?xml version="1.0" encoding="utf-8"?>
+<p:sld xmlns:a="http://schemas.openxmlformats.org/drawingml/2006/main" xmlns:r="http://schemas.openxmlformats.org/officeDocument/2006/relationships" xmlns:p="http://schemas.openxmlformats.org/presentationml/2006/main">
+  <p:cSld>
+    <p:spTree>
+      <p:nvGrpSpPr>
+        <p:cNvPr id="1" name=""/>
+        <p:cNvGrpSpPr/>
+        <p:nvPr/>
+      </p:nvGrpSpPr>
+      <p:grpSpPr>
+        <a:xfrm>
+          <a:off x="0" y="0"/>
+          <a:ext cx="0" cy="0"/>
+          <a:chOff x="0" y="0"/>
+          <a:chExt cx="0" cy="0"/>
+        </a:xfrm>
+      </p:grpSpPr>
+      <p:sp>
+        <p:nvSpPr>
+          <p:cNvPr id="2" name="コンテンツ プレースホルダー 1"/>
+          <p:cNvSpPr>
+            <a:spLocks noGrp="1"/>
+          </p:cNvSpPr>
+          <p:nvPr>
+            <p:ph idx="1"/>
+          </p:nvPr>
+        </p:nvSpPr>
+        <p:spPr/>
+        <p:txBody>
+          <a:bodyPr/>
+          <a:lstStyle/>
+          <a:p>
+            <a:r>
+              <a:rPr kumimoji="1" lang="en-US" altLang="ja-JP" dirty="0"/>
+              <a:t>DeNA</a:t>
+            </a:r>
+            <a:r>
+              <a:rPr kumimoji="1" lang="ja-JP" altLang="en-US" dirty="0"/>
+              <a:t>の問題について</a:t>
+            </a:r>
+            <a:endParaRPr kumimoji="1" lang="en-US" altLang="ja-JP" dirty="0"/>
+          </a:p>
+          <a:p>
+            <a:r>
+              <a:rPr kumimoji="1" lang="ja-JP" altLang="en-US" dirty="0"/>
+              <a:t>調査報告書</a:t>
+            </a:r>
+            <a:endParaRPr kumimoji="1" lang="en-US" altLang="ja-JP" dirty="0"/>
+          </a:p>
+          <a:p>
+            <a:r>
+              <a:rPr lang="ja-JP" altLang="en-US" dirty="0"/>
+              <a:t>どうやって分析するか</a:t>
+            </a:r>
+            <a:endParaRPr lang="en-US" altLang="ja-JP" dirty="0"/>
+          </a:p>
+          <a:p>
+            <a:pPr lvl="1">
+              <a:buFont typeface="Wingdings" panose="05000000000000000000" pitchFamily="2" charset="2"/>
+              <a:buChar char="ü"/>
+            </a:pPr>
+            <a:r>
+              <a:rPr kumimoji="1" lang="en-US" altLang="ja-JP" dirty="0"/>
+              <a:t>Bi</a:t>
+            </a:r>
+            <a:r>
+              <a:rPr lang="en-US" altLang="ja-JP" dirty="0"/>
+              <a:t>-Gram</a:t>
+            </a:r>
+            <a:r>
+              <a:rPr lang="ja-JP" altLang="en-US" dirty="0"/>
+              <a:t> </a:t>
+            </a:r>
+            <a:r>
+              <a:rPr lang="en-US" altLang="ja-JP" dirty="0"/>
+              <a:t>Network</a:t>
+            </a:r>
+          </a:p>
+          <a:p>
+            <a:pPr lvl="1">
+              <a:buFont typeface="Wingdings" panose="05000000000000000000" pitchFamily="2" charset="2"/>
+              <a:buChar char="ü"/>
+            </a:pPr>
+            <a:r>
+              <a:rPr lang="en-US" altLang="ja-JP" dirty="0"/>
+              <a:t>Word2Vec</a:t>
+            </a:r>
+          </a:p>
+          <a:p>
+            <a:r>
+              <a:rPr lang="en-US" altLang="ja-JP" dirty="0"/>
+              <a:t>Bi-Gram Network</a:t>
+            </a:r>
+            <a:r>
+              <a:rPr lang="ja-JP" altLang="en-US" dirty="0"/>
+              <a:t>の結果</a:t>
+            </a:r>
+            <a:endParaRPr lang="en-US" altLang="ja-JP" dirty="0"/>
+          </a:p>
+          <a:p>
+            <a:r>
+              <a:rPr lang="en-US" altLang="ja-JP" b="1" dirty="0">
+                <a:solidFill>
+                  <a:schemeClr val="accent1"/>
+                </a:solidFill>
+              </a:rPr>
+              <a:t>Word2Vec</a:t>
+            </a:r>
+            <a:r>
+              <a:rPr lang="ja-JP" altLang="en-US" b="1" dirty="0">
+                <a:solidFill>
+                  <a:schemeClr val="accent1"/>
+                </a:solidFill>
+              </a:rPr>
+              <a:t>の結果</a:t>
+            </a:r>
+            <a:endParaRPr lang="en-US" altLang="ja-JP" b="1" dirty="0">
+              <a:solidFill>
+                <a:schemeClr val="accent1"/>
+              </a:solidFill>
+            </a:endParaRPr>
+          </a:p>
+          <a:p>
+            <a:r>
+              <a:rPr lang="ja-JP" altLang="en-US" dirty="0"/>
+              <a:t>結論</a:t>
+            </a:r>
+            <a:endParaRPr lang="en-US" altLang="ja-JP" dirty="0"/>
+          </a:p>
+          <a:p>
+            <a:endParaRPr kumimoji="1" lang="en-US" altLang="ja-JP" dirty="0"/>
+          </a:p>
+          <a:p>
+            <a:endParaRPr kumimoji="1" lang="en-US" altLang="ja-JP" dirty="0"/>
+          </a:p>
+        </p:txBody>
+      </p:sp>
+    </p:spTree>
+    <p:extLst>
+      <p:ext uri="{BB962C8B-B14F-4D97-AF65-F5344CB8AC3E}">
+        <p14:creationId xmlns:p14="http://schemas.microsoft.com/office/powerpoint/2010/main" val="3536755885"/>
+      </p:ext>
+    </p:extLst>
+  </p:cSld>
+  <p:clrMapOvr>
+    <a:masterClrMapping/>
+  </p:clrMapOvr>
+</p:sld>
+</file>
+
+<file path=ppt/slides/slide17.xml><?xml version="1.0" encoding="utf-8"?>
+<p:sld xmlns:a="http://schemas.openxmlformats.org/drawingml/2006/main" xmlns:r="http://schemas.openxmlformats.org/officeDocument/2006/relationships" xmlns:p="http://schemas.openxmlformats.org/presentationml/2006/main">
+  <p:cSld>
+    <p:spTree>
+      <p:nvGrpSpPr>
+        <p:cNvPr id="1" name=""/>
+        <p:cNvGrpSpPr/>
+        <p:nvPr/>
+      </p:nvGrpSpPr>
+      <p:grpSpPr>
+        <a:xfrm>
+          <a:off x="0" y="0"/>
+          <a:ext cx="0" cy="0"/>
+          <a:chOff x="0" y="0"/>
+          <a:chExt cx="0" cy="0"/>
+        </a:xfrm>
+      </p:grpSpPr>
+      <p:sp>
+        <p:nvSpPr>
           <p:cNvPr id="2" name="コンテンツ プレースホルダー 1"/>
           <p:cNvSpPr>
             <a:spLocks noGrp="1"/>
@@ -2698,7 +3508,7 @@
 </p:sld>
 </file>
 
-<file path=ppt/slides/slide12.xml><?xml version="1.0" encoding="utf-8"?>
+<file path=ppt/slides/slide18.xml><?xml version="1.0" encoding="utf-8"?>
 <p:sld xmlns:a="http://schemas.openxmlformats.org/drawingml/2006/main" xmlns:r="http://schemas.openxmlformats.org/officeDocument/2006/relationships" xmlns:p="http://schemas.openxmlformats.org/presentationml/2006/main">
   <p:cSld>
     <p:spTree>
@@ -3877,7 +4687,6 @@
               <a:rPr lang="ja-JP" altLang="en-US" dirty="0"/>
               <a:t>http://dena.com/jp/press/</a:t>
             </a:r>
-            <a:endParaRPr lang="ja-JP" altLang="en-US" dirty="0"/>
           </a:p>
         </p:txBody>
       </p:sp>
@@ -4319,7 +5128,7 @@
   <a:themeElements>
     <a:clrScheme name="Office テーマ">
       <a:dk1>
-        <a:sysClr val="windowText" lastClr="040404"/>
+        <a:sysClr val="windowText" lastClr="000000"/>
       </a:dk1>
       <a:lt1>
         <a:sysClr val="window" lastClr="FFFFFF"/>
@@ -4603,7 +5412,7 @@
   <a:themeElements>
     <a:clrScheme name="Office">
       <a:dk1>
-        <a:sysClr val="windowText" lastClr="040404"/>
+        <a:sysClr val="windowText" lastClr="000000"/>
       </a:dk1>
       <a:lt1>
         <a:sysClr val="window" lastClr="FFFFFF"/>

--- a/dena-visualize.pptx
+++ b/dena-visualize.pptx
@@ -5,7 +5,7 @@
     <p:sldMasterId id="2147483660" r:id="rId1"/>
   </p:sldMasterIdLst>
   <p:notesMasterIdLst>
-    <p:notesMasterId r:id="rId20"/>
+    <p:notesMasterId r:id="rId26"/>
   </p:notesMasterIdLst>
   <p:sldIdLst>
     <p:sldId id="258" r:id="rId2"/>
@@ -15,17 +15,23 @@
     <p:sldId id="281" r:id="rId6"/>
     <p:sldId id="287" r:id="rId7"/>
     <p:sldId id="288" r:id="rId8"/>
-    <p:sldId id="282" r:id="rId9"/>
-    <p:sldId id="283" r:id="rId10"/>
-    <p:sldId id="289" r:id="rId11"/>
-    <p:sldId id="290" r:id="rId12"/>
-    <p:sldId id="291" r:id="rId13"/>
-    <p:sldId id="292" r:id="rId14"/>
-    <p:sldId id="293" r:id="rId15"/>
-    <p:sldId id="294" r:id="rId16"/>
-    <p:sldId id="284" r:id="rId17"/>
-    <p:sldId id="285" r:id="rId18"/>
-    <p:sldId id="279" r:id="rId19"/>
+    <p:sldId id="295" r:id="rId9"/>
+    <p:sldId id="296" r:id="rId10"/>
+    <p:sldId id="282" r:id="rId11"/>
+    <p:sldId id="297" r:id="rId12"/>
+    <p:sldId id="299" r:id="rId13"/>
+    <p:sldId id="298" r:id="rId14"/>
+    <p:sldId id="300" r:id="rId15"/>
+    <p:sldId id="283" r:id="rId16"/>
+    <p:sldId id="289" r:id="rId17"/>
+    <p:sldId id="290" r:id="rId18"/>
+    <p:sldId id="291" r:id="rId19"/>
+    <p:sldId id="292" r:id="rId20"/>
+    <p:sldId id="293" r:id="rId21"/>
+    <p:sldId id="294" r:id="rId22"/>
+    <p:sldId id="284" r:id="rId23"/>
+    <p:sldId id="285" r:id="rId24"/>
+    <p:sldId id="279" r:id="rId25"/>
   </p:sldIdLst>
   <p:sldSz cx="9144000" cy="6858000" type="screen4x3"/>
   <p:notesSz cx="6858000" cy="9144000"/>
@@ -2427,96 +2433,144 @@
       </p:grpSpPr>
       <p:sp>
         <p:nvSpPr>
-          <p:cNvPr id="2" name="タイトル 1"/>
+          <p:cNvPr id="2" name="コンテンツ プレースホルダー 1"/>
           <p:cNvSpPr>
             <a:spLocks noGrp="1"/>
           </p:cNvSpPr>
           <p:nvPr>
-            <p:ph type="title"/>
+            <p:ph idx="1"/>
           </p:nvPr>
         </p:nvSpPr>
         <p:spPr/>
         <p:txBody>
-          <a:bodyPr>
-            <a:normAutofit fontScale="90000"/>
-          </a:bodyPr>
-          <a:lstStyle/>
-          <a:p>
-            <a:r>
-              <a:rPr lang="ja-JP" altLang="en-US" dirty="0" smtClean="0"/>
-              <a:t>ネットワーク図</a:t>
-            </a:r>
-            <a:endParaRPr kumimoji="1" lang="ja-JP" altLang="en-US" dirty="0"/>
-          </a:p>
-        </p:txBody>
-      </p:sp>
-      <p:sp>
-        <p:nvSpPr>
-          <p:cNvPr id="3" name="テキスト プレースホルダー 2"/>
-          <p:cNvSpPr>
-            <a:spLocks noGrp="1"/>
-          </p:cNvSpPr>
-          <p:nvPr>
-            <p:ph type="body" sz="quarter" idx="10"/>
-          </p:nvPr>
-        </p:nvSpPr>
-        <p:spPr>
-          <a:xfrm>
-            <a:off x="388505" y="1781273"/>
-            <a:ext cx="7683500" cy="3740150"/>
-          </a:xfrm>
-        </p:spPr>
-        <p:txBody>
           <a:bodyPr/>
           <a:lstStyle/>
           <a:p>
-            <a:pPr>
+            <a:r>
+              <a:rPr kumimoji="1" lang="en-US" altLang="ja-JP" dirty="0"/>
+              <a:t>DeNA</a:t>
+            </a:r>
+            <a:r>
+              <a:rPr kumimoji="1" lang="ja-JP" altLang="en-US" dirty="0"/>
+              <a:t>の問題について</a:t>
+            </a:r>
+            <a:endParaRPr kumimoji="1" lang="en-US" altLang="ja-JP" dirty="0"/>
+          </a:p>
+          <a:p>
+            <a:r>
+              <a:rPr kumimoji="1" lang="ja-JP" altLang="en-US" dirty="0"/>
+              <a:t>調査報告書</a:t>
+            </a:r>
+            <a:endParaRPr kumimoji="1" lang="en-US" altLang="ja-JP" dirty="0"/>
+          </a:p>
+          <a:p>
+            <a:r>
+              <a:rPr lang="ja-JP" altLang="en-US" b="1" dirty="0">
+                <a:solidFill>
+                  <a:schemeClr val="accent1"/>
+                </a:solidFill>
+              </a:rPr>
+              <a:t>どうやって分析するか</a:t>
+            </a:r>
+            <a:endParaRPr lang="en-US" altLang="ja-JP" b="1" dirty="0">
+              <a:solidFill>
+                <a:schemeClr val="accent1"/>
+              </a:solidFill>
+            </a:endParaRPr>
+          </a:p>
+          <a:p>
+            <a:pPr lvl="1">
               <a:buFont typeface="Wingdings" panose="05000000000000000000" pitchFamily="2" charset="2"/>
-              <a:buChar char="u"/>
+              <a:buChar char="ü"/>
             </a:pPr>
             <a:r>
-              <a:rPr kumimoji="1" lang="en-US" altLang="ja-JP" dirty="0" smtClean="0"/>
-              <a:t>(</a:t>
-            </a:r>
-            <a:r>
-              <a:rPr kumimoji="1" lang="ja-JP" altLang="en-US" dirty="0" smtClean="0"/>
-              <a:t>ネットワーク図を貼る</a:t>
-            </a:r>
-            <a:r>
-              <a:rPr kumimoji="1" lang="en-US" altLang="ja-JP" dirty="0" smtClean="0"/>
-              <a:t>)</a:t>
-            </a:r>
-            <a:endParaRPr kumimoji="1" lang="ja-JP" altLang="en-US" dirty="0"/>
-          </a:p>
-        </p:txBody>
-      </p:sp>
-      <p:sp>
-        <p:nvSpPr>
-          <p:cNvPr id="4" name="テキスト プレースホルダー 3"/>
-          <p:cNvSpPr>
-            <a:spLocks noGrp="1"/>
-          </p:cNvSpPr>
-          <p:nvPr>
-            <p:ph type="body" sz="quarter" idx="11"/>
-          </p:nvPr>
-        </p:nvSpPr>
-        <p:spPr/>
-        <p:txBody>
-          <a:bodyPr/>
-          <a:lstStyle/>
-          <a:p>
-            <a:r>
-              <a:rPr kumimoji="1" lang="ja-JP" altLang="en-US" b="1" dirty="0" smtClean="0"/>
-              <a:t>ネットワーク分析</a:t>
-            </a:r>
-            <a:endParaRPr kumimoji="1" lang="ja-JP" altLang="en-US" b="1" dirty="0"/>
+              <a:rPr kumimoji="1" lang="en-US" altLang="ja-JP" b="1" dirty="0">
+                <a:solidFill>
+                  <a:schemeClr val="accent1"/>
+                </a:solidFill>
+              </a:rPr>
+              <a:t>Bi</a:t>
+            </a:r>
+            <a:r>
+              <a:rPr lang="en-US" altLang="ja-JP" b="1" dirty="0">
+                <a:solidFill>
+                  <a:schemeClr val="accent1"/>
+                </a:solidFill>
+              </a:rPr>
+              <a:t>-Gram</a:t>
+            </a:r>
+            <a:r>
+              <a:rPr lang="ja-JP" altLang="en-US" b="1" dirty="0">
+                <a:solidFill>
+                  <a:schemeClr val="accent1"/>
+                </a:solidFill>
+              </a:rPr>
+              <a:t> </a:t>
+            </a:r>
+            <a:r>
+              <a:rPr lang="en-US" altLang="ja-JP" b="1" dirty="0">
+                <a:solidFill>
+                  <a:schemeClr val="accent1"/>
+                </a:solidFill>
+              </a:rPr>
+              <a:t>Network</a:t>
+            </a:r>
+          </a:p>
+          <a:p>
+            <a:pPr lvl="1">
+              <a:buFont typeface="Wingdings" panose="05000000000000000000" pitchFamily="2" charset="2"/>
+              <a:buChar char="ü"/>
+            </a:pPr>
+            <a:r>
+              <a:rPr lang="en-US" altLang="ja-JP" b="1" dirty="0">
+                <a:solidFill>
+                  <a:schemeClr val="accent1"/>
+                </a:solidFill>
+              </a:rPr>
+              <a:t>Word2Vec</a:t>
+            </a:r>
+          </a:p>
+          <a:p>
+            <a:r>
+              <a:rPr lang="en-US" altLang="ja-JP" dirty="0"/>
+              <a:t>Bi-Gram Network</a:t>
+            </a:r>
+            <a:r>
+              <a:rPr lang="ja-JP" altLang="en-US" dirty="0"/>
+              <a:t>の結果</a:t>
+            </a:r>
+            <a:endParaRPr lang="en-US" altLang="ja-JP" dirty="0"/>
+          </a:p>
+          <a:p>
+            <a:r>
+              <a:rPr lang="en-US" altLang="ja-JP" dirty="0"/>
+              <a:t>Word2Vec</a:t>
+            </a:r>
+            <a:r>
+              <a:rPr lang="ja-JP" altLang="en-US" dirty="0"/>
+              <a:t>の結果</a:t>
+            </a:r>
+            <a:endParaRPr lang="en-US" altLang="ja-JP" dirty="0"/>
+          </a:p>
+          <a:p>
+            <a:r>
+              <a:rPr lang="ja-JP" altLang="en-US" dirty="0"/>
+              <a:t>結論</a:t>
+            </a:r>
+            <a:endParaRPr lang="en-US" altLang="ja-JP" dirty="0"/>
+          </a:p>
+          <a:p>
+            <a:endParaRPr kumimoji="1" lang="en-US" altLang="ja-JP" dirty="0"/>
+          </a:p>
+          <a:p>
+            <a:endParaRPr kumimoji="1" lang="en-US" altLang="ja-JP" dirty="0"/>
           </a:p>
         </p:txBody>
       </p:sp>
     </p:spTree>
     <p:extLst>
       <p:ext uri="{BB962C8B-B14F-4D97-AF65-F5344CB8AC3E}">
-        <p14:creationId xmlns:p14="http://schemas.microsoft.com/office/powerpoint/2010/main" val="1901626880"/>
+        <p14:creationId xmlns:p14="http://schemas.microsoft.com/office/powerpoint/2010/main" val="1526840563"/>
       </p:ext>
     </p:extLst>
   </p:cSld>
@@ -2561,86 +2615,18 @@
           <a:lstStyle/>
           <a:p>
             <a:r>
-              <a:rPr kumimoji="1" lang="ja-JP" altLang="en-US" dirty="0" smtClean="0"/>
-              <a:t>各クラスターに分ける</a:t>
+              <a:rPr kumimoji="1" lang="en-US" altLang="ja-JP" dirty="0"/>
+              <a:t>Bi-Gra</a:t>
+            </a:r>
+            <a:r>
+              <a:rPr lang="en-US" altLang="ja-JP" dirty="0"/>
+              <a:t>m</a:t>
+            </a:r>
+            <a:r>
+              <a:rPr lang="ja-JP" altLang="en-US" dirty="0"/>
+              <a:t>とは</a:t>
             </a:r>
             <a:endParaRPr kumimoji="1" lang="ja-JP" altLang="en-US" dirty="0"/>
-          </a:p>
-        </p:txBody>
-      </p:sp>
-      <p:sp>
-        <p:nvSpPr>
-          <p:cNvPr id="3" name="テキスト プレースホルダー 2"/>
-          <p:cNvSpPr>
-            <a:spLocks noGrp="1"/>
-          </p:cNvSpPr>
-          <p:nvPr>
-            <p:ph type="body" sz="quarter" idx="10"/>
-          </p:nvPr>
-        </p:nvSpPr>
-        <p:spPr>
-          <a:xfrm>
-            <a:off x="388505" y="1781273"/>
-            <a:ext cx="7683500" cy="3740150"/>
-          </a:xfrm>
-        </p:spPr>
-        <p:txBody>
-          <a:bodyPr/>
-          <a:lstStyle/>
-          <a:p>
-            <a:pPr>
-              <a:buFont typeface="Wingdings" panose="05000000000000000000" pitchFamily="2" charset="2"/>
-              <a:buChar char="u"/>
-            </a:pPr>
-            <a:r>
-              <a:rPr kumimoji="1" lang="en-US" altLang="ja-JP" dirty="0" smtClean="0"/>
-              <a:t>(</a:t>
-            </a:r>
-            <a:r>
-              <a:rPr kumimoji="1" lang="ja-JP" altLang="en-US" dirty="0" smtClean="0"/>
-              <a:t>モジュラリティでクラスタリングしたよ</a:t>
-            </a:r>
-            <a:r>
-              <a:rPr kumimoji="1" lang="en-US" altLang="ja-JP" dirty="0" smtClean="0"/>
-              <a:t>)</a:t>
-            </a:r>
-          </a:p>
-          <a:p>
-            <a:pPr>
-              <a:buFont typeface="Wingdings" panose="05000000000000000000" pitchFamily="2" charset="2"/>
-              <a:buChar char="u"/>
-            </a:pPr>
-            <a:r>
-              <a:rPr lang="en-US" altLang="ja-JP" dirty="0" smtClean="0"/>
-              <a:t>(</a:t>
-            </a:r>
-            <a:r>
-              <a:rPr lang="ja-JP" altLang="en-US" dirty="0" smtClean="0"/>
-              <a:t>次の４つのクラスターに着目するよ</a:t>
-            </a:r>
-            <a:r>
-              <a:rPr lang="en-US" altLang="ja-JP" dirty="0" smtClean="0"/>
-              <a:t>)</a:t>
-            </a:r>
-          </a:p>
-          <a:p>
-            <a:pPr>
-              <a:buFont typeface="Wingdings" panose="05000000000000000000" pitchFamily="2" charset="2"/>
-              <a:buChar char="u"/>
-            </a:pPr>
-            <a:r>
-              <a:rPr lang="en-US" altLang="ja-JP" dirty="0" smtClean="0"/>
-              <a:t>(word2vec</a:t>
-            </a:r>
-            <a:r>
-              <a:rPr lang="ja-JP" altLang="en-US" smtClean="0"/>
-              <a:t>でもこのクラスター名を使う</a:t>
-            </a:r>
-            <a:r>
-              <a:rPr lang="en-US" altLang="ja-JP" smtClean="0"/>
-              <a:t>)</a:t>
-            </a:r>
-            <a:endParaRPr lang="en-US" altLang="ja-JP" dirty="0" smtClean="0"/>
           </a:p>
         </p:txBody>
       </p:sp>
@@ -2660,17 +2646,820 @@
           <a:lstStyle/>
           <a:p>
             <a:r>
-              <a:rPr kumimoji="1" lang="ja-JP" altLang="en-US" b="1" dirty="0" smtClean="0"/>
-              <a:t>ネットワーク分析</a:t>
-            </a:r>
-            <a:endParaRPr kumimoji="1" lang="ja-JP" altLang="en-US" b="1" dirty="0"/>
+              <a:rPr kumimoji="1" lang="ja-JP" altLang="en-US" b="1" dirty="0"/>
+              <a:t>分析方針</a:t>
+            </a:r>
+          </a:p>
+        </p:txBody>
+      </p:sp>
+      <p:sp>
+        <p:nvSpPr>
+          <p:cNvPr id="5" name="テキスト ボックス 4"/>
+          <p:cNvSpPr txBox="1"/>
+          <p:nvPr/>
+        </p:nvSpPr>
+        <p:spPr>
+          <a:xfrm>
+            <a:off x="480291" y="2649376"/>
+            <a:ext cx="6336146" cy="492443"/>
+          </a:xfrm>
+          <a:prstGeom prst="rect">
+            <a:avLst/>
+          </a:prstGeom>
+          <a:noFill/>
+        </p:spPr>
+        <p:txBody>
+          <a:bodyPr wrap="square" rtlCol="0">
+            <a:spAutoFit/>
+          </a:bodyPr>
+          <a:lstStyle/>
+          <a:p>
+            <a:pPr>
+              <a:lnSpc>
+                <a:spcPct val="130000"/>
+              </a:lnSpc>
+            </a:pPr>
+            <a:r>
+              <a:rPr kumimoji="1" lang="ja-JP" altLang="en-US" sz="2000" dirty="0">
+                <a:latin typeface="+mn-ea"/>
+                <a:ea typeface="+mn-ea"/>
+                <a:cs typeface="Meiryo" charset="-128"/>
+              </a:rPr>
+              <a:t>例文</a:t>
+            </a:r>
+            <a:r>
+              <a:rPr kumimoji="1" lang="en-US" altLang="ja-JP" sz="2000" dirty="0">
+                <a:latin typeface="+mn-ea"/>
+                <a:cs typeface="Meiryo" charset="-128"/>
+              </a:rPr>
+              <a:t>:</a:t>
+            </a:r>
+            <a:r>
+              <a:rPr kumimoji="1" lang="ja-JP" altLang="en-US" sz="2000" dirty="0">
+                <a:latin typeface="+mn-ea"/>
+                <a:cs typeface="Meiryo" charset="-128"/>
+              </a:rPr>
+              <a:t>「</a:t>
+            </a:r>
+            <a:r>
+              <a:rPr kumimoji="1" lang="en-US" altLang="ja-JP" sz="2000" dirty="0">
+                <a:latin typeface="+mn-ea"/>
+                <a:cs typeface="Meiryo" charset="-128"/>
+              </a:rPr>
+              <a:t>Nintendo Switch</a:t>
+            </a:r>
+            <a:r>
+              <a:rPr kumimoji="1" lang="ja-JP" altLang="en-US" sz="2000" dirty="0">
+                <a:latin typeface="+mn-ea"/>
+                <a:cs typeface="Meiryo" charset="-128"/>
+              </a:rPr>
+              <a:t>がどこの店舗にもない」</a:t>
+            </a:r>
+            <a:endParaRPr kumimoji="1" lang="ja-JP" altLang="en-US" sz="2000" dirty="0">
+              <a:latin typeface="+mn-ea"/>
+              <a:ea typeface="+mn-ea"/>
+              <a:cs typeface="Meiryo" charset="-128"/>
+            </a:endParaRPr>
+          </a:p>
+        </p:txBody>
+      </p:sp>
+      <p:sp>
+        <p:nvSpPr>
+          <p:cNvPr id="6" name="テキスト ボックス 5"/>
+          <p:cNvSpPr txBox="1"/>
+          <p:nvPr/>
+        </p:nvSpPr>
+        <p:spPr>
+          <a:xfrm>
+            <a:off x="480291" y="3579091"/>
+            <a:ext cx="3980873" cy="3028521"/>
+          </a:xfrm>
+          <a:prstGeom prst="rect">
+            <a:avLst/>
+          </a:prstGeom>
+          <a:noFill/>
+        </p:spPr>
+        <p:txBody>
+          <a:bodyPr wrap="square" rtlCol="0">
+            <a:spAutoFit/>
+          </a:bodyPr>
+          <a:lstStyle/>
+          <a:p>
+            <a:pPr>
+              <a:lnSpc>
+                <a:spcPct val="130000"/>
+              </a:lnSpc>
+            </a:pPr>
+            <a:r>
+              <a:rPr kumimoji="1" lang="ja-JP" altLang="en-US" b="1" dirty="0">
+                <a:latin typeface="+mn-ea"/>
+                <a:cs typeface="Meiryo" charset="-128"/>
+              </a:rPr>
+              <a:t>形態素解析</a:t>
+            </a:r>
+            <a:r>
+              <a:rPr kumimoji="1" lang="en-US" altLang="ja-JP" b="1" dirty="0">
+                <a:latin typeface="+mn-ea"/>
+                <a:cs typeface="Meiryo" charset="-128"/>
+                <a:sym typeface="Wingdings" panose="05000000000000000000" pitchFamily="2" charset="2"/>
+              </a:rPr>
+              <a:t>:  (</a:t>
+            </a:r>
+            <a:r>
+              <a:rPr kumimoji="1" lang="en-US" altLang="ja-JP" b="1" dirty="0" err="1">
+                <a:latin typeface="+mn-ea"/>
+                <a:cs typeface="Meiryo" charset="-128"/>
+                <a:sym typeface="Wingdings" panose="05000000000000000000" pitchFamily="2" charset="2"/>
+              </a:rPr>
+              <a:t>mecab</a:t>
+            </a:r>
+            <a:r>
+              <a:rPr kumimoji="1" lang="en-US" altLang="ja-JP" b="1" dirty="0">
+                <a:latin typeface="+mn-ea"/>
+                <a:cs typeface="Meiryo" charset="-128"/>
+                <a:sym typeface="Wingdings" panose="05000000000000000000" pitchFamily="2" charset="2"/>
+              </a:rPr>
+              <a:t> </a:t>
+            </a:r>
+            <a:r>
+              <a:rPr kumimoji="1" lang="en-US" altLang="ja-JP" b="1" dirty="0" err="1">
+                <a:latin typeface="+mn-ea"/>
+                <a:cs typeface="Meiryo" charset="-128"/>
+                <a:sym typeface="Wingdings" panose="05000000000000000000" pitchFamily="2" charset="2"/>
+              </a:rPr>
+              <a:t>neologd</a:t>
+            </a:r>
+            <a:r>
+              <a:rPr kumimoji="1" lang="en-US" altLang="ja-JP" b="1" dirty="0">
+                <a:latin typeface="+mn-ea"/>
+                <a:cs typeface="Meiryo" charset="-128"/>
+                <a:sym typeface="Wingdings" panose="05000000000000000000" pitchFamily="2" charset="2"/>
+              </a:rPr>
+              <a:t>)</a:t>
+            </a:r>
+            <a:endParaRPr kumimoji="1" lang="en-US" altLang="ja-JP" b="1" dirty="0">
+              <a:latin typeface="+mn-ea"/>
+              <a:cs typeface="Meiryo" charset="-128"/>
+            </a:endParaRPr>
+          </a:p>
+          <a:p>
+            <a:pPr marL="285750" indent="-285750">
+              <a:buFont typeface="Arial" panose="020B0604020202020204" pitchFamily="34" charset="0"/>
+              <a:buChar char="•"/>
+            </a:pPr>
+            <a:r>
+              <a:rPr lang="ja-JP" altLang="en-US" dirty="0"/>
+              <a:t>Nintendo Switch	</a:t>
+            </a:r>
+            <a:r>
+              <a:rPr lang="en-US" altLang="ja-JP" dirty="0"/>
+              <a:t>	</a:t>
+            </a:r>
+            <a:r>
+              <a:rPr lang="ja-JP" altLang="en-US" dirty="0"/>
+              <a:t>名詞,固有名詞</a:t>
+            </a:r>
+            <a:endParaRPr lang="en-US" altLang="ja-JP" dirty="0"/>
+          </a:p>
+          <a:p>
+            <a:pPr marL="285750" indent="-285750">
+              <a:buFont typeface="Arial" panose="020B0604020202020204" pitchFamily="34" charset="0"/>
+              <a:buChar char="•"/>
+            </a:pPr>
+            <a:r>
+              <a:rPr lang="ja-JP" altLang="en-US" dirty="0"/>
+              <a:t>が	</a:t>
+            </a:r>
+            <a:r>
+              <a:rPr lang="en-US" altLang="ja-JP" dirty="0"/>
+              <a:t>			</a:t>
+            </a:r>
+            <a:r>
+              <a:rPr lang="ja-JP" altLang="en-US" dirty="0"/>
+              <a:t>助詞,格助詞</a:t>
+            </a:r>
+            <a:endParaRPr lang="en-US" altLang="ja-JP" dirty="0"/>
+          </a:p>
+          <a:p>
+            <a:pPr marL="285750" indent="-285750">
+              <a:buFont typeface="Arial" panose="020B0604020202020204" pitchFamily="34" charset="0"/>
+              <a:buChar char="•"/>
+            </a:pPr>
+            <a:r>
+              <a:rPr lang="ja-JP" altLang="en-US" dirty="0"/>
+              <a:t>どこ	</a:t>
+            </a:r>
+            <a:r>
+              <a:rPr lang="en-US" altLang="ja-JP" dirty="0"/>
+              <a:t>			</a:t>
+            </a:r>
+            <a:r>
+              <a:rPr lang="ja-JP" altLang="en-US" dirty="0"/>
+              <a:t>名詞,代名詞</a:t>
+            </a:r>
+            <a:endParaRPr lang="en-US" altLang="ja-JP" dirty="0"/>
+          </a:p>
+          <a:p>
+            <a:pPr marL="285750" indent="-285750">
+              <a:buFont typeface="Arial" panose="020B0604020202020204" pitchFamily="34" charset="0"/>
+              <a:buChar char="•"/>
+            </a:pPr>
+            <a:r>
+              <a:rPr lang="ja-JP" altLang="en-US" dirty="0"/>
+              <a:t>の</a:t>
+            </a:r>
+            <a:r>
+              <a:rPr lang="en-US" altLang="ja-JP" dirty="0"/>
+              <a:t>				</a:t>
+            </a:r>
+            <a:r>
+              <a:rPr lang="ja-JP" altLang="en-US" dirty="0"/>
+              <a:t>助詞</a:t>
+            </a:r>
+            <a:r>
+              <a:rPr lang="en-US" altLang="ja-JP" dirty="0"/>
+              <a:t>,</a:t>
+            </a:r>
+            <a:r>
+              <a:rPr lang="ja-JP" altLang="en-US" dirty="0"/>
+              <a:t>連体化</a:t>
+            </a:r>
+            <a:endParaRPr lang="en-US" altLang="ja-JP" dirty="0"/>
+          </a:p>
+          <a:p>
+            <a:pPr marL="285750" indent="-285750">
+              <a:buFont typeface="Arial" panose="020B0604020202020204" pitchFamily="34" charset="0"/>
+              <a:buChar char="•"/>
+            </a:pPr>
+            <a:r>
+              <a:rPr lang="ja-JP" altLang="en-US" dirty="0"/>
+              <a:t>店舗	</a:t>
+            </a:r>
+            <a:r>
+              <a:rPr lang="en-US" altLang="ja-JP" dirty="0"/>
+              <a:t>			</a:t>
+            </a:r>
+            <a:r>
+              <a:rPr lang="ja-JP" altLang="en-US" dirty="0"/>
+              <a:t>名詞,一般</a:t>
+            </a:r>
+            <a:endParaRPr lang="en-US" altLang="ja-JP" dirty="0"/>
+          </a:p>
+          <a:p>
+            <a:pPr marL="285750" indent="-285750">
+              <a:buFont typeface="Arial" panose="020B0604020202020204" pitchFamily="34" charset="0"/>
+              <a:buChar char="•"/>
+            </a:pPr>
+            <a:r>
+              <a:rPr lang="ja-JP" altLang="en-US" dirty="0"/>
+              <a:t>に	</a:t>
+            </a:r>
+            <a:r>
+              <a:rPr lang="en-US" altLang="ja-JP" dirty="0"/>
+              <a:t>			</a:t>
+            </a:r>
+            <a:r>
+              <a:rPr lang="ja-JP" altLang="en-US" dirty="0"/>
+              <a:t>助詞,格助詞</a:t>
+            </a:r>
+            <a:endParaRPr lang="en-US" altLang="ja-JP" dirty="0"/>
+          </a:p>
+          <a:p>
+            <a:pPr marL="285750" indent="-285750">
+              <a:buFont typeface="Arial" panose="020B0604020202020204" pitchFamily="34" charset="0"/>
+              <a:buChar char="•"/>
+            </a:pPr>
+            <a:r>
+              <a:rPr lang="ja-JP" altLang="en-US" dirty="0"/>
+              <a:t>も	</a:t>
+            </a:r>
+            <a:r>
+              <a:rPr lang="en-US" altLang="ja-JP" dirty="0"/>
+              <a:t>			</a:t>
+            </a:r>
+            <a:r>
+              <a:rPr lang="ja-JP" altLang="en-US" dirty="0"/>
+              <a:t>助詞,係助詞</a:t>
+            </a:r>
+            <a:endParaRPr lang="en-US" altLang="ja-JP" dirty="0"/>
+          </a:p>
+          <a:p>
+            <a:pPr marL="285750" indent="-285750">
+              <a:buFont typeface="Arial" panose="020B0604020202020204" pitchFamily="34" charset="0"/>
+              <a:buChar char="•"/>
+            </a:pPr>
+            <a:r>
+              <a:rPr lang="ja-JP" altLang="en-US" dirty="0"/>
+              <a:t>ない	</a:t>
+            </a:r>
+            <a:r>
+              <a:rPr lang="en-US" altLang="ja-JP" dirty="0"/>
+              <a:t>			</a:t>
+            </a:r>
+            <a:r>
+              <a:rPr lang="ja-JP" altLang="en-US" dirty="0"/>
+              <a:t>形容詞,自立</a:t>
+            </a:r>
+          </a:p>
+          <a:p>
+            <a:pPr>
+              <a:lnSpc>
+                <a:spcPct val="130000"/>
+              </a:lnSpc>
+            </a:pPr>
+            <a:endParaRPr kumimoji="1" lang="ja-JP" altLang="en-US" dirty="0">
+              <a:latin typeface="+mn-ea"/>
+              <a:ea typeface="+mn-ea"/>
+              <a:cs typeface="Meiryo" charset="-128"/>
+            </a:endParaRPr>
+          </a:p>
+        </p:txBody>
+      </p:sp>
+      <p:sp>
+        <p:nvSpPr>
+          <p:cNvPr id="8" name="矢印: 下 7"/>
+          <p:cNvSpPr/>
+          <p:nvPr/>
+        </p:nvSpPr>
+        <p:spPr>
+          <a:xfrm>
+            <a:off x="2761673" y="3189392"/>
+            <a:ext cx="249382" cy="368827"/>
+          </a:xfrm>
+          <a:prstGeom prst="downArrow">
+            <a:avLst/>
+          </a:prstGeom>
+        </p:spPr>
+        <p:style>
+          <a:lnRef idx="2">
+            <a:schemeClr val="accent1">
+              <a:shade val="50000"/>
+            </a:schemeClr>
+          </a:lnRef>
+          <a:fillRef idx="1">
+            <a:schemeClr val="accent1"/>
+          </a:fillRef>
+          <a:effectRef idx="0">
+            <a:schemeClr val="accent1"/>
+          </a:effectRef>
+          <a:fontRef idx="minor">
+            <a:schemeClr val="lt1"/>
+          </a:fontRef>
+        </p:style>
+        <p:txBody>
+          <a:bodyPr rtlCol="0" anchor="ctr"/>
+          <a:lstStyle/>
+          <a:p>
+            <a:pPr algn="ctr"/>
+            <a:endParaRPr kumimoji="1" lang="ja-JP" altLang="en-US"/>
+          </a:p>
+        </p:txBody>
+      </p:sp>
+      <p:sp>
+        <p:nvSpPr>
+          <p:cNvPr id="9" name="矢印: 右 8"/>
+          <p:cNvSpPr/>
+          <p:nvPr/>
+        </p:nvSpPr>
+        <p:spPr>
+          <a:xfrm>
+            <a:off x="4267200" y="4590473"/>
+            <a:ext cx="683491" cy="535709"/>
+          </a:xfrm>
+          <a:prstGeom prst="rightArrow">
+            <a:avLst/>
+          </a:prstGeom>
+        </p:spPr>
+        <p:style>
+          <a:lnRef idx="2">
+            <a:schemeClr val="accent1">
+              <a:shade val="50000"/>
+            </a:schemeClr>
+          </a:lnRef>
+          <a:fillRef idx="1">
+            <a:schemeClr val="accent1"/>
+          </a:fillRef>
+          <a:effectRef idx="0">
+            <a:schemeClr val="accent1"/>
+          </a:effectRef>
+          <a:fontRef idx="minor">
+            <a:schemeClr val="lt1"/>
+          </a:fontRef>
+        </p:style>
+        <p:txBody>
+          <a:bodyPr rtlCol="0" anchor="ctr"/>
+          <a:lstStyle/>
+          <a:p>
+            <a:pPr algn="ctr"/>
+            <a:endParaRPr kumimoji="1" lang="ja-JP" altLang="en-US"/>
+          </a:p>
+        </p:txBody>
+      </p:sp>
+      <p:sp>
+        <p:nvSpPr>
+          <p:cNvPr id="10" name="テキスト ボックス 9"/>
+          <p:cNvSpPr txBox="1"/>
+          <p:nvPr/>
+        </p:nvSpPr>
+        <p:spPr>
+          <a:xfrm>
+            <a:off x="5894962" y="3579091"/>
+            <a:ext cx="3249038" cy="539187"/>
+          </a:xfrm>
+          <a:prstGeom prst="rect">
+            <a:avLst/>
+          </a:prstGeom>
+          <a:noFill/>
+        </p:spPr>
+        <p:txBody>
+          <a:bodyPr wrap="square" rtlCol="0">
+            <a:spAutoFit/>
+          </a:bodyPr>
+          <a:lstStyle/>
+          <a:p>
+            <a:pPr>
+              <a:lnSpc>
+                <a:spcPct val="130000"/>
+              </a:lnSpc>
+            </a:pPr>
+            <a:r>
+              <a:rPr kumimoji="1" lang="en-US" altLang="ja-JP" sz="2400" b="1" dirty="0">
+                <a:latin typeface="+mn-ea"/>
+                <a:cs typeface="Meiryo" charset="-128"/>
+              </a:rPr>
+              <a:t>Bi-Gram</a:t>
+            </a:r>
+            <a:r>
+              <a:rPr kumimoji="1" lang="ja-JP" altLang="en-US" sz="2400" b="1" dirty="0">
+                <a:latin typeface="+mn-ea"/>
+                <a:cs typeface="Meiryo" charset="-128"/>
+              </a:rPr>
+              <a:t>統計</a:t>
+            </a:r>
+            <a:endParaRPr kumimoji="1" lang="ja-JP" altLang="en-US" sz="2400" b="1" dirty="0">
+              <a:latin typeface="+mn-ea"/>
+              <a:ea typeface="+mn-ea"/>
+              <a:cs typeface="Meiryo" charset="-128"/>
+            </a:endParaRPr>
+          </a:p>
+        </p:txBody>
+      </p:sp>
+      <p:graphicFrame>
+        <p:nvGraphicFramePr>
+          <p:cNvPr id="12" name="表 11"/>
+          <p:cNvGraphicFramePr>
+            <a:graphicFrameLocks noGrp="1"/>
+          </p:cNvGraphicFramePr>
+          <p:nvPr>
+            <p:extLst>
+              <p:ext uri="{D42A27DB-BD31-4B8C-83A1-F6EECF244321}">
+                <p14:modId xmlns:p14="http://schemas.microsoft.com/office/powerpoint/2010/main" val="1506608230"/>
+              </p:ext>
+            </p:extLst>
+          </p:nvPr>
+        </p:nvGraphicFramePr>
+        <p:xfrm>
+          <a:off x="5322307" y="4217050"/>
+          <a:ext cx="3646202" cy="2045203"/>
+        </p:xfrm>
+        <a:graphic>
+          <a:graphicData uri="http://schemas.openxmlformats.org/drawingml/2006/table">
+            <a:tbl>
+              <a:tblPr firstRow="1" bandRow="1">
+                <a:tableStyleId>{2D5ABB26-0587-4C30-8999-92F81FD0307C}</a:tableStyleId>
+              </a:tblPr>
+              <a:tblGrid>
+                <a:gridCol w="1823101">
+                  <a:extLst>
+                    <a:ext uri="{9D8B030D-6E8A-4147-A177-3AD203B41FA5}">
+                      <a16:colId xmlns:a16="http://schemas.microsoft.com/office/drawing/2014/main" val="407536794"/>
+                    </a:ext>
+                  </a:extLst>
+                </a:gridCol>
+                <a:gridCol w="1823101">
+                  <a:extLst>
+                    <a:ext uri="{9D8B030D-6E8A-4147-A177-3AD203B41FA5}">
+                      <a16:colId xmlns:a16="http://schemas.microsoft.com/office/drawing/2014/main" val="3931850373"/>
+                    </a:ext>
+                  </a:extLst>
+                </a:gridCol>
+              </a:tblGrid>
+              <a:tr h="432753">
+                <a:tc>
+                  <a:txBody>
+                    <a:bodyPr/>
+                    <a:lstStyle/>
+                    <a:p>
+                      <a:r>
+                        <a:rPr kumimoji="1" lang="en-US" altLang="ja-JP" b="1" dirty="0"/>
+                        <a:t>Bi-Gram</a:t>
+                      </a:r>
+                      <a:endParaRPr kumimoji="1" lang="ja-JP" altLang="en-US" b="1" dirty="0"/>
+                    </a:p>
+                  </a:txBody>
+                  <a:tcPr>
+                    <a:lnT w="12700" cap="flat" cmpd="sng" algn="ctr">
+                      <a:solidFill>
+                        <a:schemeClr val="tx1"/>
+                      </a:solidFill>
+                      <a:prstDash val="solid"/>
+                      <a:round/>
+                      <a:headEnd type="none" w="med" len="med"/>
+                      <a:tailEnd type="none" w="med" len="med"/>
+                    </a:lnT>
+                    <a:lnB w="12700" cap="flat" cmpd="sng" algn="ctr">
+                      <a:solidFill>
+                        <a:schemeClr val="tx1"/>
+                      </a:solidFill>
+                      <a:prstDash val="solid"/>
+                      <a:round/>
+                      <a:headEnd type="none" w="med" len="med"/>
+                      <a:tailEnd type="none" w="med" len="med"/>
+                    </a:lnB>
+                  </a:tcPr>
+                </a:tc>
+                <a:tc>
+                  <a:txBody>
+                    <a:bodyPr/>
+                    <a:lstStyle/>
+                    <a:p>
+                      <a:r>
+                        <a:rPr kumimoji="1" lang="en-US" altLang="ja-JP" b="1" dirty="0"/>
+                        <a:t>Freq</a:t>
+                      </a:r>
+                      <a:endParaRPr kumimoji="1" lang="ja-JP" altLang="en-US" b="1" dirty="0"/>
+                    </a:p>
+                  </a:txBody>
+                  <a:tcPr>
+                    <a:lnT w="12700" cap="flat" cmpd="sng" algn="ctr">
+                      <a:solidFill>
+                        <a:schemeClr val="tx1"/>
+                      </a:solidFill>
+                      <a:prstDash val="solid"/>
+                      <a:round/>
+                      <a:headEnd type="none" w="med" len="med"/>
+                      <a:tailEnd type="none" w="med" len="med"/>
+                    </a:lnT>
+                    <a:lnB w="12700" cap="flat" cmpd="sng" algn="ctr">
+                      <a:solidFill>
+                        <a:schemeClr val="tx1"/>
+                      </a:solidFill>
+                      <a:prstDash val="solid"/>
+                      <a:round/>
+                      <a:headEnd type="none" w="med" len="med"/>
+                      <a:tailEnd type="none" w="med" len="med"/>
+                    </a:lnB>
+                  </a:tcPr>
+                </a:tc>
+                <a:extLst>
+                  <a:ext uri="{0D108BD9-81ED-4DB2-BD59-A6C34878D82A}">
+                    <a16:rowId xmlns:a16="http://schemas.microsoft.com/office/drawing/2014/main" val="2657022769"/>
+                  </a:ext>
+                </a:extLst>
+              </a:tr>
+              <a:tr h="746944">
+                <a:tc>
+                  <a:txBody>
+                    <a:bodyPr/>
+                    <a:lstStyle/>
+                    <a:p>
+                      <a:r>
+                        <a:rPr lang="ja-JP" altLang="en-US" dirty="0"/>
+                        <a:t>[Nintendo Switch-どこ]</a:t>
+                      </a:r>
+                      <a:endParaRPr kumimoji="1" lang="ja-JP" altLang="en-US" dirty="0"/>
+                    </a:p>
+                  </a:txBody>
+                  <a:tcPr>
+                    <a:lnT w="12700" cap="flat" cmpd="sng" algn="ctr">
+                      <a:solidFill>
+                        <a:schemeClr val="tx1"/>
+                      </a:solidFill>
+                      <a:prstDash val="solid"/>
+                      <a:round/>
+                      <a:headEnd type="none" w="med" len="med"/>
+                      <a:tailEnd type="none" w="med" len="med"/>
+                    </a:lnT>
+                  </a:tcPr>
+                </a:tc>
+                <a:tc>
+                  <a:txBody>
+                    <a:bodyPr/>
+                    <a:lstStyle/>
+                    <a:p>
+                      <a:r>
+                        <a:rPr kumimoji="1" lang="en-US" altLang="ja-JP" dirty="0"/>
+                        <a:t>1</a:t>
+                      </a:r>
+                      <a:endParaRPr kumimoji="1" lang="ja-JP" altLang="en-US" dirty="0"/>
+                    </a:p>
+                  </a:txBody>
+                  <a:tcPr>
+                    <a:lnT w="12700" cap="flat" cmpd="sng" algn="ctr">
+                      <a:solidFill>
+                        <a:schemeClr val="tx1"/>
+                      </a:solidFill>
+                      <a:prstDash val="solid"/>
+                      <a:round/>
+                      <a:headEnd type="none" w="med" len="med"/>
+                      <a:tailEnd type="none" w="med" len="med"/>
+                    </a:lnT>
+                  </a:tcPr>
+                </a:tc>
+                <a:extLst>
+                  <a:ext uri="{0D108BD9-81ED-4DB2-BD59-A6C34878D82A}">
+                    <a16:rowId xmlns:a16="http://schemas.microsoft.com/office/drawing/2014/main" val="2561776525"/>
+                  </a:ext>
+                </a:extLst>
+              </a:tr>
+              <a:tr h="432753">
+                <a:tc>
+                  <a:txBody>
+                    <a:bodyPr/>
+                    <a:lstStyle/>
+                    <a:p>
+                      <a:r>
+                        <a:rPr lang="ja-JP" altLang="en-US" dirty="0"/>
+                        <a:t>[どこ-店舗]</a:t>
+                      </a:r>
+                      <a:endParaRPr kumimoji="1" lang="ja-JP" altLang="en-US" dirty="0"/>
+                    </a:p>
+                  </a:txBody>
+                  <a:tcPr/>
+                </a:tc>
+                <a:tc>
+                  <a:txBody>
+                    <a:bodyPr/>
+                    <a:lstStyle/>
+                    <a:p>
+                      <a:r>
+                        <a:rPr kumimoji="1" lang="en-US" altLang="ja-JP" dirty="0"/>
+                        <a:t>1</a:t>
+                      </a:r>
+                      <a:endParaRPr kumimoji="1" lang="ja-JP" altLang="en-US" dirty="0"/>
+                    </a:p>
+                  </a:txBody>
+                  <a:tcPr/>
+                </a:tc>
+                <a:extLst>
+                  <a:ext uri="{0D108BD9-81ED-4DB2-BD59-A6C34878D82A}">
+                    <a16:rowId xmlns:a16="http://schemas.microsoft.com/office/drawing/2014/main" val="3212194432"/>
+                  </a:ext>
+                </a:extLst>
+              </a:tr>
+              <a:tr h="432753">
+                <a:tc>
+                  <a:txBody>
+                    <a:bodyPr/>
+                    <a:lstStyle/>
+                    <a:p>
+                      <a:r>
+                        <a:rPr lang="ja-JP" altLang="en-US" dirty="0"/>
+                        <a:t>[店舗-ない]</a:t>
+                      </a:r>
+                      <a:endParaRPr kumimoji="1" lang="ja-JP" altLang="en-US" dirty="0"/>
+                    </a:p>
+                  </a:txBody>
+                  <a:tcPr>
+                    <a:lnB w="12700" cap="flat" cmpd="sng" algn="ctr">
+                      <a:solidFill>
+                        <a:schemeClr val="tx1"/>
+                      </a:solidFill>
+                      <a:prstDash val="solid"/>
+                      <a:round/>
+                      <a:headEnd type="none" w="med" len="med"/>
+                      <a:tailEnd type="none" w="med" len="med"/>
+                    </a:lnB>
+                  </a:tcPr>
+                </a:tc>
+                <a:tc>
+                  <a:txBody>
+                    <a:bodyPr/>
+                    <a:lstStyle/>
+                    <a:p>
+                      <a:r>
+                        <a:rPr kumimoji="1" lang="en-US" altLang="ja-JP" dirty="0"/>
+                        <a:t>1</a:t>
+                      </a:r>
+                      <a:endParaRPr kumimoji="1" lang="ja-JP" altLang="en-US" dirty="0"/>
+                    </a:p>
+                  </a:txBody>
+                  <a:tcPr>
+                    <a:lnB w="12700" cap="flat" cmpd="sng" algn="ctr">
+                      <a:solidFill>
+                        <a:schemeClr val="tx1"/>
+                      </a:solidFill>
+                      <a:prstDash val="solid"/>
+                      <a:round/>
+                      <a:headEnd type="none" w="med" len="med"/>
+                      <a:tailEnd type="none" w="med" len="med"/>
+                    </a:lnB>
+                  </a:tcPr>
+                </a:tc>
+                <a:extLst>
+                  <a:ext uri="{0D108BD9-81ED-4DB2-BD59-A6C34878D82A}">
+                    <a16:rowId xmlns:a16="http://schemas.microsoft.com/office/drawing/2014/main" val="4270061812"/>
+                  </a:ext>
+                </a:extLst>
+              </a:tr>
+            </a:tbl>
+          </a:graphicData>
+        </a:graphic>
+      </p:graphicFrame>
+      <p:sp>
+        <p:nvSpPr>
+          <p:cNvPr id="13" name="テキスト ボックス 12"/>
+          <p:cNvSpPr txBox="1"/>
+          <p:nvPr/>
+        </p:nvSpPr>
+        <p:spPr>
+          <a:xfrm>
+            <a:off x="7594452" y="3137371"/>
+            <a:ext cx="1549548" cy="492443"/>
+          </a:xfrm>
+          <a:prstGeom prst="rect">
+            <a:avLst/>
+          </a:prstGeom>
+          <a:noFill/>
+        </p:spPr>
+        <p:txBody>
+          <a:bodyPr wrap="square" rtlCol="0">
+            <a:spAutoFit/>
+          </a:bodyPr>
+          <a:lstStyle/>
+          <a:p>
+            <a:pPr>
+              <a:lnSpc>
+                <a:spcPct val="130000"/>
+              </a:lnSpc>
+            </a:pPr>
+            <a:r>
+              <a:rPr kumimoji="1" lang="ja-JP" altLang="en-US" sz="2000" dirty="0">
+                <a:latin typeface="+mn-ea"/>
+                <a:ea typeface="+mn-ea"/>
+                <a:cs typeface="Meiryo" charset="-128"/>
+              </a:rPr>
+              <a:t>助詞</a:t>
+            </a:r>
+            <a:r>
+              <a:rPr kumimoji="1" lang="ja-JP" altLang="en-US" sz="2000" dirty="0">
+                <a:latin typeface="+mn-ea"/>
+                <a:cs typeface="Meiryo" charset="-128"/>
+              </a:rPr>
+              <a:t>は除外</a:t>
+            </a:r>
+            <a:endParaRPr kumimoji="1" lang="ja-JP" altLang="en-US" sz="2000" dirty="0">
+              <a:latin typeface="+mn-ea"/>
+              <a:ea typeface="+mn-ea"/>
+              <a:cs typeface="Meiryo" charset="-128"/>
+            </a:endParaRPr>
+          </a:p>
+        </p:txBody>
+      </p:sp>
+      <p:sp>
+        <p:nvSpPr>
+          <p:cNvPr id="14" name="テキスト ボックス 13"/>
+          <p:cNvSpPr txBox="1"/>
+          <p:nvPr/>
+        </p:nvSpPr>
+        <p:spPr>
+          <a:xfrm>
+            <a:off x="480291" y="1348509"/>
+            <a:ext cx="5726545" cy="1052596"/>
+          </a:xfrm>
+          <a:prstGeom prst="rect">
+            <a:avLst/>
+          </a:prstGeom>
+          <a:noFill/>
+        </p:spPr>
+        <p:txBody>
+          <a:bodyPr wrap="square" rtlCol="0">
+            <a:spAutoFit/>
+          </a:bodyPr>
+          <a:lstStyle/>
+          <a:p>
+            <a:pPr marL="342891" indent="-342891">
+              <a:lnSpc>
+                <a:spcPct val="130000"/>
+              </a:lnSpc>
+              <a:buFont typeface="Wingdings" charset="2"/>
+              <a:buChar char="u"/>
+            </a:pPr>
+            <a:r>
+              <a:rPr kumimoji="1" lang="ja-JP" altLang="en-US" sz="2400" dirty="0">
+                <a:latin typeface="+mn-ea"/>
+                <a:ea typeface="+mn-ea"/>
+                <a:cs typeface="Meiryo" charset="-128"/>
+              </a:rPr>
+              <a:t>文章の構成単位として二単語に着目しその頻度統計をとる</a:t>
+            </a:r>
           </a:p>
         </p:txBody>
       </p:sp>
     </p:spTree>
     <p:extLst>
       <p:ext uri="{BB962C8B-B14F-4D97-AF65-F5344CB8AC3E}">
-        <p14:creationId xmlns:p14="http://schemas.microsoft.com/office/powerpoint/2010/main" val="1937072525"/>
+        <p14:creationId xmlns:p14="http://schemas.microsoft.com/office/powerpoint/2010/main" val="1567475916"/>
       </p:ext>
     </p:extLst>
   </p:cSld>
@@ -2715,60 +3504,16 @@
           <a:lstStyle/>
           <a:p>
             <a:r>
-              <a:rPr kumimoji="1" lang="ja-JP" altLang="en-US" dirty="0" smtClean="0"/>
-              <a:t>クラスター</a:t>
-            </a:r>
-            <a:r>
-              <a:rPr kumimoji="1" lang="en-US" altLang="ja-JP" dirty="0" smtClean="0"/>
-              <a:t>A:【</a:t>
-            </a:r>
-            <a:r>
-              <a:rPr kumimoji="1" lang="ja-JP" altLang="en-US" dirty="0" smtClean="0"/>
-              <a:t>記事作成</a:t>
-            </a:r>
-            <a:r>
-              <a:rPr kumimoji="1" lang="en-US" altLang="ja-JP" dirty="0" smtClean="0"/>
-              <a:t>】</a:t>
-            </a:r>
-            <a:endParaRPr kumimoji="1" lang="ja-JP" altLang="en-US" dirty="0"/>
-          </a:p>
-        </p:txBody>
-      </p:sp>
-      <p:sp>
-        <p:nvSpPr>
-          <p:cNvPr id="3" name="テキスト プレースホルダー 2"/>
-          <p:cNvSpPr>
-            <a:spLocks noGrp="1"/>
-          </p:cNvSpPr>
-          <p:nvPr>
-            <p:ph type="body" sz="quarter" idx="10"/>
-          </p:nvPr>
-        </p:nvSpPr>
-        <p:spPr>
-          <a:xfrm>
-            <a:off x="388505" y="1781273"/>
-            <a:ext cx="7683500" cy="3740150"/>
-          </a:xfrm>
-        </p:spPr>
-        <p:txBody>
-          <a:bodyPr/>
-          <a:lstStyle/>
-          <a:p>
-            <a:pPr>
-              <a:buFont typeface="Wingdings" panose="05000000000000000000" pitchFamily="2" charset="2"/>
-              <a:buChar char="u"/>
-            </a:pPr>
-            <a:r>
-              <a:rPr kumimoji="1" lang="en-US" altLang="ja-JP" dirty="0" smtClean="0"/>
-              <a:t>(</a:t>
-            </a:r>
-            <a:r>
-              <a:rPr kumimoji="1" lang="ja-JP" altLang="en-US" dirty="0" smtClean="0"/>
-              <a:t>各クラスタの分析</a:t>
-            </a:r>
-            <a:r>
-              <a:rPr kumimoji="1" lang="en-US" altLang="ja-JP" dirty="0" smtClean="0"/>
-              <a:t>)</a:t>
+              <a:rPr kumimoji="1" lang="en-US" altLang="ja-JP" dirty="0"/>
+              <a:t>Bi-Gra</a:t>
+            </a:r>
+            <a:r>
+              <a:rPr lang="en-US" altLang="ja-JP" dirty="0"/>
+              <a:t>m</a:t>
+            </a:r>
+            <a:r>
+              <a:rPr lang="ja-JP" altLang="en-US" dirty="0"/>
+              <a:t>のネットワーク化</a:t>
             </a:r>
             <a:endParaRPr kumimoji="1" lang="ja-JP" altLang="en-US" dirty="0"/>
           </a:p>
@@ -2790,17 +3535,873 @@
           <a:lstStyle/>
           <a:p>
             <a:r>
-              <a:rPr kumimoji="1" lang="ja-JP" altLang="en-US" b="1" dirty="0" smtClean="0"/>
-              <a:t>ネットワーク分析</a:t>
+              <a:rPr kumimoji="1" lang="ja-JP" altLang="en-US" b="1" dirty="0"/>
+              <a:t>分析方針</a:t>
+            </a:r>
+          </a:p>
+        </p:txBody>
+      </p:sp>
+      <p:graphicFrame>
+        <p:nvGraphicFramePr>
+          <p:cNvPr id="12" name="表 11"/>
+          <p:cNvGraphicFramePr>
+            <a:graphicFrameLocks noGrp="1"/>
+          </p:cNvGraphicFramePr>
+          <p:nvPr>
+            <p:extLst>
+              <p:ext uri="{D42A27DB-BD31-4B8C-83A1-F6EECF244321}">
+                <p14:modId xmlns:p14="http://schemas.microsoft.com/office/powerpoint/2010/main" val="2014054338"/>
+              </p:ext>
+            </p:extLst>
+          </p:nvPr>
+        </p:nvGraphicFramePr>
+        <p:xfrm>
+          <a:off x="593289" y="2055741"/>
+          <a:ext cx="3655438" cy="2045203"/>
+        </p:xfrm>
+        <a:graphic>
+          <a:graphicData uri="http://schemas.openxmlformats.org/drawingml/2006/table">
+            <a:tbl>
+              <a:tblPr firstRow="1" bandRow="1">
+                <a:tableStyleId>{2D5ABB26-0587-4C30-8999-92F81FD0307C}</a:tableStyleId>
+              </a:tblPr>
+              <a:tblGrid>
+                <a:gridCol w="2159147">
+                  <a:extLst>
+                    <a:ext uri="{9D8B030D-6E8A-4147-A177-3AD203B41FA5}">
+                      <a16:colId xmlns:a16="http://schemas.microsoft.com/office/drawing/2014/main" val="407536794"/>
+                    </a:ext>
+                  </a:extLst>
+                </a:gridCol>
+                <a:gridCol w="1496291">
+                  <a:extLst>
+                    <a:ext uri="{9D8B030D-6E8A-4147-A177-3AD203B41FA5}">
+                      <a16:colId xmlns:a16="http://schemas.microsoft.com/office/drawing/2014/main" val="3931850373"/>
+                    </a:ext>
+                  </a:extLst>
+                </a:gridCol>
+              </a:tblGrid>
+              <a:tr h="432753">
+                <a:tc>
+                  <a:txBody>
+                    <a:bodyPr/>
+                    <a:lstStyle/>
+                    <a:p>
+                      <a:r>
+                        <a:rPr kumimoji="1" lang="en-US" altLang="ja-JP" b="1" dirty="0"/>
+                        <a:t>Bi-Gram(From-To)</a:t>
+                      </a:r>
+                      <a:endParaRPr kumimoji="1" lang="ja-JP" altLang="en-US" b="1" dirty="0"/>
+                    </a:p>
+                  </a:txBody>
+                  <a:tcPr>
+                    <a:lnT w="12700" cap="flat" cmpd="sng" algn="ctr">
+                      <a:solidFill>
+                        <a:schemeClr val="tx1"/>
+                      </a:solidFill>
+                      <a:prstDash val="solid"/>
+                      <a:round/>
+                      <a:headEnd type="none" w="med" len="med"/>
+                      <a:tailEnd type="none" w="med" len="med"/>
+                    </a:lnT>
+                    <a:lnB w="12700" cap="flat" cmpd="sng" algn="ctr">
+                      <a:solidFill>
+                        <a:schemeClr val="tx1"/>
+                      </a:solidFill>
+                      <a:prstDash val="solid"/>
+                      <a:round/>
+                      <a:headEnd type="none" w="med" len="med"/>
+                      <a:tailEnd type="none" w="med" len="med"/>
+                    </a:lnB>
+                  </a:tcPr>
+                </a:tc>
+                <a:tc>
+                  <a:txBody>
+                    <a:bodyPr/>
+                    <a:lstStyle/>
+                    <a:p>
+                      <a:r>
+                        <a:rPr kumimoji="1" lang="en-US" altLang="ja-JP" b="1" dirty="0"/>
+                        <a:t>Freq(Weight)</a:t>
+                      </a:r>
+                      <a:endParaRPr kumimoji="1" lang="ja-JP" altLang="en-US" b="1" dirty="0"/>
+                    </a:p>
+                  </a:txBody>
+                  <a:tcPr>
+                    <a:lnT w="12700" cap="flat" cmpd="sng" algn="ctr">
+                      <a:solidFill>
+                        <a:schemeClr val="tx1"/>
+                      </a:solidFill>
+                      <a:prstDash val="solid"/>
+                      <a:round/>
+                      <a:headEnd type="none" w="med" len="med"/>
+                      <a:tailEnd type="none" w="med" len="med"/>
+                    </a:lnT>
+                    <a:lnB w="12700" cap="flat" cmpd="sng" algn="ctr">
+                      <a:solidFill>
+                        <a:schemeClr val="tx1"/>
+                      </a:solidFill>
+                      <a:prstDash val="solid"/>
+                      <a:round/>
+                      <a:headEnd type="none" w="med" len="med"/>
+                      <a:tailEnd type="none" w="med" len="med"/>
+                    </a:lnB>
+                  </a:tcPr>
+                </a:tc>
+                <a:extLst>
+                  <a:ext uri="{0D108BD9-81ED-4DB2-BD59-A6C34878D82A}">
+                    <a16:rowId xmlns:a16="http://schemas.microsoft.com/office/drawing/2014/main" val="2657022769"/>
+                  </a:ext>
+                </a:extLst>
+              </a:tr>
+              <a:tr h="746944">
+                <a:tc>
+                  <a:txBody>
+                    <a:bodyPr/>
+                    <a:lstStyle/>
+                    <a:p>
+                      <a:r>
+                        <a:rPr lang="ja-JP" altLang="en-US" dirty="0"/>
+                        <a:t>[Nintendo Switch-</a:t>
+                      </a:r>
+                      <a:endParaRPr lang="en-US" altLang="ja-JP" dirty="0"/>
+                    </a:p>
+                    <a:p>
+                      <a:r>
+                        <a:rPr lang="ja-JP" altLang="en-US" dirty="0"/>
+                        <a:t>どこ]</a:t>
+                      </a:r>
+                      <a:endParaRPr kumimoji="1" lang="ja-JP" altLang="en-US" dirty="0"/>
+                    </a:p>
+                  </a:txBody>
+                  <a:tcPr>
+                    <a:lnT w="12700" cap="flat" cmpd="sng" algn="ctr">
+                      <a:solidFill>
+                        <a:schemeClr val="tx1"/>
+                      </a:solidFill>
+                      <a:prstDash val="solid"/>
+                      <a:round/>
+                      <a:headEnd type="none" w="med" len="med"/>
+                      <a:tailEnd type="none" w="med" len="med"/>
+                    </a:lnT>
+                  </a:tcPr>
+                </a:tc>
+                <a:tc>
+                  <a:txBody>
+                    <a:bodyPr/>
+                    <a:lstStyle/>
+                    <a:p>
+                      <a:r>
+                        <a:rPr kumimoji="1" lang="en-US" altLang="ja-JP" dirty="0"/>
+                        <a:t>1</a:t>
+                      </a:r>
+                      <a:endParaRPr kumimoji="1" lang="ja-JP" altLang="en-US" dirty="0"/>
+                    </a:p>
+                  </a:txBody>
+                  <a:tcPr>
+                    <a:lnT w="12700" cap="flat" cmpd="sng" algn="ctr">
+                      <a:solidFill>
+                        <a:schemeClr val="tx1"/>
+                      </a:solidFill>
+                      <a:prstDash val="solid"/>
+                      <a:round/>
+                      <a:headEnd type="none" w="med" len="med"/>
+                      <a:tailEnd type="none" w="med" len="med"/>
+                    </a:lnT>
+                  </a:tcPr>
+                </a:tc>
+                <a:extLst>
+                  <a:ext uri="{0D108BD9-81ED-4DB2-BD59-A6C34878D82A}">
+                    <a16:rowId xmlns:a16="http://schemas.microsoft.com/office/drawing/2014/main" val="2561776525"/>
+                  </a:ext>
+                </a:extLst>
+              </a:tr>
+              <a:tr h="432753">
+                <a:tc>
+                  <a:txBody>
+                    <a:bodyPr/>
+                    <a:lstStyle/>
+                    <a:p>
+                      <a:r>
+                        <a:rPr lang="ja-JP" altLang="en-US" dirty="0"/>
+                        <a:t>[どこ-店舗]</a:t>
+                      </a:r>
+                      <a:endParaRPr kumimoji="1" lang="ja-JP" altLang="en-US" dirty="0"/>
+                    </a:p>
+                  </a:txBody>
+                  <a:tcPr/>
+                </a:tc>
+                <a:tc>
+                  <a:txBody>
+                    <a:bodyPr/>
+                    <a:lstStyle/>
+                    <a:p>
+                      <a:r>
+                        <a:rPr kumimoji="1" lang="en-US" altLang="ja-JP" dirty="0"/>
+                        <a:t>1</a:t>
+                      </a:r>
+                      <a:endParaRPr kumimoji="1" lang="ja-JP" altLang="en-US" dirty="0"/>
+                    </a:p>
+                  </a:txBody>
+                  <a:tcPr/>
+                </a:tc>
+                <a:extLst>
+                  <a:ext uri="{0D108BD9-81ED-4DB2-BD59-A6C34878D82A}">
+                    <a16:rowId xmlns:a16="http://schemas.microsoft.com/office/drawing/2014/main" val="3212194432"/>
+                  </a:ext>
+                </a:extLst>
+              </a:tr>
+              <a:tr h="432753">
+                <a:tc>
+                  <a:txBody>
+                    <a:bodyPr/>
+                    <a:lstStyle/>
+                    <a:p>
+                      <a:r>
+                        <a:rPr lang="ja-JP" altLang="en-US" dirty="0"/>
+                        <a:t>[店舗-ない]</a:t>
+                      </a:r>
+                      <a:endParaRPr kumimoji="1" lang="ja-JP" altLang="en-US" dirty="0"/>
+                    </a:p>
+                  </a:txBody>
+                  <a:tcPr>
+                    <a:lnB w="12700" cap="flat" cmpd="sng" algn="ctr">
+                      <a:solidFill>
+                        <a:schemeClr val="tx1"/>
+                      </a:solidFill>
+                      <a:prstDash val="solid"/>
+                      <a:round/>
+                      <a:headEnd type="none" w="med" len="med"/>
+                      <a:tailEnd type="none" w="med" len="med"/>
+                    </a:lnB>
+                  </a:tcPr>
+                </a:tc>
+                <a:tc>
+                  <a:txBody>
+                    <a:bodyPr/>
+                    <a:lstStyle/>
+                    <a:p>
+                      <a:r>
+                        <a:rPr kumimoji="1" lang="en-US" altLang="ja-JP" dirty="0"/>
+                        <a:t>1</a:t>
+                      </a:r>
+                      <a:endParaRPr kumimoji="1" lang="ja-JP" altLang="en-US" dirty="0"/>
+                    </a:p>
+                  </a:txBody>
+                  <a:tcPr>
+                    <a:lnB w="12700" cap="flat" cmpd="sng" algn="ctr">
+                      <a:solidFill>
+                        <a:schemeClr val="tx1"/>
+                      </a:solidFill>
+                      <a:prstDash val="solid"/>
+                      <a:round/>
+                      <a:headEnd type="none" w="med" len="med"/>
+                      <a:tailEnd type="none" w="med" len="med"/>
+                    </a:lnB>
+                  </a:tcPr>
+                </a:tc>
+                <a:extLst>
+                  <a:ext uri="{0D108BD9-81ED-4DB2-BD59-A6C34878D82A}">
+                    <a16:rowId xmlns:a16="http://schemas.microsoft.com/office/drawing/2014/main" val="4270061812"/>
+                  </a:ext>
+                </a:extLst>
+              </a:tr>
+            </a:tbl>
+          </a:graphicData>
+        </a:graphic>
+      </p:graphicFrame>
+      <p:sp>
+        <p:nvSpPr>
+          <p:cNvPr id="14" name="テキスト ボックス 13"/>
+          <p:cNvSpPr txBox="1"/>
+          <p:nvPr/>
+        </p:nvSpPr>
+        <p:spPr>
+          <a:xfrm>
+            <a:off x="480291" y="1348509"/>
+            <a:ext cx="5726545" cy="539187"/>
+          </a:xfrm>
+          <a:prstGeom prst="rect">
+            <a:avLst/>
+          </a:prstGeom>
+          <a:noFill/>
+        </p:spPr>
+        <p:txBody>
+          <a:bodyPr wrap="square" rtlCol="0">
+            <a:spAutoFit/>
+          </a:bodyPr>
+          <a:lstStyle/>
+          <a:p>
+            <a:pPr marL="342891" indent="-342891">
+              <a:lnSpc>
+                <a:spcPct val="130000"/>
+              </a:lnSpc>
+              <a:buFont typeface="Wingdings" charset="2"/>
+              <a:buChar char="u"/>
+            </a:pPr>
+            <a:r>
+              <a:rPr kumimoji="1" lang="en-US" altLang="ja-JP" sz="2400" dirty="0">
+                <a:latin typeface="+mn-ea"/>
+                <a:ea typeface="+mn-ea"/>
+                <a:cs typeface="Meiryo" charset="-128"/>
+              </a:rPr>
+              <a:t>B-Gram</a:t>
+            </a:r>
+            <a:r>
+              <a:rPr kumimoji="1" lang="ja-JP" altLang="en-US" sz="2400" dirty="0">
+                <a:latin typeface="+mn-ea"/>
+                <a:ea typeface="+mn-ea"/>
+                <a:cs typeface="Meiryo" charset="-128"/>
+              </a:rPr>
+              <a:t>をネットワーク化</a:t>
+            </a:r>
+            <a:r>
+              <a:rPr kumimoji="1" lang="en-US" altLang="ja-JP" sz="2400" dirty="0">
+                <a:latin typeface="+mn-ea"/>
+                <a:ea typeface="+mn-ea"/>
+                <a:cs typeface="Meiryo" charset="-128"/>
+              </a:rPr>
+              <a:t>(</a:t>
+            </a:r>
+            <a:r>
+              <a:rPr kumimoji="1" lang="ja-JP" altLang="en-US" sz="2400" dirty="0">
+                <a:latin typeface="+mn-ea"/>
+                <a:ea typeface="+mn-ea"/>
+                <a:cs typeface="Meiryo" charset="-128"/>
+              </a:rPr>
+              <a:t>無向</a:t>
+            </a:r>
+            <a:r>
+              <a:rPr kumimoji="1" lang="en-US" altLang="ja-JP" sz="2400" dirty="0">
+                <a:latin typeface="+mn-ea"/>
+                <a:ea typeface="+mn-ea"/>
+                <a:cs typeface="Meiryo" charset="-128"/>
+              </a:rPr>
+              <a:t>)</a:t>
+            </a:r>
+            <a:r>
+              <a:rPr kumimoji="1" lang="ja-JP" altLang="en-US" sz="2400" dirty="0">
+                <a:latin typeface="+mn-ea"/>
+                <a:ea typeface="+mn-ea"/>
+                <a:cs typeface="Meiryo" charset="-128"/>
+              </a:rPr>
+              <a:t>する</a:t>
+            </a:r>
+          </a:p>
+        </p:txBody>
+      </p:sp>
+      <p:sp>
+        <p:nvSpPr>
+          <p:cNvPr id="3" name="矢印: 右 2"/>
+          <p:cNvSpPr/>
+          <p:nvPr/>
+        </p:nvSpPr>
+        <p:spPr>
+          <a:xfrm>
+            <a:off x="4507345" y="2909455"/>
+            <a:ext cx="692728" cy="424872"/>
+          </a:xfrm>
+          <a:prstGeom prst="rightArrow">
+            <a:avLst/>
+          </a:prstGeom>
+        </p:spPr>
+        <p:style>
+          <a:lnRef idx="2">
+            <a:schemeClr val="accent1">
+              <a:shade val="50000"/>
+            </a:schemeClr>
+          </a:lnRef>
+          <a:fillRef idx="1">
+            <a:schemeClr val="accent1"/>
+          </a:fillRef>
+          <a:effectRef idx="0">
+            <a:schemeClr val="accent1"/>
+          </a:effectRef>
+          <a:fontRef idx="minor">
+            <a:schemeClr val="lt1"/>
+          </a:fontRef>
+        </p:style>
+        <p:txBody>
+          <a:bodyPr rtlCol="0" anchor="ctr"/>
+          <a:lstStyle/>
+          <a:p>
+            <a:pPr algn="ctr"/>
+            <a:endParaRPr kumimoji="1" lang="ja-JP" altLang="en-US"/>
+          </a:p>
+        </p:txBody>
+      </p:sp>
+      <p:sp>
+        <p:nvSpPr>
+          <p:cNvPr id="7" name="楕円 6"/>
+          <p:cNvSpPr/>
+          <p:nvPr/>
+        </p:nvSpPr>
+        <p:spPr>
+          <a:xfrm>
+            <a:off x="6345382" y="3119203"/>
+            <a:ext cx="923636" cy="600363"/>
+          </a:xfrm>
+          <a:prstGeom prst="ellipse">
+            <a:avLst/>
+          </a:prstGeom>
+        </p:spPr>
+        <p:style>
+          <a:lnRef idx="2">
+            <a:schemeClr val="accent1">
+              <a:shade val="50000"/>
+            </a:schemeClr>
+          </a:lnRef>
+          <a:fillRef idx="1">
+            <a:schemeClr val="accent1"/>
+          </a:fillRef>
+          <a:effectRef idx="0">
+            <a:schemeClr val="accent1"/>
+          </a:effectRef>
+          <a:fontRef idx="minor">
+            <a:schemeClr val="lt1"/>
+          </a:fontRef>
+        </p:style>
+        <p:txBody>
+          <a:bodyPr rtlCol="0" anchor="ctr"/>
+          <a:lstStyle/>
+          <a:p>
+            <a:pPr algn="ctr"/>
+            <a:r>
+              <a:rPr kumimoji="1" lang="ja-JP" altLang="en-US" b="1" dirty="0"/>
+              <a:t>どこ</a:t>
+            </a:r>
+          </a:p>
+        </p:txBody>
+      </p:sp>
+      <p:sp>
+        <p:nvSpPr>
+          <p:cNvPr id="15" name="楕円 14"/>
+          <p:cNvSpPr/>
+          <p:nvPr/>
+        </p:nvSpPr>
+        <p:spPr>
+          <a:xfrm>
+            <a:off x="7952509" y="2920640"/>
+            <a:ext cx="923636" cy="600363"/>
+          </a:xfrm>
+          <a:prstGeom prst="ellipse">
+            <a:avLst/>
+          </a:prstGeom>
+        </p:spPr>
+        <p:style>
+          <a:lnRef idx="2">
+            <a:schemeClr val="accent1">
+              <a:shade val="50000"/>
+            </a:schemeClr>
+          </a:lnRef>
+          <a:fillRef idx="1">
+            <a:schemeClr val="accent1"/>
+          </a:fillRef>
+          <a:effectRef idx="0">
+            <a:schemeClr val="accent1"/>
+          </a:effectRef>
+          <a:fontRef idx="minor">
+            <a:schemeClr val="lt1"/>
+          </a:fontRef>
+        </p:style>
+        <p:txBody>
+          <a:bodyPr rtlCol="0" anchor="ctr"/>
+          <a:lstStyle/>
+          <a:p>
+            <a:pPr algn="ctr"/>
+            <a:r>
+              <a:rPr kumimoji="1" lang="ja-JP" altLang="en-US" b="1" dirty="0"/>
+              <a:t>店舗</a:t>
+            </a:r>
+          </a:p>
+        </p:txBody>
+      </p:sp>
+      <p:sp>
+        <p:nvSpPr>
+          <p:cNvPr id="16" name="楕円 15"/>
+          <p:cNvSpPr/>
+          <p:nvPr/>
+        </p:nvSpPr>
+        <p:spPr>
+          <a:xfrm>
+            <a:off x="7777018" y="3893127"/>
+            <a:ext cx="923636" cy="600363"/>
+          </a:xfrm>
+          <a:prstGeom prst="ellipse">
+            <a:avLst/>
+          </a:prstGeom>
+        </p:spPr>
+        <p:style>
+          <a:lnRef idx="2">
+            <a:schemeClr val="accent1">
+              <a:shade val="50000"/>
+            </a:schemeClr>
+          </a:lnRef>
+          <a:fillRef idx="1">
+            <a:schemeClr val="accent1"/>
+          </a:fillRef>
+          <a:effectRef idx="0">
+            <a:schemeClr val="accent1"/>
+          </a:effectRef>
+          <a:fontRef idx="minor">
+            <a:schemeClr val="lt1"/>
+          </a:fontRef>
+        </p:style>
+        <p:txBody>
+          <a:bodyPr rtlCol="0" anchor="ctr"/>
+          <a:lstStyle/>
+          <a:p>
+            <a:pPr algn="ctr"/>
+            <a:r>
+              <a:rPr kumimoji="1" lang="ja-JP" altLang="en-US" b="1" dirty="0"/>
+              <a:t>ない</a:t>
+            </a:r>
+          </a:p>
+        </p:txBody>
+      </p:sp>
+      <p:sp>
+        <p:nvSpPr>
+          <p:cNvPr id="17" name="楕円 16"/>
+          <p:cNvSpPr/>
+          <p:nvPr/>
+        </p:nvSpPr>
+        <p:spPr>
+          <a:xfrm>
+            <a:off x="6677891" y="1948154"/>
+            <a:ext cx="1588654" cy="600363"/>
+          </a:xfrm>
+          <a:prstGeom prst="ellipse">
+            <a:avLst/>
+          </a:prstGeom>
+        </p:spPr>
+        <p:style>
+          <a:lnRef idx="2">
+            <a:schemeClr val="accent1">
+              <a:shade val="50000"/>
+            </a:schemeClr>
+          </a:lnRef>
+          <a:fillRef idx="1">
+            <a:schemeClr val="accent1"/>
+          </a:fillRef>
+          <a:effectRef idx="0">
+            <a:schemeClr val="accent1"/>
+          </a:effectRef>
+          <a:fontRef idx="minor">
+            <a:schemeClr val="lt1"/>
+          </a:fontRef>
+        </p:style>
+        <p:txBody>
+          <a:bodyPr rtlCol="0" anchor="ctr"/>
+          <a:lstStyle/>
+          <a:p>
+            <a:pPr algn="ctr"/>
+            <a:r>
+              <a:rPr kumimoji="1" lang="en-US" altLang="ja-JP" b="1" dirty="0"/>
+              <a:t>Nintendo Switch</a:t>
             </a:r>
             <a:endParaRPr kumimoji="1" lang="ja-JP" altLang="en-US" b="1" dirty="0"/>
+          </a:p>
+        </p:txBody>
+      </p:sp>
+      <p:cxnSp>
+        <p:nvCxnSpPr>
+          <p:cNvPr id="18" name="直線コネクタ 17"/>
+          <p:cNvCxnSpPr>
+            <a:stCxn id="7" idx="0"/>
+            <a:endCxn id="17" idx="3"/>
+          </p:cNvCxnSpPr>
+          <p:nvPr/>
+        </p:nvCxnSpPr>
+        <p:spPr>
+          <a:xfrm flipV="1">
+            <a:off x="6807200" y="2460596"/>
+            <a:ext cx="103344" cy="658607"/>
+          </a:xfrm>
+          <a:prstGeom prst="line">
+            <a:avLst/>
+          </a:prstGeom>
+          <a:ln w="38100"/>
+        </p:spPr>
+        <p:style>
+          <a:lnRef idx="1">
+            <a:schemeClr val="accent1"/>
+          </a:lnRef>
+          <a:fillRef idx="0">
+            <a:schemeClr val="accent1"/>
+          </a:fillRef>
+          <a:effectRef idx="0">
+            <a:schemeClr val="accent1"/>
+          </a:effectRef>
+          <a:fontRef idx="minor">
+            <a:schemeClr val="tx1"/>
+          </a:fontRef>
+        </p:style>
+      </p:cxnSp>
+      <p:cxnSp>
+        <p:nvCxnSpPr>
+          <p:cNvPr id="20" name="直線コネクタ 19"/>
+          <p:cNvCxnSpPr>
+            <a:stCxn id="7" idx="6"/>
+            <a:endCxn id="15" idx="2"/>
+          </p:cNvCxnSpPr>
+          <p:nvPr/>
+        </p:nvCxnSpPr>
+        <p:spPr>
+          <a:xfrm flipV="1">
+            <a:off x="7269018" y="3220822"/>
+            <a:ext cx="683491" cy="198563"/>
+          </a:xfrm>
+          <a:prstGeom prst="line">
+            <a:avLst/>
+          </a:prstGeom>
+          <a:ln w="38100"/>
+        </p:spPr>
+        <p:style>
+          <a:lnRef idx="1">
+            <a:schemeClr val="accent1"/>
+          </a:lnRef>
+          <a:fillRef idx="0">
+            <a:schemeClr val="accent1"/>
+          </a:fillRef>
+          <a:effectRef idx="0">
+            <a:schemeClr val="accent1"/>
+          </a:effectRef>
+          <a:fontRef idx="minor">
+            <a:schemeClr val="tx1"/>
+          </a:fontRef>
+        </p:style>
+      </p:cxnSp>
+      <p:cxnSp>
+        <p:nvCxnSpPr>
+          <p:cNvPr id="22" name="直線コネクタ 21"/>
+          <p:cNvCxnSpPr>
+            <a:stCxn id="15" idx="4"/>
+            <a:endCxn id="16" idx="0"/>
+          </p:cNvCxnSpPr>
+          <p:nvPr/>
+        </p:nvCxnSpPr>
+        <p:spPr>
+          <a:xfrm flipH="1">
+            <a:off x="8238836" y="3521003"/>
+            <a:ext cx="175491" cy="372124"/>
+          </a:xfrm>
+          <a:prstGeom prst="line">
+            <a:avLst/>
+          </a:prstGeom>
+          <a:ln w="38100"/>
+        </p:spPr>
+        <p:style>
+          <a:lnRef idx="1">
+            <a:schemeClr val="accent1"/>
+          </a:lnRef>
+          <a:fillRef idx="0">
+            <a:schemeClr val="accent1"/>
+          </a:fillRef>
+          <a:effectRef idx="0">
+            <a:schemeClr val="accent1"/>
+          </a:effectRef>
+          <a:fontRef idx="minor">
+            <a:schemeClr val="tx1"/>
+          </a:fontRef>
+        </p:style>
+      </p:cxnSp>
+      <p:sp>
+        <p:nvSpPr>
+          <p:cNvPr id="26" name="四角形: 角を丸くする 25"/>
+          <p:cNvSpPr/>
+          <p:nvPr/>
+        </p:nvSpPr>
+        <p:spPr>
+          <a:xfrm>
+            <a:off x="593289" y="4413241"/>
+            <a:ext cx="1644072" cy="397164"/>
+          </a:xfrm>
+          <a:prstGeom prst="roundRect">
+            <a:avLst/>
+          </a:prstGeom>
+        </p:spPr>
+        <p:style>
+          <a:lnRef idx="2">
+            <a:schemeClr val="accent1">
+              <a:shade val="50000"/>
+            </a:schemeClr>
+          </a:lnRef>
+          <a:fillRef idx="1">
+            <a:schemeClr val="accent1"/>
+          </a:fillRef>
+          <a:effectRef idx="0">
+            <a:schemeClr val="accent1"/>
+          </a:effectRef>
+          <a:fontRef idx="minor">
+            <a:schemeClr val="lt1"/>
+          </a:fontRef>
+        </p:style>
+        <p:txBody>
+          <a:bodyPr rtlCol="0" anchor="ctr"/>
+          <a:lstStyle/>
+          <a:p>
+            <a:pPr algn="ctr"/>
+            <a:r>
+              <a:rPr kumimoji="1" lang="ja-JP" altLang="en-US" b="1" dirty="0"/>
+              <a:t>やる意味</a:t>
+            </a:r>
+          </a:p>
+        </p:txBody>
+      </p:sp>
+      <p:sp>
+        <p:nvSpPr>
+          <p:cNvPr id="27" name="テキスト ボックス 26"/>
+          <p:cNvSpPr txBox="1"/>
+          <p:nvPr/>
+        </p:nvSpPr>
+        <p:spPr>
+          <a:xfrm>
+            <a:off x="593289" y="4865614"/>
+            <a:ext cx="7821038" cy="1692771"/>
+          </a:xfrm>
+          <a:prstGeom prst="rect">
+            <a:avLst/>
+          </a:prstGeom>
+          <a:noFill/>
+        </p:spPr>
+        <p:txBody>
+          <a:bodyPr wrap="square" rtlCol="0">
+            <a:spAutoFit/>
+          </a:bodyPr>
+          <a:lstStyle/>
+          <a:p>
+            <a:pPr marL="342891" indent="-342891">
+              <a:lnSpc>
+                <a:spcPct val="130000"/>
+              </a:lnSpc>
+              <a:buFont typeface="Wingdings" charset="2"/>
+              <a:buChar char="u"/>
+            </a:pPr>
+            <a:r>
+              <a:rPr kumimoji="1" lang="ja-JP" altLang="en-US" sz="2000" dirty="0">
+                <a:latin typeface="+mn-ea"/>
+                <a:ea typeface="+mn-ea"/>
+                <a:cs typeface="Meiryo" charset="-128"/>
+              </a:rPr>
+              <a:t>ネットワーク</a:t>
+            </a:r>
+            <a:r>
+              <a:rPr kumimoji="1" lang="ja-JP" altLang="en-US" sz="2000" dirty="0">
+                <a:latin typeface="+mn-ea"/>
+                <a:cs typeface="Meiryo" charset="-128"/>
+              </a:rPr>
+              <a:t>中心性が計算できる</a:t>
+            </a:r>
+            <a:r>
+              <a:rPr kumimoji="1" lang="en-US" altLang="ja-JP" sz="1400" dirty="0">
+                <a:latin typeface="+mn-ea"/>
+                <a:cs typeface="Meiryo" charset="-128"/>
+              </a:rPr>
+              <a:t>(</a:t>
+            </a:r>
+            <a:r>
+              <a:rPr kumimoji="1" lang="en-US" altLang="ja-JP" sz="1400" dirty="0">
+                <a:latin typeface="+mn-ea"/>
+                <a:cs typeface="Meiryo" charset="-128"/>
+                <a:hlinkClick r:id="rId2"/>
+              </a:rPr>
+              <a:t>『Network Centrality』</a:t>
+            </a:r>
+            <a:r>
+              <a:rPr kumimoji="1" lang="en-US" altLang="ja-JP" sz="1400" dirty="0">
+                <a:latin typeface="+mn-ea"/>
+                <a:cs typeface="Meiryo" charset="-128"/>
+              </a:rPr>
+              <a:t>)</a:t>
+            </a:r>
+            <a:endParaRPr kumimoji="1" lang="en-US" altLang="ja-JP" sz="2000" dirty="0">
+              <a:latin typeface="+mn-ea"/>
+              <a:cs typeface="Meiryo" charset="-128"/>
+            </a:endParaRPr>
+          </a:p>
+          <a:p>
+            <a:pPr marL="800100" lvl="1" indent="-342900">
+              <a:lnSpc>
+                <a:spcPct val="130000"/>
+              </a:lnSpc>
+              <a:buFont typeface="Wingdings" panose="05000000000000000000" pitchFamily="2" charset="2"/>
+              <a:buChar char="Ø"/>
+            </a:pPr>
+            <a:r>
+              <a:rPr kumimoji="1" lang="ja-JP" altLang="en-US" sz="2000" dirty="0">
+                <a:latin typeface="+mn-ea"/>
+                <a:ea typeface="+mn-ea"/>
+                <a:cs typeface="Meiryo" charset="-128"/>
+              </a:rPr>
+              <a:t>どの単語を中心とした文章なのかわかりやすい</a:t>
+            </a:r>
+            <a:endParaRPr kumimoji="1" lang="en-US" altLang="ja-JP" sz="2000" dirty="0">
+              <a:latin typeface="+mn-ea"/>
+              <a:ea typeface="+mn-ea"/>
+              <a:cs typeface="Meiryo" charset="-128"/>
+            </a:endParaRPr>
+          </a:p>
+          <a:p>
+            <a:pPr marL="342900" indent="-342900">
+              <a:lnSpc>
+                <a:spcPct val="130000"/>
+              </a:lnSpc>
+              <a:buFont typeface="Wingdings" panose="05000000000000000000" pitchFamily="2" charset="2"/>
+              <a:buChar char="u"/>
+            </a:pPr>
+            <a:r>
+              <a:rPr kumimoji="1" lang="ja-JP" altLang="en-US" sz="2000" dirty="0">
+                <a:latin typeface="+mn-ea"/>
+                <a:cs typeface="Meiryo" charset="-128"/>
+              </a:rPr>
+              <a:t>モジュラリティでクラスタリング出来る</a:t>
+            </a:r>
+            <a:r>
+              <a:rPr kumimoji="1" lang="en-US" altLang="ja-JP" sz="800" dirty="0">
+                <a:latin typeface="+mn-ea"/>
+                <a:cs typeface="Meiryo" charset="-128"/>
+              </a:rPr>
+              <a:t>(</a:t>
+            </a:r>
+            <a:r>
+              <a:rPr kumimoji="1" lang="en-US" altLang="ja-JP" sz="800" dirty="0">
+                <a:latin typeface="+mn-ea"/>
+                <a:cs typeface="Meiryo" charset="-128"/>
+                <a:hlinkClick r:id="rId3"/>
+              </a:rPr>
+              <a:t>『Modularity and community structure in networks』</a:t>
+            </a:r>
+            <a:r>
+              <a:rPr kumimoji="1" lang="en-US" altLang="ja-JP" sz="800" dirty="0">
+                <a:latin typeface="+mn-ea"/>
+                <a:cs typeface="Meiryo" charset="-128"/>
+              </a:rPr>
+              <a:t>)</a:t>
+            </a:r>
+          </a:p>
+          <a:p>
+            <a:pPr marL="800100" lvl="1" indent="-342900">
+              <a:lnSpc>
+                <a:spcPct val="130000"/>
+              </a:lnSpc>
+              <a:buFont typeface="Wingdings" panose="05000000000000000000" pitchFamily="2" charset="2"/>
+              <a:buChar char="Ø"/>
+            </a:pPr>
+            <a:r>
+              <a:rPr kumimoji="1" lang="ja-JP" altLang="en-US" sz="2000" dirty="0">
+                <a:latin typeface="+mn-ea"/>
+                <a:ea typeface="+mn-ea"/>
+                <a:cs typeface="Meiryo" charset="-128"/>
+              </a:rPr>
+              <a:t>どんなグループの単語で構成されているかを分析出来る</a:t>
+            </a:r>
           </a:p>
         </p:txBody>
       </p:sp>
     </p:spTree>
     <p:extLst>
       <p:ext uri="{BB962C8B-B14F-4D97-AF65-F5344CB8AC3E}">
-        <p14:creationId xmlns:p14="http://schemas.microsoft.com/office/powerpoint/2010/main" val="1132755457"/>
+        <p14:creationId xmlns:p14="http://schemas.microsoft.com/office/powerpoint/2010/main" val="970110475"/>
       </p:ext>
     </p:extLst>
   </p:cSld>
@@ -2845,26 +4446,13 @@
           <a:lstStyle/>
           <a:p>
             <a:r>
-              <a:rPr kumimoji="1" lang="ja-JP" altLang="en-US" dirty="0" smtClean="0"/>
-              <a:t>クラスター</a:t>
-            </a:r>
-            <a:r>
-              <a:rPr lang="en-US" altLang="ja-JP" dirty="0"/>
-              <a:t>B</a:t>
-            </a:r>
-            <a:r>
-              <a:rPr kumimoji="1" lang="en-US" altLang="ja-JP" dirty="0" smtClean="0"/>
-              <a:t>:【</a:t>
-            </a:r>
-            <a:r>
-              <a:rPr lang="ja-JP" altLang="en-US" dirty="0" smtClean="0"/>
-              <a:t>法的権利</a:t>
-            </a:r>
-            <a:r>
-              <a:rPr kumimoji="1" lang="en-US" altLang="ja-JP" dirty="0" smtClean="0"/>
-              <a:t>】</a:t>
-            </a:r>
-            <a:endParaRPr kumimoji="1" lang="ja-JP" altLang="en-US" dirty="0"/>
+              <a:rPr kumimoji="1" lang="en-US" altLang="ja-JP" dirty="0"/>
+              <a:t>Word2Vec</a:t>
+            </a:r>
+            <a:r>
+              <a:rPr kumimoji="1" lang="ja-JP" altLang="en-US" dirty="0"/>
+              <a:t>とは</a:t>
+            </a:r>
           </a:p>
         </p:txBody>
       </p:sp>
@@ -2880,8 +4468,8 @@
         </p:nvSpPr>
         <p:spPr>
           <a:xfrm>
-            <a:off x="388505" y="1781273"/>
-            <a:ext cx="7683500" cy="3740150"/>
+            <a:off x="628650" y="1490663"/>
+            <a:ext cx="7683500" cy="2433205"/>
           </a:xfrm>
         </p:spPr>
         <p:txBody>
@@ -2893,16 +4481,88 @@
               <a:buChar char="u"/>
             </a:pPr>
             <a:r>
-              <a:rPr kumimoji="1" lang="en-US" altLang="ja-JP" dirty="0" smtClean="0"/>
+              <a:rPr kumimoji="1" lang="ja-JP" altLang="en-US" dirty="0"/>
+              <a:t>単語を意味ベクトル化するアルゴリズム</a:t>
+            </a:r>
+            <a:endParaRPr kumimoji="1" lang="en-US" altLang="ja-JP" dirty="0"/>
+          </a:p>
+          <a:p>
+            <a:pPr>
+              <a:buFont typeface="Wingdings" panose="05000000000000000000" pitchFamily="2" charset="2"/>
+              <a:buChar char="u"/>
+            </a:pPr>
+            <a:r>
+              <a:rPr lang="en-US" altLang="ja-JP" dirty="0"/>
+              <a:t>2014</a:t>
+            </a:r>
+            <a:r>
+              <a:rPr lang="ja-JP" altLang="en-US" dirty="0"/>
+              <a:t>年に</a:t>
+            </a:r>
+            <a:r>
+              <a:rPr lang="en-US" altLang="ja-JP" dirty="0"/>
+              <a:t>Google</a:t>
+            </a:r>
+            <a:r>
+              <a:rPr lang="ja-JP" altLang="en-US" dirty="0"/>
+              <a:t>から発表された</a:t>
+            </a:r>
+            <a:r>
+              <a:rPr lang="en-US" altLang="ja-JP" dirty="0"/>
               <a:t>(</a:t>
             </a:r>
             <a:r>
-              <a:rPr kumimoji="1" lang="ja-JP" altLang="en-US" dirty="0" smtClean="0"/>
-              <a:t>各クラスタの分析</a:t>
-            </a:r>
-            <a:r>
-              <a:rPr kumimoji="1" lang="en-US" altLang="ja-JP" dirty="0" smtClean="0"/>
+              <a:rPr lang="ja-JP" altLang="en-US" dirty="0">
+                <a:hlinkClick r:id="rId2"/>
+              </a:rPr>
+              <a:t>元論文</a:t>
+            </a:r>
+            <a:r>
+              <a:rPr lang="en-US" altLang="ja-JP" dirty="0"/>
               <a:t>)</a:t>
+            </a:r>
+          </a:p>
+          <a:p>
+            <a:pPr>
+              <a:buFont typeface="Wingdings" panose="05000000000000000000" pitchFamily="2" charset="2"/>
+              <a:buChar char="u"/>
+            </a:pPr>
+            <a:r>
+              <a:rPr kumimoji="1" lang="ja-JP" altLang="en-US" dirty="0"/>
+              <a:t>意味の足し引きが出来るほど精度が高い</a:t>
+            </a:r>
+            <a:endParaRPr kumimoji="1" lang="en-US" altLang="ja-JP" dirty="0"/>
+          </a:p>
+          <a:p>
+            <a:pPr>
+              <a:buFont typeface="Wingdings" panose="05000000000000000000" pitchFamily="2" charset="2"/>
+              <a:buChar char="u"/>
+            </a:pPr>
+            <a:r>
+              <a:rPr kumimoji="1" lang="ja-JP" altLang="en-US" dirty="0"/>
+              <a:t>ある単語を入力として、周辺単語</a:t>
+            </a:r>
+            <a:r>
+              <a:rPr lang="ja-JP" altLang="en-US" dirty="0"/>
+              <a:t>の出現確率を</a:t>
+            </a:r>
+            <a:r>
+              <a:rPr kumimoji="1" lang="ja-JP" altLang="en-US" dirty="0"/>
+              <a:t>予測するモデル</a:t>
+            </a:r>
+            <a:r>
+              <a:rPr kumimoji="1" lang="en-US" altLang="ja-JP" dirty="0"/>
+              <a:t>(Skip-Gram)</a:t>
+            </a:r>
+          </a:p>
+          <a:p>
+            <a:pPr lvl="1">
+              <a:buFont typeface="Wingdings" panose="05000000000000000000" pitchFamily="2" charset="2"/>
+              <a:buChar char="ü"/>
+            </a:pPr>
+            <a:r>
+              <a:rPr lang="ja-JP" altLang="en-US" dirty="0"/>
+              <a:t>ある単語の意味は周辺単語によって構成されるという考え</a:t>
             </a:r>
             <a:endParaRPr kumimoji="1" lang="ja-JP" altLang="en-US" dirty="0"/>
           </a:p>
@@ -2924,17 +4584,606 @@
           <a:lstStyle/>
           <a:p>
             <a:r>
-              <a:rPr kumimoji="1" lang="ja-JP" altLang="en-US" b="1" dirty="0" smtClean="0"/>
-              <a:t>ネットワーク分析</a:t>
+              <a:rPr kumimoji="1" lang="ja-JP" altLang="en-US" b="1" dirty="0"/>
+              <a:t>分析方針</a:t>
+            </a:r>
+          </a:p>
+        </p:txBody>
+      </p:sp>
+      <p:sp>
+        <p:nvSpPr>
+          <p:cNvPr id="5" name="正方形/長方形 4"/>
+          <p:cNvSpPr/>
+          <p:nvPr/>
+        </p:nvSpPr>
+        <p:spPr>
+          <a:xfrm>
+            <a:off x="2022763" y="5464802"/>
+            <a:ext cx="1062182" cy="523442"/>
+          </a:xfrm>
+          <a:prstGeom prst="rect">
+            <a:avLst/>
+          </a:prstGeom>
+        </p:spPr>
+        <p:style>
+          <a:lnRef idx="2">
+            <a:schemeClr val="accent1">
+              <a:shade val="50000"/>
+            </a:schemeClr>
+          </a:lnRef>
+          <a:fillRef idx="1">
+            <a:schemeClr val="accent1"/>
+          </a:fillRef>
+          <a:effectRef idx="0">
+            <a:schemeClr val="accent1"/>
+          </a:effectRef>
+          <a:fontRef idx="minor">
+            <a:schemeClr val="lt1"/>
+          </a:fontRef>
+        </p:style>
+        <p:txBody>
+          <a:bodyPr rtlCol="0" anchor="ctr"/>
+          <a:lstStyle/>
+          <a:p>
+            <a:pPr algn="ctr"/>
+            <a:r>
+              <a:rPr kumimoji="1" lang="en-US" altLang="ja-JP" dirty="0"/>
+              <a:t>Nintendo Switch</a:t>
+            </a:r>
+            <a:endParaRPr kumimoji="1" lang="ja-JP" altLang="en-US" dirty="0"/>
+          </a:p>
+        </p:txBody>
+      </p:sp>
+      <p:sp>
+        <p:nvSpPr>
+          <p:cNvPr id="6" name="正方形/長方形 5"/>
+          <p:cNvSpPr/>
+          <p:nvPr/>
+        </p:nvSpPr>
+        <p:spPr>
+          <a:xfrm>
+            <a:off x="5894962" y="4973476"/>
+            <a:ext cx="755220" cy="417223"/>
+          </a:xfrm>
+          <a:prstGeom prst="rect">
+            <a:avLst/>
+          </a:prstGeom>
+        </p:spPr>
+        <p:style>
+          <a:lnRef idx="2">
+            <a:schemeClr val="accent1">
+              <a:shade val="50000"/>
+            </a:schemeClr>
+          </a:lnRef>
+          <a:fillRef idx="1">
+            <a:schemeClr val="accent1"/>
+          </a:fillRef>
+          <a:effectRef idx="0">
+            <a:schemeClr val="accent1"/>
+          </a:effectRef>
+          <a:fontRef idx="minor">
+            <a:schemeClr val="lt1"/>
+          </a:fontRef>
+        </p:style>
+        <p:txBody>
+          <a:bodyPr rtlCol="0" anchor="ctr"/>
+          <a:lstStyle/>
+          <a:p>
+            <a:pPr algn="ctr"/>
+            <a:r>
+              <a:rPr kumimoji="1" lang="ja-JP" altLang="en-US" dirty="0"/>
+              <a:t>どこ</a:t>
+            </a:r>
+          </a:p>
+        </p:txBody>
+      </p:sp>
+      <p:sp>
+        <p:nvSpPr>
+          <p:cNvPr id="7" name="正方形/長方形 6"/>
+          <p:cNvSpPr/>
+          <p:nvPr/>
+        </p:nvSpPr>
+        <p:spPr>
+          <a:xfrm>
+            <a:off x="5894962" y="5517912"/>
+            <a:ext cx="755220" cy="417223"/>
+          </a:xfrm>
+          <a:prstGeom prst="rect">
+            <a:avLst/>
+          </a:prstGeom>
+        </p:spPr>
+        <p:style>
+          <a:lnRef idx="2">
+            <a:schemeClr val="accent1">
+              <a:shade val="50000"/>
+            </a:schemeClr>
+          </a:lnRef>
+          <a:fillRef idx="1">
+            <a:schemeClr val="accent1"/>
+          </a:fillRef>
+          <a:effectRef idx="0">
+            <a:schemeClr val="accent1"/>
+          </a:effectRef>
+          <a:fontRef idx="minor">
+            <a:schemeClr val="lt1"/>
+          </a:fontRef>
+        </p:style>
+        <p:txBody>
+          <a:bodyPr rtlCol="0" anchor="ctr"/>
+          <a:lstStyle/>
+          <a:p>
+            <a:pPr algn="ctr"/>
+            <a:r>
+              <a:rPr kumimoji="1" lang="ja-JP" altLang="en-US" dirty="0"/>
+              <a:t>店舗</a:t>
+            </a:r>
+          </a:p>
+        </p:txBody>
+      </p:sp>
+      <p:sp>
+        <p:nvSpPr>
+          <p:cNvPr id="8" name="正方形/長方形 7"/>
+          <p:cNvSpPr/>
+          <p:nvPr/>
+        </p:nvSpPr>
+        <p:spPr>
+          <a:xfrm>
+            <a:off x="5894962" y="6050425"/>
+            <a:ext cx="755220" cy="417223"/>
+          </a:xfrm>
+          <a:prstGeom prst="rect">
+            <a:avLst/>
+          </a:prstGeom>
+        </p:spPr>
+        <p:style>
+          <a:lnRef idx="2">
+            <a:schemeClr val="accent1">
+              <a:shade val="50000"/>
+            </a:schemeClr>
+          </a:lnRef>
+          <a:fillRef idx="1">
+            <a:schemeClr val="accent1"/>
+          </a:fillRef>
+          <a:effectRef idx="0">
+            <a:schemeClr val="accent1"/>
+          </a:effectRef>
+          <a:fontRef idx="minor">
+            <a:schemeClr val="lt1"/>
+          </a:fontRef>
+        </p:style>
+        <p:txBody>
+          <a:bodyPr rtlCol="0" anchor="ctr"/>
+          <a:lstStyle/>
+          <a:p>
+            <a:pPr algn="ctr"/>
+            <a:r>
+              <a:rPr kumimoji="1" lang="ja-JP" altLang="en-US" dirty="0"/>
+              <a:t>ない</a:t>
+            </a:r>
+          </a:p>
+        </p:txBody>
+      </p:sp>
+      <p:sp>
+        <p:nvSpPr>
+          <p:cNvPr id="9" name="テキスト ボックス 8"/>
+          <p:cNvSpPr txBox="1"/>
+          <p:nvPr/>
+        </p:nvSpPr>
+        <p:spPr>
+          <a:xfrm>
+            <a:off x="2110508" y="4863624"/>
+            <a:ext cx="886691" cy="539187"/>
+          </a:xfrm>
+          <a:prstGeom prst="rect">
+            <a:avLst/>
+          </a:prstGeom>
+          <a:noFill/>
+        </p:spPr>
+        <p:txBody>
+          <a:bodyPr wrap="square" rtlCol="0">
+            <a:spAutoFit/>
+          </a:bodyPr>
+          <a:lstStyle/>
+          <a:p>
+            <a:pPr algn="ctr">
+              <a:lnSpc>
+                <a:spcPct val="130000"/>
+              </a:lnSpc>
+            </a:pPr>
+            <a:r>
+              <a:rPr kumimoji="1" lang="ja-JP" altLang="en-US" sz="2400" dirty="0">
+                <a:latin typeface="+mn-ea"/>
+                <a:cs typeface="Meiryo" charset="-128"/>
+              </a:rPr>
+              <a:t>入力</a:t>
+            </a:r>
+            <a:endParaRPr kumimoji="1" lang="ja-JP" altLang="en-US" sz="2400" dirty="0">
+              <a:latin typeface="+mn-ea"/>
+              <a:ea typeface="+mn-ea"/>
+              <a:cs typeface="Meiryo" charset="-128"/>
+            </a:endParaRPr>
+          </a:p>
+        </p:txBody>
+      </p:sp>
+      <p:sp>
+        <p:nvSpPr>
+          <p:cNvPr id="10" name="テキスト ボックス 9"/>
+          <p:cNvSpPr txBox="1"/>
+          <p:nvPr/>
+        </p:nvSpPr>
+        <p:spPr>
+          <a:xfrm>
+            <a:off x="5829226" y="4299643"/>
+            <a:ext cx="886691" cy="539187"/>
+          </a:xfrm>
+          <a:prstGeom prst="rect">
+            <a:avLst/>
+          </a:prstGeom>
+          <a:noFill/>
+        </p:spPr>
+        <p:txBody>
+          <a:bodyPr wrap="square" rtlCol="0">
+            <a:spAutoFit/>
+          </a:bodyPr>
+          <a:lstStyle/>
+          <a:p>
+            <a:pPr algn="ctr">
+              <a:lnSpc>
+                <a:spcPct val="130000"/>
+              </a:lnSpc>
+            </a:pPr>
+            <a:r>
+              <a:rPr kumimoji="1" lang="ja-JP" altLang="en-US" sz="2400" dirty="0">
+                <a:latin typeface="+mn-ea"/>
+                <a:cs typeface="Meiryo" charset="-128"/>
+              </a:rPr>
+              <a:t>出力</a:t>
+            </a:r>
+            <a:endParaRPr kumimoji="1" lang="ja-JP" altLang="en-US" sz="2400" dirty="0">
+              <a:latin typeface="+mn-ea"/>
+              <a:ea typeface="+mn-ea"/>
+              <a:cs typeface="Meiryo" charset="-128"/>
+            </a:endParaRPr>
+          </a:p>
+        </p:txBody>
+      </p:sp>
+      <p:sp>
+        <p:nvSpPr>
+          <p:cNvPr id="11" name="正方形/長方形 10"/>
+          <p:cNvSpPr/>
+          <p:nvPr/>
+        </p:nvSpPr>
+        <p:spPr>
+          <a:xfrm>
+            <a:off x="3445164" y="5299009"/>
+            <a:ext cx="2050472" cy="855027"/>
+          </a:xfrm>
+          <a:prstGeom prst="rect">
+            <a:avLst/>
+          </a:prstGeom>
+          <a:solidFill>
+            <a:schemeClr val="accent2"/>
+          </a:solidFill>
+          <a:ln>
+            <a:solidFill>
+              <a:schemeClr val="accent2"/>
+            </a:solidFill>
+          </a:ln>
+        </p:spPr>
+        <p:style>
+          <a:lnRef idx="2">
+            <a:schemeClr val="accent1">
+              <a:shade val="50000"/>
+            </a:schemeClr>
+          </a:lnRef>
+          <a:fillRef idx="1">
+            <a:schemeClr val="accent1"/>
+          </a:fillRef>
+          <a:effectRef idx="0">
+            <a:schemeClr val="accent1"/>
+          </a:effectRef>
+          <a:fontRef idx="minor">
+            <a:schemeClr val="lt1"/>
+          </a:fontRef>
+        </p:style>
+        <p:txBody>
+          <a:bodyPr rtlCol="0" anchor="ctr"/>
+          <a:lstStyle/>
+          <a:p>
+            <a:pPr algn="ctr"/>
+            <a:r>
+              <a:rPr kumimoji="1" lang="ja-JP" altLang="en-US" b="1" dirty="0"/>
+              <a:t>中間層</a:t>
+            </a:r>
+            <a:endParaRPr kumimoji="1" lang="en-US" altLang="ja-JP" b="1" dirty="0"/>
+          </a:p>
+          <a:p>
+            <a:pPr algn="ctr"/>
+            <a:r>
+              <a:rPr kumimoji="1" lang="en-US" altLang="ja-JP" b="1" dirty="0"/>
+              <a:t>(</a:t>
+            </a:r>
+            <a:r>
+              <a:rPr kumimoji="1" lang="ja-JP" altLang="en-US" b="1" dirty="0"/>
+              <a:t>これがベクトルになる</a:t>
+            </a:r>
+            <a:r>
+              <a:rPr kumimoji="1" lang="en-US" altLang="ja-JP" b="1" dirty="0"/>
+              <a:t>)</a:t>
             </a:r>
             <a:endParaRPr kumimoji="1" lang="ja-JP" altLang="en-US" b="1" dirty="0"/>
+          </a:p>
+        </p:txBody>
+      </p:sp>
+      <p:cxnSp>
+        <p:nvCxnSpPr>
+          <p:cNvPr id="13" name="直線コネクタ 12"/>
+          <p:cNvCxnSpPr>
+            <a:stCxn id="5" idx="3"/>
+            <a:endCxn id="11" idx="1"/>
+          </p:cNvCxnSpPr>
+          <p:nvPr/>
+        </p:nvCxnSpPr>
+        <p:spPr>
+          <a:xfrm>
+            <a:off x="3084945" y="5726523"/>
+            <a:ext cx="360219" cy="0"/>
+          </a:xfrm>
+          <a:prstGeom prst="line">
+            <a:avLst/>
+          </a:prstGeom>
+          <a:ln w="38100"/>
+        </p:spPr>
+        <p:style>
+          <a:lnRef idx="1">
+            <a:schemeClr val="accent1"/>
+          </a:lnRef>
+          <a:fillRef idx="0">
+            <a:schemeClr val="accent1"/>
+          </a:fillRef>
+          <a:effectRef idx="0">
+            <a:schemeClr val="accent1"/>
+          </a:effectRef>
+          <a:fontRef idx="minor">
+            <a:schemeClr val="tx1"/>
+          </a:fontRef>
+        </p:style>
+      </p:cxnSp>
+      <p:cxnSp>
+        <p:nvCxnSpPr>
+          <p:cNvPr id="15" name="直線コネクタ 14"/>
+          <p:cNvCxnSpPr>
+            <a:stCxn id="11" idx="3"/>
+            <a:endCxn id="6" idx="1"/>
+          </p:cNvCxnSpPr>
+          <p:nvPr/>
+        </p:nvCxnSpPr>
+        <p:spPr>
+          <a:xfrm flipV="1">
+            <a:off x="5495636" y="5182088"/>
+            <a:ext cx="399326" cy="544435"/>
+          </a:xfrm>
+          <a:prstGeom prst="line">
+            <a:avLst/>
+          </a:prstGeom>
+          <a:ln w="38100"/>
+        </p:spPr>
+        <p:style>
+          <a:lnRef idx="1">
+            <a:schemeClr val="accent1"/>
+          </a:lnRef>
+          <a:fillRef idx="0">
+            <a:schemeClr val="accent1"/>
+          </a:fillRef>
+          <a:effectRef idx="0">
+            <a:schemeClr val="accent1"/>
+          </a:effectRef>
+          <a:fontRef idx="minor">
+            <a:schemeClr val="tx1"/>
+          </a:fontRef>
+        </p:style>
+      </p:cxnSp>
+      <p:cxnSp>
+        <p:nvCxnSpPr>
+          <p:cNvPr id="17" name="直線コネクタ 16"/>
+          <p:cNvCxnSpPr>
+            <a:stCxn id="11" idx="3"/>
+            <a:endCxn id="7" idx="1"/>
+          </p:cNvCxnSpPr>
+          <p:nvPr/>
+        </p:nvCxnSpPr>
+        <p:spPr>
+          <a:xfrm>
+            <a:off x="5495636" y="5726523"/>
+            <a:ext cx="399326" cy="1"/>
+          </a:xfrm>
+          <a:prstGeom prst="line">
+            <a:avLst/>
+          </a:prstGeom>
+          <a:ln w="38100"/>
+        </p:spPr>
+        <p:style>
+          <a:lnRef idx="1">
+            <a:schemeClr val="accent1"/>
+          </a:lnRef>
+          <a:fillRef idx="0">
+            <a:schemeClr val="accent1"/>
+          </a:fillRef>
+          <a:effectRef idx="0">
+            <a:schemeClr val="accent1"/>
+          </a:effectRef>
+          <a:fontRef idx="minor">
+            <a:schemeClr val="tx1"/>
+          </a:fontRef>
+        </p:style>
+      </p:cxnSp>
+      <p:cxnSp>
+        <p:nvCxnSpPr>
+          <p:cNvPr id="19" name="直線コネクタ 18"/>
+          <p:cNvCxnSpPr>
+            <a:stCxn id="11" idx="3"/>
+            <a:endCxn id="8" idx="1"/>
+          </p:cNvCxnSpPr>
+          <p:nvPr/>
+        </p:nvCxnSpPr>
+        <p:spPr>
+          <a:xfrm>
+            <a:off x="5495636" y="5726523"/>
+            <a:ext cx="399326" cy="532514"/>
+          </a:xfrm>
+          <a:prstGeom prst="line">
+            <a:avLst/>
+          </a:prstGeom>
+          <a:ln w="38100"/>
+        </p:spPr>
+        <p:style>
+          <a:lnRef idx="1">
+            <a:schemeClr val="accent1"/>
+          </a:lnRef>
+          <a:fillRef idx="0">
+            <a:schemeClr val="accent1"/>
+          </a:fillRef>
+          <a:effectRef idx="0">
+            <a:schemeClr val="accent1"/>
+          </a:effectRef>
+          <a:fontRef idx="minor">
+            <a:schemeClr val="tx1"/>
+          </a:fontRef>
+        </p:style>
+      </p:cxnSp>
+      <p:sp>
+        <p:nvSpPr>
+          <p:cNvPr id="23" name="テキスト ボックス 22"/>
+          <p:cNvSpPr txBox="1"/>
+          <p:nvPr/>
+        </p:nvSpPr>
+        <p:spPr>
+          <a:xfrm>
+            <a:off x="6724072" y="6082545"/>
+            <a:ext cx="822036" cy="352982"/>
+          </a:xfrm>
+          <a:prstGeom prst="rect">
+            <a:avLst/>
+          </a:prstGeom>
+          <a:noFill/>
+        </p:spPr>
+        <p:txBody>
+          <a:bodyPr wrap="square" rtlCol="0">
+            <a:spAutoFit/>
+          </a:bodyPr>
+          <a:lstStyle/>
+          <a:p>
+            <a:pPr>
+              <a:lnSpc>
+                <a:spcPct val="130000"/>
+              </a:lnSpc>
+            </a:pPr>
+            <a:r>
+              <a:rPr kumimoji="1" lang="en-US" altLang="ja-JP" sz="1400" dirty="0">
+                <a:latin typeface="+mn-ea"/>
+                <a:ea typeface="+mn-ea"/>
+                <a:cs typeface="Meiryo" charset="-128"/>
+              </a:rPr>
+              <a:t>0.6</a:t>
+            </a:r>
+            <a:endParaRPr kumimoji="1" lang="ja-JP" altLang="en-US" sz="1400" dirty="0">
+              <a:latin typeface="+mn-ea"/>
+              <a:ea typeface="+mn-ea"/>
+              <a:cs typeface="Meiryo" charset="-128"/>
+            </a:endParaRPr>
+          </a:p>
+        </p:txBody>
+      </p:sp>
+      <p:sp>
+        <p:nvSpPr>
+          <p:cNvPr id="24" name="テキスト ボックス 23"/>
+          <p:cNvSpPr txBox="1"/>
+          <p:nvPr/>
+        </p:nvSpPr>
+        <p:spPr>
+          <a:xfrm>
+            <a:off x="6707762" y="5001880"/>
+            <a:ext cx="822036" cy="352982"/>
+          </a:xfrm>
+          <a:prstGeom prst="rect">
+            <a:avLst/>
+          </a:prstGeom>
+          <a:noFill/>
+        </p:spPr>
+        <p:txBody>
+          <a:bodyPr wrap="square" rtlCol="0">
+            <a:spAutoFit/>
+          </a:bodyPr>
+          <a:lstStyle/>
+          <a:p>
+            <a:pPr>
+              <a:lnSpc>
+                <a:spcPct val="130000"/>
+              </a:lnSpc>
+            </a:pPr>
+            <a:r>
+              <a:rPr kumimoji="1" lang="en-US" altLang="ja-JP" sz="1400" dirty="0">
+                <a:latin typeface="+mn-ea"/>
+                <a:ea typeface="+mn-ea"/>
+                <a:cs typeface="Meiryo" charset="-128"/>
+              </a:rPr>
+              <a:t>0.3</a:t>
+            </a:r>
+            <a:endParaRPr kumimoji="1" lang="ja-JP" altLang="en-US" sz="1400" dirty="0">
+              <a:latin typeface="+mn-ea"/>
+              <a:ea typeface="+mn-ea"/>
+              <a:cs typeface="Meiryo" charset="-128"/>
+            </a:endParaRPr>
+          </a:p>
+        </p:txBody>
+      </p:sp>
+      <p:sp>
+        <p:nvSpPr>
+          <p:cNvPr id="25" name="テキスト ボックス 24"/>
+          <p:cNvSpPr txBox="1"/>
+          <p:nvPr/>
+        </p:nvSpPr>
+        <p:spPr>
+          <a:xfrm>
+            <a:off x="6724072" y="5550031"/>
+            <a:ext cx="822036" cy="352982"/>
+          </a:xfrm>
+          <a:prstGeom prst="rect">
+            <a:avLst/>
+          </a:prstGeom>
+          <a:noFill/>
+        </p:spPr>
+        <p:txBody>
+          <a:bodyPr wrap="square" rtlCol="0">
+            <a:spAutoFit/>
+          </a:bodyPr>
+          <a:lstStyle/>
+          <a:p>
+            <a:pPr>
+              <a:lnSpc>
+                <a:spcPct val="130000"/>
+              </a:lnSpc>
+            </a:pPr>
+            <a:r>
+              <a:rPr kumimoji="1" lang="en-US" altLang="ja-JP" sz="1400" dirty="0">
+                <a:latin typeface="+mn-ea"/>
+                <a:ea typeface="+mn-ea"/>
+                <a:cs typeface="Meiryo" charset="-128"/>
+              </a:rPr>
+              <a:t>0.1</a:t>
+            </a:r>
+            <a:endParaRPr kumimoji="1" lang="ja-JP" altLang="en-US" sz="1400" dirty="0">
+              <a:latin typeface="+mn-ea"/>
+              <a:ea typeface="+mn-ea"/>
+              <a:cs typeface="Meiryo" charset="-128"/>
+            </a:endParaRPr>
           </a:p>
         </p:txBody>
       </p:sp>
     </p:spTree>
     <p:extLst>
       <p:ext uri="{BB962C8B-B14F-4D97-AF65-F5344CB8AC3E}">
-        <p14:creationId xmlns:p14="http://schemas.microsoft.com/office/powerpoint/2010/main" val="320623285"/>
+        <p14:creationId xmlns:p14="http://schemas.microsoft.com/office/powerpoint/2010/main" val="2418166314"/>
       </p:ext>
     </p:extLst>
   </p:cSld>
@@ -2979,26 +5228,13 @@
           <a:lstStyle/>
           <a:p>
             <a:r>
-              <a:rPr kumimoji="1" lang="ja-JP" altLang="en-US" dirty="0" smtClean="0"/>
-              <a:t>クラスター</a:t>
-            </a:r>
-            <a:r>
-              <a:rPr lang="en-US" altLang="ja-JP" dirty="0" smtClean="0"/>
-              <a:t>C</a:t>
-            </a:r>
-            <a:r>
-              <a:rPr kumimoji="1" lang="en-US" altLang="ja-JP" dirty="0" smtClean="0"/>
-              <a:t>:【</a:t>
-            </a:r>
-            <a:r>
-              <a:rPr lang="ja-JP" altLang="en-US" dirty="0" smtClean="0"/>
-              <a:t>各サービス</a:t>
-            </a:r>
-            <a:r>
-              <a:rPr kumimoji="1" lang="en-US" altLang="ja-JP" dirty="0" smtClean="0"/>
-              <a:t>】</a:t>
-            </a:r>
-            <a:endParaRPr kumimoji="1" lang="ja-JP" altLang="en-US" dirty="0"/>
+              <a:rPr kumimoji="1" lang="en-US" altLang="ja-JP" dirty="0" err="1"/>
+              <a:t>DeNA</a:t>
+            </a:r>
+            <a:r>
+              <a:rPr kumimoji="1" lang="ja-JP" altLang="en-US" dirty="0"/>
+              <a:t>報告書でやる意味</a:t>
+            </a:r>
           </a:p>
         </p:txBody>
       </p:sp>
@@ -3014,8 +5250,8 @@
         </p:nvSpPr>
         <p:spPr>
           <a:xfrm>
-            <a:off x="388505" y="1781273"/>
-            <a:ext cx="7683500" cy="3740150"/>
+            <a:off x="628650" y="1490664"/>
+            <a:ext cx="7582477" cy="905714"/>
           </a:xfrm>
         </p:spPr>
         <p:txBody>
@@ -3027,16 +5263,20 @@
               <a:buChar char="u"/>
             </a:pPr>
             <a:r>
-              <a:rPr kumimoji="1" lang="en-US" altLang="ja-JP" dirty="0" smtClean="0"/>
-              <a:t>(</a:t>
-            </a:r>
-            <a:r>
-              <a:rPr kumimoji="1" lang="ja-JP" altLang="en-US" dirty="0" smtClean="0"/>
-              <a:t>各クラスタの分析</a:t>
-            </a:r>
-            <a:r>
-              <a:rPr kumimoji="1" lang="en-US" altLang="ja-JP" dirty="0" smtClean="0"/>
-              <a:t>)</a:t>
+              <a:rPr kumimoji="1" lang="ja-JP" altLang="en-US" dirty="0"/>
+              <a:t>意味の足し引きが出来るほど単語の意味を</a:t>
+            </a:r>
+            <a:r>
+              <a:rPr lang="ja-JP" altLang="en-US" dirty="0"/>
+              <a:t>高い精度で</a:t>
+            </a:r>
+            <a:r>
+              <a:rPr kumimoji="1" lang="ja-JP" altLang="en-US" dirty="0"/>
+              <a:t>推定できる</a:t>
+            </a:r>
+            <a:r>
+              <a:rPr kumimoji="1" lang="en-US" altLang="ja-JP" dirty="0"/>
+              <a:t>Word2Vec</a:t>
             </a:r>
             <a:endParaRPr kumimoji="1" lang="ja-JP" altLang="en-US" dirty="0"/>
           </a:p>
@@ -3058,17 +5298,345 @@
           <a:lstStyle/>
           <a:p>
             <a:r>
-              <a:rPr kumimoji="1" lang="ja-JP" altLang="en-US" b="1" dirty="0" smtClean="0"/>
-              <a:t>ネットワーク分析</a:t>
-            </a:r>
-            <a:endParaRPr kumimoji="1" lang="ja-JP" altLang="en-US" b="1" dirty="0"/>
+              <a:rPr kumimoji="1" lang="ja-JP" altLang="en-US" b="1" dirty="0"/>
+              <a:t>分析方針</a:t>
+            </a:r>
+          </a:p>
+        </p:txBody>
+      </p:sp>
+      <p:pic>
+        <p:nvPicPr>
+          <p:cNvPr id="14" name="図 13"/>
+          <p:cNvPicPr>
+            <a:picLocks noChangeAspect="1"/>
+          </p:cNvPicPr>
+          <p:nvPr/>
+        </p:nvPicPr>
+        <p:blipFill>
+          <a:blip r:embed="rId2">
+            <a:extLst>
+              <a:ext uri="{28A0092B-C50C-407E-A947-70E740481C1C}">
+                <a14:useLocalDpi xmlns:a14="http://schemas.microsoft.com/office/drawing/2010/main" val="0"/>
+              </a:ext>
+            </a:extLst>
+          </a:blip>
+          <a:stretch>
+            <a:fillRect/>
+          </a:stretch>
+        </p:blipFill>
+        <p:spPr>
+          <a:xfrm>
+            <a:off x="766618" y="2533983"/>
+            <a:ext cx="4770781" cy="2125403"/>
+          </a:xfrm>
+          <a:prstGeom prst="rect">
+            <a:avLst/>
+          </a:prstGeom>
+        </p:spPr>
+      </p:pic>
+      <p:sp>
+        <p:nvSpPr>
+          <p:cNvPr id="16" name="テキスト ボックス 15"/>
+          <p:cNvSpPr txBox="1"/>
+          <p:nvPr/>
+        </p:nvSpPr>
+        <p:spPr>
+          <a:xfrm>
+            <a:off x="5675367" y="3087025"/>
+            <a:ext cx="3128965" cy="1019318"/>
+          </a:xfrm>
+          <a:prstGeom prst="rect">
+            <a:avLst/>
+          </a:prstGeom>
+          <a:noFill/>
+        </p:spPr>
+        <p:txBody>
+          <a:bodyPr wrap="square" rtlCol="0">
+            <a:spAutoFit/>
+          </a:bodyPr>
+          <a:lstStyle/>
+          <a:p>
+            <a:pPr>
+              <a:lnSpc>
+                <a:spcPct val="130000"/>
+              </a:lnSpc>
+            </a:pPr>
+            <a:r>
+              <a:rPr kumimoji="1" lang="en-US" altLang="ja-JP" sz="2400" dirty="0">
+                <a:latin typeface="+mn-ea"/>
+                <a:ea typeface="+mn-ea"/>
+                <a:cs typeface="Meiryo" charset="-128"/>
+              </a:rPr>
+              <a:t>KING-MAN+</a:t>
+            </a:r>
+          </a:p>
+          <a:p>
+            <a:pPr>
+              <a:lnSpc>
+                <a:spcPct val="130000"/>
+              </a:lnSpc>
+            </a:pPr>
+            <a:r>
+              <a:rPr kumimoji="1" lang="en-US" altLang="ja-JP" sz="2400" dirty="0">
+                <a:latin typeface="+mn-ea"/>
+                <a:ea typeface="+mn-ea"/>
+                <a:cs typeface="Meiryo" charset="-128"/>
+              </a:rPr>
+              <a:t>WOMAN=QUEEN</a:t>
+            </a:r>
+            <a:endParaRPr kumimoji="1" lang="ja-JP" altLang="en-US" sz="2400" dirty="0">
+              <a:latin typeface="+mn-ea"/>
+              <a:ea typeface="+mn-ea"/>
+              <a:cs typeface="Meiryo" charset="-128"/>
+            </a:endParaRPr>
+          </a:p>
+        </p:txBody>
+      </p:sp>
+      <p:sp>
+        <p:nvSpPr>
+          <p:cNvPr id="22" name="テキスト プレースホルダー 2"/>
+          <p:cNvSpPr txBox="1">
+            <a:spLocks/>
+          </p:cNvSpPr>
+          <p:nvPr/>
+        </p:nvSpPr>
+        <p:spPr>
+          <a:xfrm>
+            <a:off x="701963" y="4968823"/>
+            <a:ext cx="7582477" cy="905714"/>
+          </a:xfrm>
+          <a:prstGeom prst="rect">
+            <a:avLst/>
+          </a:prstGeom>
+        </p:spPr>
+        <p:txBody>
+          <a:bodyPr/>
+          <a:lstStyle>
+            <a:lvl1pPr marL="228600" indent="-228600" algn="l" defTabSz="914400" rtl="0" eaLnBrk="1" latinLnBrk="0" hangingPunct="1">
+              <a:lnSpc>
+                <a:spcPct val="90000"/>
+              </a:lnSpc>
+              <a:spcBef>
+                <a:spcPts val="1000"/>
+              </a:spcBef>
+              <a:buFont typeface="Arial" panose="020B0604020202020204" pitchFamily="34" charset="0"/>
+              <a:buChar char="•"/>
+              <a:defRPr kumimoji="1" sz="2800" kern="1200">
+                <a:solidFill>
+                  <a:schemeClr val="tx1"/>
+                </a:solidFill>
+                <a:latin typeface="+mn-lt"/>
+                <a:ea typeface="+mn-ea"/>
+                <a:cs typeface="+mn-cs"/>
+              </a:defRPr>
+            </a:lvl1pPr>
+            <a:lvl2pPr marL="685800" indent="-228600" algn="l" defTabSz="914400" rtl="0" eaLnBrk="1" latinLnBrk="0" hangingPunct="1">
+              <a:lnSpc>
+                <a:spcPct val="90000"/>
+              </a:lnSpc>
+              <a:spcBef>
+                <a:spcPts val="500"/>
+              </a:spcBef>
+              <a:buFont typeface="Arial" panose="020B0604020202020204" pitchFamily="34" charset="0"/>
+              <a:buChar char="•"/>
+              <a:defRPr kumimoji="1" sz="2400" kern="1200">
+                <a:solidFill>
+                  <a:schemeClr val="tx1"/>
+                </a:solidFill>
+                <a:latin typeface="+mn-lt"/>
+                <a:ea typeface="+mn-ea"/>
+                <a:cs typeface="+mn-cs"/>
+              </a:defRPr>
+            </a:lvl2pPr>
+            <a:lvl3pPr marL="1143000" indent="-228600" algn="l" defTabSz="914400" rtl="0" eaLnBrk="1" latinLnBrk="0" hangingPunct="1">
+              <a:lnSpc>
+                <a:spcPct val="90000"/>
+              </a:lnSpc>
+              <a:spcBef>
+                <a:spcPts val="500"/>
+              </a:spcBef>
+              <a:buFont typeface="Arial" panose="020B0604020202020204" pitchFamily="34" charset="0"/>
+              <a:buChar char="•"/>
+              <a:defRPr kumimoji="1" sz="2000" kern="1200">
+                <a:solidFill>
+                  <a:schemeClr val="tx1"/>
+                </a:solidFill>
+                <a:latin typeface="+mn-lt"/>
+                <a:ea typeface="+mn-ea"/>
+                <a:cs typeface="+mn-cs"/>
+              </a:defRPr>
+            </a:lvl3pPr>
+            <a:lvl4pPr marL="1600200" indent="-228600" algn="l" defTabSz="914400" rtl="0" eaLnBrk="1" latinLnBrk="0" hangingPunct="1">
+              <a:lnSpc>
+                <a:spcPct val="90000"/>
+              </a:lnSpc>
+              <a:spcBef>
+                <a:spcPts val="500"/>
+              </a:spcBef>
+              <a:buFont typeface="Arial" panose="020B0604020202020204" pitchFamily="34" charset="0"/>
+              <a:buChar char="•"/>
+              <a:defRPr kumimoji="1" sz="1800" kern="1200">
+                <a:solidFill>
+                  <a:schemeClr val="tx1"/>
+                </a:solidFill>
+                <a:latin typeface="+mn-lt"/>
+                <a:ea typeface="+mn-ea"/>
+                <a:cs typeface="+mn-cs"/>
+              </a:defRPr>
+            </a:lvl4pPr>
+            <a:lvl5pPr marL="2057400" indent="-228600" algn="l" defTabSz="914400" rtl="0" eaLnBrk="1" latinLnBrk="0" hangingPunct="1">
+              <a:lnSpc>
+                <a:spcPct val="90000"/>
+              </a:lnSpc>
+              <a:spcBef>
+                <a:spcPts val="500"/>
+              </a:spcBef>
+              <a:buFont typeface="Arial" panose="020B0604020202020204" pitchFamily="34" charset="0"/>
+              <a:buChar char="•"/>
+              <a:defRPr kumimoji="1" sz="1800" kern="1200">
+                <a:solidFill>
+                  <a:schemeClr val="tx1"/>
+                </a:solidFill>
+                <a:latin typeface="+mn-lt"/>
+                <a:ea typeface="+mn-ea"/>
+                <a:cs typeface="+mn-cs"/>
+              </a:defRPr>
+            </a:lvl5pPr>
+            <a:lvl6pPr marL="2514600" indent="-228600" algn="l" defTabSz="914400" rtl="0" eaLnBrk="1" latinLnBrk="0" hangingPunct="1">
+              <a:lnSpc>
+                <a:spcPct val="90000"/>
+              </a:lnSpc>
+              <a:spcBef>
+                <a:spcPts val="500"/>
+              </a:spcBef>
+              <a:buFont typeface="Arial" panose="020B0604020202020204" pitchFamily="34" charset="0"/>
+              <a:buChar char="•"/>
+              <a:defRPr kumimoji="1" sz="1800" kern="1200">
+                <a:solidFill>
+                  <a:schemeClr val="tx1"/>
+                </a:solidFill>
+                <a:latin typeface="+mn-lt"/>
+                <a:ea typeface="+mn-ea"/>
+                <a:cs typeface="+mn-cs"/>
+              </a:defRPr>
+            </a:lvl6pPr>
+            <a:lvl7pPr marL="2971800" indent="-228600" algn="l" defTabSz="914400" rtl="0" eaLnBrk="1" latinLnBrk="0" hangingPunct="1">
+              <a:lnSpc>
+                <a:spcPct val="90000"/>
+              </a:lnSpc>
+              <a:spcBef>
+                <a:spcPts val="500"/>
+              </a:spcBef>
+              <a:buFont typeface="Arial" panose="020B0604020202020204" pitchFamily="34" charset="0"/>
+              <a:buChar char="•"/>
+              <a:defRPr kumimoji="1" sz="1800" kern="1200">
+                <a:solidFill>
+                  <a:schemeClr val="tx1"/>
+                </a:solidFill>
+                <a:latin typeface="+mn-lt"/>
+                <a:ea typeface="+mn-ea"/>
+                <a:cs typeface="+mn-cs"/>
+              </a:defRPr>
+            </a:lvl7pPr>
+            <a:lvl8pPr marL="3429000" indent="-228600" algn="l" defTabSz="914400" rtl="0" eaLnBrk="1" latinLnBrk="0" hangingPunct="1">
+              <a:lnSpc>
+                <a:spcPct val="90000"/>
+              </a:lnSpc>
+              <a:spcBef>
+                <a:spcPts val="500"/>
+              </a:spcBef>
+              <a:buFont typeface="Arial" panose="020B0604020202020204" pitchFamily="34" charset="0"/>
+              <a:buChar char="•"/>
+              <a:defRPr kumimoji="1" sz="1800" kern="1200">
+                <a:solidFill>
+                  <a:schemeClr val="tx1"/>
+                </a:solidFill>
+                <a:latin typeface="+mn-lt"/>
+                <a:ea typeface="+mn-ea"/>
+                <a:cs typeface="+mn-cs"/>
+              </a:defRPr>
+            </a:lvl8pPr>
+            <a:lvl9pPr marL="3886200" indent="-228600" algn="l" defTabSz="914400" rtl="0" eaLnBrk="1" latinLnBrk="0" hangingPunct="1">
+              <a:lnSpc>
+                <a:spcPct val="90000"/>
+              </a:lnSpc>
+              <a:spcBef>
+                <a:spcPts val="500"/>
+              </a:spcBef>
+              <a:buFont typeface="Arial" panose="020B0604020202020204" pitchFamily="34" charset="0"/>
+              <a:buChar char="•"/>
+              <a:defRPr kumimoji="1" sz="1800" kern="1200">
+                <a:solidFill>
+                  <a:schemeClr val="tx1"/>
+                </a:solidFill>
+                <a:latin typeface="+mn-lt"/>
+                <a:ea typeface="+mn-ea"/>
+                <a:cs typeface="+mn-cs"/>
+              </a:defRPr>
+            </a:lvl9pPr>
+          </a:lstStyle>
+          <a:p>
+            <a:pPr>
+              <a:buFont typeface="Wingdings" panose="05000000000000000000" pitchFamily="2" charset="2"/>
+              <a:buChar char="u"/>
+            </a:pPr>
+            <a:r>
+              <a:rPr lang="en-US" altLang="ja-JP" sz="2400" dirty="0" err="1"/>
+              <a:t>DeNA</a:t>
+            </a:r>
+            <a:r>
+              <a:rPr lang="ja-JP" altLang="en-US" sz="2400" dirty="0"/>
+              <a:t>の報告書の中で各単語がどんな文脈で使われていたのか気になる</a:t>
+            </a:r>
+            <a:r>
+              <a:rPr lang="en-US" altLang="ja-JP" sz="2400" dirty="0"/>
+              <a:t>(</a:t>
+            </a:r>
+            <a:r>
+              <a:rPr lang="ja-JP" altLang="en-US" sz="2400" b="1" dirty="0"/>
+              <a:t>ベンチャー・大企業</a:t>
+            </a:r>
+            <a:r>
+              <a:rPr lang="ja-JP" altLang="en-US" sz="2400" dirty="0"/>
+              <a:t>など</a:t>
+            </a:r>
+            <a:r>
+              <a:rPr lang="en-US" altLang="ja-JP" sz="2400" dirty="0"/>
+              <a:t>)</a:t>
+            </a:r>
+          </a:p>
+          <a:p>
+            <a:pPr>
+              <a:buFont typeface="Wingdings" panose="05000000000000000000" pitchFamily="2" charset="2"/>
+              <a:buChar char="u"/>
+            </a:pPr>
+            <a:r>
+              <a:rPr lang="ja-JP" altLang="en-US" sz="2400" dirty="0"/>
+              <a:t>先の</a:t>
+            </a:r>
+            <a:r>
+              <a:rPr lang="en-US" altLang="ja-JP" sz="2400" dirty="0"/>
+              <a:t>Bi-Gram Network</a:t>
+            </a:r>
+            <a:r>
+              <a:rPr lang="ja-JP" altLang="en-US" sz="2400" dirty="0"/>
+              <a:t>でクラスタリングした結果も使って</a:t>
+            </a:r>
+            <a:r>
+              <a:rPr lang="en-US" altLang="ja-JP" sz="2400" dirty="0"/>
+              <a:t>t-SNE</a:t>
+            </a:r>
+            <a:r>
+              <a:rPr lang="ja-JP" altLang="en-US" sz="2400" dirty="0"/>
+              <a:t>で可視化してみる</a:t>
+            </a:r>
           </a:p>
         </p:txBody>
       </p:sp>
     </p:spTree>
     <p:extLst>
       <p:ext uri="{BB962C8B-B14F-4D97-AF65-F5344CB8AC3E}">
-        <p14:creationId xmlns:p14="http://schemas.microsoft.com/office/powerpoint/2010/main" val="162183060"/>
+        <p14:creationId xmlns:p14="http://schemas.microsoft.com/office/powerpoint/2010/main" val="384518485"/>
       </p:ext>
     </p:extLst>
   </p:cSld>
@@ -3097,112 +5665,128 @@
       </p:grpSpPr>
       <p:sp>
         <p:nvSpPr>
-          <p:cNvPr id="2" name="タイトル 1"/>
+          <p:cNvPr id="2" name="コンテンツ プレースホルダー 1"/>
           <p:cNvSpPr>
             <a:spLocks noGrp="1"/>
           </p:cNvSpPr>
           <p:nvPr>
-            <p:ph type="title"/>
+            <p:ph idx="1"/>
           </p:nvPr>
         </p:nvSpPr>
         <p:spPr/>
         <p:txBody>
-          <a:bodyPr>
-            <a:normAutofit fontScale="90000"/>
-          </a:bodyPr>
-          <a:lstStyle/>
-          <a:p>
-            <a:r>
-              <a:rPr kumimoji="1" lang="ja-JP" altLang="en-US" dirty="0" smtClean="0"/>
-              <a:t>クラスター</a:t>
+          <a:bodyPr/>
+          <a:lstStyle/>
+          <a:p>
+            <a:r>
+              <a:rPr kumimoji="1" lang="en-US" altLang="ja-JP" dirty="0"/>
+              <a:t>DeNA</a:t>
+            </a:r>
+            <a:r>
+              <a:rPr kumimoji="1" lang="ja-JP" altLang="en-US" dirty="0"/>
+              <a:t>の問題について</a:t>
+            </a:r>
+            <a:endParaRPr kumimoji="1" lang="en-US" altLang="ja-JP" dirty="0"/>
+          </a:p>
+          <a:p>
+            <a:r>
+              <a:rPr kumimoji="1" lang="ja-JP" altLang="en-US" dirty="0"/>
+              <a:t>調査報告書</a:t>
+            </a:r>
+            <a:endParaRPr kumimoji="1" lang="en-US" altLang="ja-JP" dirty="0"/>
+          </a:p>
+          <a:p>
+            <a:r>
+              <a:rPr lang="ja-JP" altLang="en-US" dirty="0"/>
+              <a:t>どうやって分析するか</a:t>
+            </a:r>
+            <a:endParaRPr lang="en-US" altLang="ja-JP" dirty="0"/>
+          </a:p>
+          <a:p>
+            <a:pPr lvl="1">
+              <a:buFont typeface="Wingdings" panose="05000000000000000000" pitchFamily="2" charset="2"/>
+              <a:buChar char="ü"/>
+            </a:pPr>
+            <a:r>
+              <a:rPr kumimoji="1" lang="en-US" altLang="ja-JP" dirty="0"/>
+              <a:t>Bi</a:t>
             </a:r>
             <a:r>
               <a:rPr lang="en-US" altLang="ja-JP" dirty="0"/>
-              <a:t>D</a:t>
-            </a:r>
-            <a:r>
-              <a:rPr kumimoji="1" lang="en-US" altLang="ja-JP" dirty="0" smtClean="0"/>
-              <a:t>:【</a:t>
-            </a:r>
-            <a:r>
-              <a:rPr lang="ja-JP" altLang="en-US" dirty="0" smtClean="0"/>
-              <a:t>記事確認</a:t>
-            </a:r>
-            <a:r>
-              <a:rPr kumimoji="1" lang="en-US" altLang="ja-JP" dirty="0" smtClean="0"/>
-              <a:t>】</a:t>
-            </a:r>
-            <a:endParaRPr kumimoji="1" lang="ja-JP" altLang="en-US" dirty="0"/>
-          </a:p>
-        </p:txBody>
-      </p:sp>
-      <p:sp>
-        <p:nvSpPr>
-          <p:cNvPr id="3" name="テキスト プレースホルダー 2"/>
-          <p:cNvSpPr>
-            <a:spLocks noGrp="1"/>
-          </p:cNvSpPr>
-          <p:nvPr>
-            <p:ph type="body" sz="quarter" idx="10"/>
-          </p:nvPr>
-        </p:nvSpPr>
-        <p:spPr>
-          <a:xfrm>
-            <a:off x="388505" y="1781273"/>
-            <a:ext cx="7683500" cy="3740150"/>
-          </a:xfrm>
-        </p:spPr>
-        <p:txBody>
-          <a:bodyPr/>
-          <a:lstStyle/>
-          <a:p>
-            <a:pPr>
+              <a:t>-Gram</a:t>
+            </a:r>
+            <a:r>
+              <a:rPr lang="ja-JP" altLang="en-US" dirty="0"/>
+              <a:t> </a:t>
+            </a:r>
+            <a:r>
+              <a:rPr lang="en-US" altLang="ja-JP" dirty="0"/>
+              <a:t>Network</a:t>
+            </a:r>
+          </a:p>
+          <a:p>
+            <a:pPr lvl="1">
               <a:buFont typeface="Wingdings" panose="05000000000000000000" pitchFamily="2" charset="2"/>
-              <a:buChar char="u"/>
+              <a:buChar char="ü"/>
             </a:pPr>
             <a:r>
-              <a:rPr kumimoji="1" lang="en-US" altLang="ja-JP" dirty="0" smtClean="0"/>
-              <a:t>(</a:t>
-            </a:r>
-            <a:r>
-              <a:rPr kumimoji="1" lang="ja-JP" altLang="en-US" dirty="0" smtClean="0"/>
-              <a:t>各クラスタの分析</a:t>
-            </a:r>
-            <a:r>
-              <a:rPr kumimoji="1" lang="en-US" altLang="ja-JP" dirty="0" smtClean="0"/>
-              <a:t>)</a:t>
-            </a:r>
-            <a:endParaRPr kumimoji="1" lang="ja-JP" altLang="en-US" dirty="0"/>
-          </a:p>
-        </p:txBody>
-      </p:sp>
-      <p:sp>
-        <p:nvSpPr>
-          <p:cNvPr id="4" name="テキスト プレースホルダー 3"/>
-          <p:cNvSpPr>
-            <a:spLocks noGrp="1"/>
-          </p:cNvSpPr>
-          <p:nvPr>
-            <p:ph type="body" sz="quarter" idx="11"/>
-          </p:nvPr>
-        </p:nvSpPr>
-        <p:spPr/>
-        <p:txBody>
-          <a:bodyPr/>
-          <a:lstStyle/>
-          <a:p>
-            <a:r>
-              <a:rPr kumimoji="1" lang="ja-JP" altLang="en-US" b="1" dirty="0" smtClean="0"/>
-              <a:t>ネットワーク分析</a:t>
-            </a:r>
-            <a:endParaRPr kumimoji="1" lang="ja-JP" altLang="en-US" b="1" dirty="0"/>
+              <a:rPr lang="en-US" altLang="ja-JP" dirty="0"/>
+              <a:t>Word2Vec</a:t>
+            </a:r>
+          </a:p>
+          <a:p>
+            <a:r>
+              <a:rPr lang="en-US" altLang="ja-JP" b="1" dirty="0">
+                <a:solidFill>
+                  <a:schemeClr val="accent1"/>
+                </a:solidFill>
+              </a:rPr>
+              <a:t>Bi-Gram Network</a:t>
+            </a:r>
+            <a:r>
+              <a:rPr lang="ja-JP" altLang="en-US" b="1" dirty="0">
+                <a:solidFill>
+                  <a:schemeClr val="accent1"/>
+                </a:solidFill>
+              </a:rPr>
+              <a:t>の結果</a:t>
+            </a:r>
+            <a:endParaRPr lang="en-US" altLang="ja-JP" b="1" dirty="0">
+              <a:solidFill>
+                <a:schemeClr val="accent1"/>
+              </a:solidFill>
+            </a:endParaRPr>
+          </a:p>
+          <a:p>
+            <a:r>
+              <a:rPr lang="en-US" altLang="ja-JP" dirty="0"/>
+              <a:t>Word2Vec</a:t>
+            </a:r>
+            <a:r>
+              <a:rPr lang="ja-JP" altLang="en-US" dirty="0"/>
+              <a:t>の結果</a:t>
+            </a:r>
+            <a:endParaRPr lang="en-US" altLang="ja-JP" dirty="0"/>
+          </a:p>
+          <a:p>
+            <a:r>
+              <a:rPr lang="ja-JP" altLang="en-US" dirty="0"/>
+              <a:t>結論</a:t>
+            </a:r>
+            <a:endParaRPr lang="en-US" altLang="ja-JP" dirty="0"/>
+          </a:p>
+          <a:p>
+            <a:endParaRPr kumimoji="1" lang="en-US" altLang="ja-JP" dirty="0"/>
+          </a:p>
+          <a:p>
+            <a:endParaRPr kumimoji="1" lang="en-US" altLang="ja-JP" dirty="0"/>
           </a:p>
         </p:txBody>
       </p:sp>
     </p:spTree>
     <p:extLst>
       <p:ext uri="{BB962C8B-B14F-4D97-AF65-F5344CB8AC3E}">
-        <p14:creationId xmlns:p14="http://schemas.microsoft.com/office/powerpoint/2010/main" val="1183230093"/>
+        <p14:creationId xmlns:p14="http://schemas.microsoft.com/office/powerpoint/2010/main" val="2901831594"/>
       </p:ext>
     </p:extLst>
   </p:cSld>
@@ -3231,128 +5815,95 @@
       </p:grpSpPr>
       <p:sp>
         <p:nvSpPr>
-          <p:cNvPr id="2" name="コンテンツ プレースホルダー 1"/>
+          <p:cNvPr id="2" name="タイトル 1"/>
           <p:cNvSpPr>
             <a:spLocks noGrp="1"/>
           </p:cNvSpPr>
           <p:nvPr>
-            <p:ph idx="1"/>
+            <p:ph type="title"/>
           </p:nvPr>
         </p:nvSpPr>
         <p:spPr/>
         <p:txBody>
+          <a:bodyPr>
+            <a:normAutofit fontScale="90000"/>
+          </a:bodyPr>
+          <a:lstStyle/>
+          <a:p>
+            <a:r>
+              <a:rPr lang="ja-JP" altLang="en-US" dirty="0"/>
+              <a:t>ネットワーク図</a:t>
+            </a:r>
+            <a:endParaRPr kumimoji="1" lang="ja-JP" altLang="en-US" dirty="0"/>
+          </a:p>
+        </p:txBody>
+      </p:sp>
+      <p:sp>
+        <p:nvSpPr>
+          <p:cNvPr id="3" name="テキスト プレースホルダー 2"/>
+          <p:cNvSpPr>
+            <a:spLocks noGrp="1"/>
+          </p:cNvSpPr>
+          <p:nvPr>
+            <p:ph type="body" sz="quarter" idx="10"/>
+          </p:nvPr>
+        </p:nvSpPr>
+        <p:spPr>
+          <a:xfrm>
+            <a:off x="388505" y="1781273"/>
+            <a:ext cx="7683500" cy="3740150"/>
+          </a:xfrm>
+        </p:spPr>
+        <p:txBody>
           <a:bodyPr/>
           <a:lstStyle/>
           <a:p>
+            <a:pPr>
+              <a:buFont typeface="Wingdings" panose="05000000000000000000" pitchFamily="2" charset="2"/>
+              <a:buChar char="u"/>
+            </a:pPr>
             <a:r>
               <a:rPr kumimoji="1" lang="en-US" altLang="ja-JP" dirty="0"/>
-              <a:t>DeNA</a:t>
+              <a:t>(</a:t>
             </a:r>
             <a:r>
               <a:rPr kumimoji="1" lang="ja-JP" altLang="en-US" dirty="0"/>
-              <a:t>の問題について</a:t>
-            </a:r>
-            <a:endParaRPr kumimoji="1" lang="en-US" altLang="ja-JP" dirty="0"/>
-          </a:p>
-          <a:p>
-            <a:r>
-              <a:rPr kumimoji="1" lang="ja-JP" altLang="en-US" dirty="0"/>
-              <a:t>調査報告書</a:t>
-            </a:r>
-            <a:endParaRPr kumimoji="1" lang="en-US" altLang="ja-JP" dirty="0"/>
-          </a:p>
-          <a:p>
-            <a:r>
-              <a:rPr lang="ja-JP" altLang="en-US" dirty="0"/>
-              <a:t>どうやって分析するか</a:t>
-            </a:r>
-            <a:endParaRPr lang="en-US" altLang="ja-JP" dirty="0"/>
-          </a:p>
-          <a:p>
-            <a:pPr lvl="1">
-              <a:buFont typeface="Wingdings" panose="05000000000000000000" pitchFamily="2" charset="2"/>
-              <a:buChar char="ü"/>
-            </a:pPr>
+              <a:t>ネットワーク図を貼る</a:t>
+            </a:r>
             <a:r>
               <a:rPr kumimoji="1" lang="en-US" altLang="ja-JP" dirty="0"/>
-              <a:t>Bi</a:t>
-            </a:r>
-            <a:r>
-              <a:rPr lang="en-US" altLang="ja-JP" dirty="0"/>
-              <a:t>-Gram</a:t>
-            </a:r>
-            <a:r>
-              <a:rPr lang="ja-JP" altLang="en-US" dirty="0"/>
-              <a:t> </a:t>
-            </a:r>
-            <a:r>
-              <a:rPr lang="en-US" altLang="ja-JP" dirty="0"/>
-              <a:t>Network</a:t>
-            </a:r>
-          </a:p>
-          <a:p>
-            <a:pPr lvl="1">
-              <a:buFont typeface="Wingdings" panose="05000000000000000000" pitchFamily="2" charset="2"/>
-              <a:buChar char="ü"/>
-            </a:pPr>
-            <a:r>
-              <a:rPr lang="en-US" altLang="ja-JP" dirty="0"/>
-              <a:t>Word2Vec</a:t>
-            </a:r>
-          </a:p>
-          <a:p>
-            <a:r>
-              <a:rPr lang="en-US" altLang="ja-JP" dirty="0"/>
-              <a:t>Bi-Gram Network</a:t>
-            </a:r>
-            <a:r>
-              <a:rPr lang="ja-JP" altLang="en-US" dirty="0"/>
-              <a:t>の結果</a:t>
-            </a:r>
-            <a:endParaRPr lang="en-US" altLang="ja-JP" dirty="0"/>
-          </a:p>
-          <a:p>
-            <a:r>
-              <a:rPr lang="en-US" altLang="ja-JP" b="1" dirty="0">
-                <a:solidFill>
-                  <a:schemeClr val="accent1"/>
-                </a:solidFill>
-              </a:rPr>
-              <a:t>Word2Vec</a:t>
-            </a:r>
-            <a:r>
-              <a:rPr lang="ja-JP" altLang="en-US" b="1" dirty="0">
-                <a:solidFill>
-                  <a:schemeClr val="accent1"/>
-                </a:solidFill>
-              </a:rPr>
-              <a:t>の結果</a:t>
-            </a:r>
-            <a:endParaRPr lang="en-US" altLang="ja-JP" b="1" dirty="0">
-              <a:solidFill>
-                <a:schemeClr val="accent1"/>
-              </a:solidFill>
-            </a:endParaRPr>
-          </a:p>
-          <a:p>
-            <a:r>
-              <a:rPr lang="ja-JP" altLang="en-US" dirty="0"/>
-              <a:t>結論</a:t>
-            </a:r>
-            <a:endParaRPr lang="en-US" altLang="ja-JP" dirty="0"/>
-          </a:p>
-          <a:p>
-            <a:endParaRPr kumimoji="1" lang="en-US" altLang="ja-JP" dirty="0"/>
-          </a:p>
-          <a:p>
-            <a:endParaRPr kumimoji="1" lang="en-US" altLang="ja-JP" dirty="0"/>
+              <a:t>)</a:t>
+            </a:r>
+            <a:endParaRPr kumimoji="1" lang="ja-JP" altLang="en-US" dirty="0"/>
+          </a:p>
+        </p:txBody>
+      </p:sp>
+      <p:sp>
+        <p:nvSpPr>
+          <p:cNvPr id="4" name="テキスト プレースホルダー 3"/>
+          <p:cNvSpPr>
+            <a:spLocks noGrp="1"/>
+          </p:cNvSpPr>
+          <p:nvPr>
+            <p:ph type="body" sz="quarter" idx="11"/>
+          </p:nvPr>
+        </p:nvSpPr>
+        <p:spPr/>
+        <p:txBody>
+          <a:bodyPr/>
+          <a:lstStyle/>
+          <a:p>
+            <a:r>
+              <a:rPr kumimoji="1" lang="ja-JP" altLang="en-US" b="1" dirty="0"/>
+              <a:t>ネットワーク分析</a:t>
+            </a:r>
           </a:p>
         </p:txBody>
       </p:sp>
     </p:spTree>
     <p:extLst>
       <p:ext uri="{BB962C8B-B14F-4D97-AF65-F5344CB8AC3E}">
-        <p14:creationId xmlns:p14="http://schemas.microsoft.com/office/powerpoint/2010/main" val="3536755885"/>
+        <p14:creationId xmlns:p14="http://schemas.microsoft.com/office/powerpoint/2010/main" val="1901626880"/>
       </p:ext>
     </p:extLst>
   </p:cSld>
@@ -3381,124 +5932,130 @@
       </p:grpSpPr>
       <p:sp>
         <p:nvSpPr>
-          <p:cNvPr id="2" name="コンテンツ プレースホルダー 1"/>
+          <p:cNvPr id="2" name="タイトル 1"/>
           <p:cNvSpPr>
             <a:spLocks noGrp="1"/>
           </p:cNvSpPr>
           <p:nvPr>
-            <p:ph idx="1"/>
+            <p:ph type="title"/>
           </p:nvPr>
         </p:nvSpPr>
         <p:spPr/>
         <p:txBody>
+          <a:bodyPr>
+            <a:normAutofit fontScale="90000"/>
+          </a:bodyPr>
+          <a:lstStyle/>
+          <a:p>
+            <a:r>
+              <a:rPr kumimoji="1" lang="ja-JP" altLang="en-US" dirty="0"/>
+              <a:t>各クラスターに分ける</a:t>
+            </a:r>
+          </a:p>
+        </p:txBody>
+      </p:sp>
+      <p:sp>
+        <p:nvSpPr>
+          <p:cNvPr id="3" name="テキスト プレースホルダー 2"/>
+          <p:cNvSpPr>
+            <a:spLocks noGrp="1"/>
+          </p:cNvSpPr>
+          <p:nvPr>
+            <p:ph type="body" sz="quarter" idx="10"/>
+          </p:nvPr>
+        </p:nvSpPr>
+        <p:spPr>
+          <a:xfrm>
+            <a:off x="388505" y="1781273"/>
+            <a:ext cx="7683500" cy="3740150"/>
+          </a:xfrm>
+        </p:spPr>
+        <p:txBody>
           <a:bodyPr/>
           <a:lstStyle/>
           <a:p>
+            <a:pPr>
+              <a:buFont typeface="Wingdings" panose="05000000000000000000" pitchFamily="2" charset="2"/>
+              <a:buChar char="u"/>
+            </a:pPr>
             <a:r>
               <a:rPr kumimoji="1" lang="en-US" altLang="ja-JP" dirty="0"/>
-              <a:t>DeNA</a:t>
+              <a:t>(</a:t>
             </a:r>
             <a:r>
               <a:rPr kumimoji="1" lang="ja-JP" altLang="en-US" dirty="0"/>
-              <a:t>の問題について</a:t>
-            </a:r>
-            <a:endParaRPr kumimoji="1" lang="en-US" altLang="ja-JP" dirty="0"/>
-          </a:p>
-          <a:p>
-            <a:r>
-              <a:rPr kumimoji="1" lang="ja-JP" altLang="en-US" dirty="0"/>
-              <a:t>調査報告書</a:t>
-            </a:r>
-            <a:endParaRPr kumimoji="1" lang="en-US" altLang="ja-JP" dirty="0"/>
-          </a:p>
-          <a:p>
+              <a:t>モジュラリティでクラスタリングしたよ</a:t>
+            </a:r>
+            <a:r>
+              <a:rPr kumimoji="1" lang="en-US" altLang="ja-JP" dirty="0"/>
+              <a:t>)</a:t>
+            </a:r>
+          </a:p>
+          <a:p>
+            <a:pPr>
+              <a:buFont typeface="Wingdings" panose="05000000000000000000" pitchFamily="2" charset="2"/>
+              <a:buChar char="u"/>
+            </a:pPr>
+            <a:r>
+              <a:rPr lang="en-US" altLang="ja-JP" dirty="0"/>
+              <a:t>(</a:t>
+            </a:r>
             <a:r>
               <a:rPr lang="ja-JP" altLang="en-US" dirty="0"/>
-              <a:t>どうやって分析するか</a:t>
+              <a:t>次の４つのクラスターに着目するよ</a:t>
+            </a:r>
+            <a:r>
+              <a:rPr lang="en-US" altLang="ja-JP" dirty="0"/>
+              <a:t>)</a:t>
+            </a:r>
+          </a:p>
+          <a:p>
+            <a:pPr>
+              <a:buFont typeface="Wingdings" panose="05000000000000000000" pitchFamily="2" charset="2"/>
+              <a:buChar char="u"/>
+            </a:pPr>
+            <a:r>
+              <a:rPr lang="en-US" altLang="ja-JP" dirty="0"/>
+              <a:t>(word2vec</a:t>
+            </a:r>
+            <a:r>
+              <a:rPr lang="ja-JP" altLang="en-US"/>
+              <a:t>でもこのクラスター名を使う</a:t>
+            </a:r>
+            <a:r>
+              <a:rPr lang="en-US" altLang="ja-JP"/>
+              <a:t>)</a:t>
             </a:r>
             <a:endParaRPr lang="en-US" altLang="ja-JP" dirty="0"/>
           </a:p>
-          <a:p>
-            <a:pPr lvl="1">
-              <a:buFont typeface="Wingdings" panose="05000000000000000000" pitchFamily="2" charset="2"/>
-              <a:buChar char="ü"/>
-            </a:pPr>
-            <a:r>
-              <a:rPr kumimoji="1" lang="en-US" altLang="ja-JP" dirty="0"/>
-              <a:t>Bi</a:t>
-            </a:r>
-            <a:r>
-              <a:rPr lang="en-US" altLang="ja-JP" dirty="0"/>
-              <a:t>-Gram</a:t>
-            </a:r>
-            <a:r>
-              <a:rPr lang="ja-JP" altLang="en-US" dirty="0"/>
-              <a:t> </a:t>
-            </a:r>
-            <a:r>
-              <a:rPr lang="en-US" altLang="ja-JP" dirty="0"/>
-              <a:t>Network</a:t>
-            </a:r>
-          </a:p>
-          <a:p>
-            <a:pPr lvl="1">
-              <a:buFont typeface="Wingdings" panose="05000000000000000000" pitchFamily="2" charset="2"/>
-              <a:buChar char="ü"/>
-            </a:pPr>
-            <a:r>
-              <a:rPr lang="en-US" altLang="ja-JP" dirty="0"/>
-              <a:t>Word2Vec</a:t>
-            </a:r>
-          </a:p>
-          <a:p>
-            <a:r>
-              <a:rPr lang="en-US" altLang="ja-JP" dirty="0"/>
-              <a:t>Bi-Gram Network</a:t>
-            </a:r>
-            <a:r>
-              <a:rPr lang="ja-JP" altLang="en-US" dirty="0"/>
-              <a:t>の結果</a:t>
-            </a:r>
-            <a:endParaRPr lang="en-US" altLang="ja-JP" dirty="0"/>
-          </a:p>
-          <a:p>
-            <a:r>
-              <a:rPr lang="en-US" altLang="ja-JP" dirty="0"/>
-              <a:t>Word2Vec</a:t>
-            </a:r>
-            <a:r>
-              <a:rPr lang="ja-JP" altLang="en-US" dirty="0"/>
-              <a:t>の結果</a:t>
-            </a:r>
-            <a:endParaRPr lang="en-US" altLang="ja-JP" dirty="0"/>
-          </a:p>
-          <a:p>
-            <a:r>
-              <a:rPr lang="ja-JP" altLang="en-US" b="1" dirty="0">
-                <a:solidFill>
-                  <a:schemeClr val="accent1"/>
-                </a:solidFill>
-              </a:rPr>
-              <a:t>結論</a:t>
-            </a:r>
-            <a:endParaRPr lang="en-US" altLang="ja-JP" b="1" dirty="0">
-              <a:solidFill>
-                <a:schemeClr val="accent1"/>
-              </a:solidFill>
-            </a:endParaRPr>
-          </a:p>
-          <a:p>
-            <a:endParaRPr kumimoji="1" lang="en-US" altLang="ja-JP" dirty="0"/>
-          </a:p>
-          <a:p>
-            <a:endParaRPr kumimoji="1" lang="en-US" altLang="ja-JP" dirty="0"/>
+        </p:txBody>
+      </p:sp>
+      <p:sp>
+        <p:nvSpPr>
+          <p:cNvPr id="4" name="テキスト プレースホルダー 3"/>
+          <p:cNvSpPr>
+            <a:spLocks noGrp="1"/>
+          </p:cNvSpPr>
+          <p:nvPr>
+            <p:ph type="body" sz="quarter" idx="11"/>
+          </p:nvPr>
+        </p:nvSpPr>
+        <p:spPr/>
+        <p:txBody>
+          <a:bodyPr/>
+          <a:lstStyle/>
+          <a:p>
+            <a:r>
+              <a:rPr kumimoji="1" lang="ja-JP" altLang="en-US" b="1" dirty="0"/>
+              <a:t>ネットワーク分析</a:t>
+            </a:r>
           </a:p>
         </p:txBody>
       </p:sp>
     </p:spTree>
     <p:extLst>
       <p:ext uri="{BB962C8B-B14F-4D97-AF65-F5344CB8AC3E}">
-        <p14:creationId xmlns:p14="http://schemas.microsoft.com/office/powerpoint/2010/main" val="1914791592"/>
+        <p14:creationId xmlns:p14="http://schemas.microsoft.com/office/powerpoint/2010/main" val="1937072525"/>
       </p:ext>
     </p:extLst>
   </p:cSld>
@@ -3543,16 +6100,60 @@
           <a:lstStyle/>
           <a:p>
             <a:r>
+              <a:rPr kumimoji="1" lang="ja-JP" altLang="en-US" dirty="0"/>
+              <a:t>クラスター</a:t>
+            </a:r>
+            <a:r>
               <a:rPr kumimoji="1" lang="en-US" altLang="ja-JP" dirty="0"/>
-              <a:t>&lt;</a:t>
+              <a:t>A:【</a:t>
             </a:r>
             <a:r>
               <a:rPr kumimoji="1" lang="ja-JP" altLang="en-US" dirty="0"/>
-              <a:t>まとめの一言</a:t>
+              <a:t>記事作成</a:t>
             </a:r>
             <a:r>
               <a:rPr kumimoji="1" lang="en-US" altLang="ja-JP" dirty="0"/>
-              <a:t>&gt;</a:t>
+              <a:t>】</a:t>
+            </a:r>
+            <a:endParaRPr kumimoji="1" lang="ja-JP" altLang="en-US" dirty="0"/>
+          </a:p>
+        </p:txBody>
+      </p:sp>
+      <p:sp>
+        <p:nvSpPr>
+          <p:cNvPr id="3" name="テキスト プレースホルダー 2"/>
+          <p:cNvSpPr>
+            <a:spLocks noGrp="1"/>
+          </p:cNvSpPr>
+          <p:nvPr>
+            <p:ph type="body" sz="quarter" idx="10"/>
+          </p:nvPr>
+        </p:nvSpPr>
+        <p:spPr>
+          <a:xfrm>
+            <a:off x="388505" y="1781273"/>
+            <a:ext cx="7683500" cy="3740150"/>
+          </a:xfrm>
+        </p:spPr>
+        <p:txBody>
+          <a:bodyPr/>
+          <a:lstStyle/>
+          <a:p>
+            <a:pPr>
+              <a:buFont typeface="Wingdings" panose="05000000000000000000" pitchFamily="2" charset="2"/>
+              <a:buChar char="u"/>
+            </a:pPr>
+            <a:r>
+              <a:rPr kumimoji="1" lang="en-US" altLang="ja-JP" dirty="0"/>
+              <a:t>(</a:t>
+            </a:r>
+            <a:r>
+              <a:rPr kumimoji="1" lang="ja-JP" altLang="en-US" dirty="0"/>
+              <a:t>各クラスタの分析</a:t>
+            </a:r>
+            <a:r>
+              <a:rPr kumimoji="1" lang="en-US" altLang="ja-JP" dirty="0"/>
+              <a:t>)</a:t>
             </a:r>
             <a:endParaRPr kumimoji="1" lang="ja-JP" altLang="en-US" dirty="0"/>
           </a:p>
@@ -3575,7 +6176,7 @@
           <a:p>
             <a:r>
               <a:rPr kumimoji="1" lang="ja-JP" altLang="en-US" b="1" dirty="0"/>
-              <a:t>結論</a:t>
+              <a:t>ネットワーク分析</a:t>
             </a:r>
           </a:p>
         </p:txBody>
@@ -3583,7 +6184,140 @@
     </p:spTree>
     <p:extLst>
       <p:ext uri="{BB962C8B-B14F-4D97-AF65-F5344CB8AC3E}">
-        <p14:creationId xmlns:p14="http://schemas.microsoft.com/office/powerpoint/2010/main" val="633104049"/>
+        <p14:creationId xmlns:p14="http://schemas.microsoft.com/office/powerpoint/2010/main" val="1132755457"/>
+      </p:ext>
+    </p:extLst>
+  </p:cSld>
+  <p:clrMapOvr>
+    <a:masterClrMapping/>
+  </p:clrMapOvr>
+</p:sld>
+</file>
+
+<file path=ppt/slides/slide19.xml><?xml version="1.0" encoding="utf-8"?>
+<p:sld xmlns:a="http://schemas.openxmlformats.org/drawingml/2006/main" xmlns:r="http://schemas.openxmlformats.org/officeDocument/2006/relationships" xmlns:p="http://schemas.openxmlformats.org/presentationml/2006/main">
+  <p:cSld>
+    <p:spTree>
+      <p:nvGrpSpPr>
+        <p:cNvPr id="1" name=""/>
+        <p:cNvGrpSpPr/>
+        <p:nvPr/>
+      </p:nvGrpSpPr>
+      <p:grpSpPr>
+        <a:xfrm>
+          <a:off x="0" y="0"/>
+          <a:ext cx="0" cy="0"/>
+          <a:chOff x="0" y="0"/>
+          <a:chExt cx="0" cy="0"/>
+        </a:xfrm>
+      </p:grpSpPr>
+      <p:sp>
+        <p:nvSpPr>
+          <p:cNvPr id="2" name="タイトル 1"/>
+          <p:cNvSpPr>
+            <a:spLocks noGrp="1"/>
+          </p:cNvSpPr>
+          <p:nvPr>
+            <p:ph type="title"/>
+          </p:nvPr>
+        </p:nvSpPr>
+        <p:spPr/>
+        <p:txBody>
+          <a:bodyPr>
+            <a:normAutofit fontScale="90000"/>
+          </a:bodyPr>
+          <a:lstStyle/>
+          <a:p>
+            <a:r>
+              <a:rPr kumimoji="1" lang="ja-JP" altLang="en-US" dirty="0"/>
+              <a:t>クラスター</a:t>
+            </a:r>
+            <a:r>
+              <a:rPr lang="en-US" altLang="ja-JP" dirty="0"/>
+              <a:t>B</a:t>
+            </a:r>
+            <a:r>
+              <a:rPr kumimoji="1" lang="en-US" altLang="ja-JP" dirty="0"/>
+              <a:t>:【</a:t>
+            </a:r>
+            <a:r>
+              <a:rPr lang="ja-JP" altLang="en-US" dirty="0"/>
+              <a:t>法的権利</a:t>
+            </a:r>
+            <a:r>
+              <a:rPr kumimoji="1" lang="en-US" altLang="ja-JP" dirty="0"/>
+              <a:t>】</a:t>
+            </a:r>
+            <a:endParaRPr kumimoji="1" lang="ja-JP" altLang="en-US" dirty="0"/>
+          </a:p>
+        </p:txBody>
+      </p:sp>
+      <p:sp>
+        <p:nvSpPr>
+          <p:cNvPr id="3" name="テキスト プレースホルダー 2"/>
+          <p:cNvSpPr>
+            <a:spLocks noGrp="1"/>
+          </p:cNvSpPr>
+          <p:nvPr>
+            <p:ph type="body" sz="quarter" idx="10"/>
+          </p:nvPr>
+        </p:nvSpPr>
+        <p:spPr>
+          <a:xfrm>
+            <a:off x="388505" y="1781273"/>
+            <a:ext cx="7683500" cy="3740150"/>
+          </a:xfrm>
+        </p:spPr>
+        <p:txBody>
+          <a:bodyPr/>
+          <a:lstStyle/>
+          <a:p>
+            <a:pPr>
+              <a:buFont typeface="Wingdings" panose="05000000000000000000" pitchFamily="2" charset="2"/>
+              <a:buChar char="u"/>
+            </a:pPr>
+            <a:r>
+              <a:rPr kumimoji="1" lang="en-US" altLang="ja-JP" dirty="0"/>
+              <a:t>(</a:t>
+            </a:r>
+            <a:r>
+              <a:rPr kumimoji="1" lang="ja-JP" altLang="en-US" dirty="0"/>
+              <a:t>各クラスタの分析</a:t>
+            </a:r>
+            <a:r>
+              <a:rPr kumimoji="1" lang="en-US" altLang="ja-JP" dirty="0"/>
+              <a:t>)</a:t>
+            </a:r>
+            <a:endParaRPr kumimoji="1" lang="ja-JP" altLang="en-US" dirty="0"/>
+          </a:p>
+        </p:txBody>
+      </p:sp>
+      <p:sp>
+        <p:nvSpPr>
+          <p:cNvPr id="4" name="テキスト プレースホルダー 3"/>
+          <p:cNvSpPr>
+            <a:spLocks noGrp="1"/>
+          </p:cNvSpPr>
+          <p:nvPr>
+            <p:ph type="body" sz="quarter" idx="11"/>
+          </p:nvPr>
+        </p:nvSpPr>
+        <p:spPr/>
+        <p:txBody>
+          <a:bodyPr/>
+          <a:lstStyle/>
+          <a:p>
+            <a:r>
+              <a:rPr kumimoji="1" lang="ja-JP" altLang="en-US" b="1" dirty="0"/>
+              <a:t>ネットワーク分析</a:t>
+            </a:r>
+          </a:p>
+        </p:txBody>
+      </p:sp>
+    </p:spTree>
+    <p:extLst>
+      <p:ext uri="{BB962C8B-B14F-4D97-AF65-F5344CB8AC3E}">
+        <p14:creationId xmlns:p14="http://schemas.microsoft.com/office/powerpoint/2010/main" val="320623285"/>
       </p:ext>
     </p:extLst>
   </p:cSld>
@@ -3722,6 +6456,653 @@
     <p:extLst>
       <p:ext uri="{BB962C8B-B14F-4D97-AF65-F5344CB8AC3E}">
         <p14:creationId xmlns:p14="http://schemas.microsoft.com/office/powerpoint/2010/main" val="1395272374"/>
+      </p:ext>
+    </p:extLst>
+  </p:cSld>
+  <p:clrMapOvr>
+    <a:masterClrMapping/>
+  </p:clrMapOvr>
+</p:sld>
+</file>
+
+<file path=ppt/slides/slide20.xml><?xml version="1.0" encoding="utf-8"?>
+<p:sld xmlns:a="http://schemas.openxmlformats.org/drawingml/2006/main" xmlns:r="http://schemas.openxmlformats.org/officeDocument/2006/relationships" xmlns:p="http://schemas.openxmlformats.org/presentationml/2006/main">
+  <p:cSld>
+    <p:spTree>
+      <p:nvGrpSpPr>
+        <p:cNvPr id="1" name=""/>
+        <p:cNvGrpSpPr/>
+        <p:nvPr/>
+      </p:nvGrpSpPr>
+      <p:grpSpPr>
+        <a:xfrm>
+          <a:off x="0" y="0"/>
+          <a:ext cx="0" cy="0"/>
+          <a:chOff x="0" y="0"/>
+          <a:chExt cx="0" cy="0"/>
+        </a:xfrm>
+      </p:grpSpPr>
+      <p:sp>
+        <p:nvSpPr>
+          <p:cNvPr id="2" name="タイトル 1"/>
+          <p:cNvSpPr>
+            <a:spLocks noGrp="1"/>
+          </p:cNvSpPr>
+          <p:nvPr>
+            <p:ph type="title"/>
+          </p:nvPr>
+        </p:nvSpPr>
+        <p:spPr/>
+        <p:txBody>
+          <a:bodyPr>
+            <a:normAutofit fontScale="90000"/>
+          </a:bodyPr>
+          <a:lstStyle/>
+          <a:p>
+            <a:r>
+              <a:rPr kumimoji="1" lang="ja-JP" altLang="en-US" dirty="0"/>
+              <a:t>クラスター</a:t>
+            </a:r>
+            <a:r>
+              <a:rPr lang="en-US" altLang="ja-JP" dirty="0"/>
+              <a:t>C</a:t>
+            </a:r>
+            <a:r>
+              <a:rPr kumimoji="1" lang="en-US" altLang="ja-JP" dirty="0"/>
+              <a:t>:【</a:t>
+            </a:r>
+            <a:r>
+              <a:rPr lang="ja-JP" altLang="en-US" dirty="0"/>
+              <a:t>各サービス</a:t>
+            </a:r>
+            <a:r>
+              <a:rPr kumimoji="1" lang="en-US" altLang="ja-JP" dirty="0"/>
+              <a:t>】</a:t>
+            </a:r>
+            <a:endParaRPr kumimoji="1" lang="ja-JP" altLang="en-US" dirty="0"/>
+          </a:p>
+        </p:txBody>
+      </p:sp>
+      <p:sp>
+        <p:nvSpPr>
+          <p:cNvPr id="3" name="テキスト プレースホルダー 2"/>
+          <p:cNvSpPr>
+            <a:spLocks noGrp="1"/>
+          </p:cNvSpPr>
+          <p:nvPr>
+            <p:ph type="body" sz="quarter" idx="10"/>
+          </p:nvPr>
+        </p:nvSpPr>
+        <p:spPr>
+          <a:xfrm>
+            <a:off x="388505" y="1781273"/>
+            <a:ext cx="7683500" cy="3740150"/>
+          </a:xfrm>
+        </p:spPr>
+        <p:txBody>
+          <a:bodyPr/>
+          <a:lstStyle/>
+          <a:p>
+            <a:pPr>
+              <a:buFont typeface="Wingdings" panose="05000000000000000000" pitchFamily="2" charset="2"/>
+              <a:buChar char="u"/>
+            </a:pPr>
+            <a:r>
+              <a:rPr kumimoji="1" lang="en-US" altLang="ja-JP" dirty="0"/>
+              <a:t>(</a:t>
+            </a:r>
+            <a:r>
+              <a:rPr kumimoji="1" lang="ja-JP" altLang="en-US" dirty="0"/>
+              <a:t>各クラスタの分析</a:t>
+            </a:r>
+            <a:r>
+              <a:rPr kumimoji="1" lang="en-US" altLang="ja-JP" dirty="0"/>
+              <a:t>)</a:t>
+            </a:r>
+            <a:endParaRPr kumimoji="1" lang="ja-JP" altLang="en-US" dirty="0"/>
+          </a:p>
+        </p:txBody>
+      </p:sp>
+      <p:sp>
+        <p:nvSpPr>
+          <p:cNvPr id="4" name="テキスト プレースホルダー 3"/>
+          <p:cNvSpPr>
+            <a:spLocks noGrp="1"/>
+          </p:cNvSpPr>
+          <p:nvPr>
+            <p:ph type="body" sz="quarter" idx="11"/>
+          </p:nvPr>
+        </p:nvSpPr>
+        <p:spPr/>
+        <p:txBody>
+          <a:bodyPr/>
+          <a:lstStyle/>
+          <a:p>
+            <a:r>
+              <a:rPr kumimoji="1" lang="ja-JP" altLang="en-US" b="1" dirty="0"/>
+              <a:t>ネットワーク分析</a:t>
+            </a:r>
+          </a:p>
+        </p:txBody>
+      </p:sp>
+    </p:spTree>
+    <p:extLst>
+      <p:ext uri="{BB962C8B-B14F-4D97-AF65-F5344CB8AC3E}">
+        <p14:creationId xmlns:p14="http://schemas.microsoft.com/office/powerpoint/2010/main" val="162183060"/>
+      </p:ext>
+    </p:extLst>
+  </p:cSld>
+  <p:clrMapOvr>
+    <a:masterClrMapping/>
+  </p:clrMapOvr>
+</p:sld>
+</file>
+
+<file path=ppt/slides/slide21.xml><?xml version="1.0" encoding="utf-8"?>
+<p:sld xmlns:a="http://schemas.openxmlformats.org/drawingml/2006/main" xmlns:r="http://schemas.openxmlformats.org/officeDocument/2006/relationships" xmlns:p="http://schemas.openxmlformats.org/presentationml/2006/main">
+  <p:cSld>
+    <p:spTree>
+      <p:nvGrpSpPr>
+        <p:cNvPr id="1" name=""/>
+        <p:cNvGrpSpPr/>
+        <p:nvPr/>
+      </p:nvGrpSpPr>
+      <p:grpSpPr>
+        <a:xfrm>
+          <a:off x="0" y="0"/>
+          <a:ext cx="0" cy="0"/>
+          <a:chOff x="0" y="0"/>
+          <a:chExt cx="0" cy="0"/>
+        </a:xfrm>
+      </p:grpSpPr>
+      <p:sp>
+        <p:nvSpPr>
+          <p:cNvPr id="2" name="タイトル 1"/>
+          <p:cNvSpPr>
+            <a:spLocks noGrp="1"/>
+          </p:cNvSpPr>
+          <p:nvPr>
+            <p:ph type="title"/>
+          </p:nvPr>
+        </p:nvSpPr>
+        <p:spPr/>
+        <p:txBody>
+          <a:bodyPr>
+            <a:normAutofit fontScale="90000"/>
+          </a:bodyPr>
+          <a:lstStyle/>
+          <a:p>
+            <a:r>
+              <a:rPr kumimoji="1" lang="ja-JP" altLang="en-US" dirty="0"/>
+              <a:t>クラスター</a:t>
+            </a:r>
+            <a:r>
+              <a:rPr lang="en-US" altLang="ja-JP" dirty="0"/>
+              <a:t>D</a:t>
+            </a:r>
+            <a:r>
+              <a:rPr kumimoji="1" lang="en-US" altLang="ja-JP" dirty="0"/>
+              <a:t>:【</a:t>
+            </a:r>
+            <a:r>
+              <a:rPr lang="ja-JP" altLang="en-US" dirty="0"/>
+              <a:t>記事確認</a:t>
+            </a:r>
+            <a:r>
+              <a:rPr kumimoji="1" lang="en-US" altLang="ja-JP" dirty="0"/>
+              <a:t>】</a:t>
+            </a:r>
+            <a:endParaRPr kumimoji="1" lang="ja-JP" altLang="en-US" dirty="0"/>
+          </a:p>
+        </p:txBody>
+      </p:sp>
+      <p:sp>
+        <p:nvSpPr>
+          <p:cNvPr id="3" name="テキスト プレースホルダー 2"/>
+          <p:cNvSpPr>
+            <a:spLocks noGrp="1"/>
+          </p:cNvSpPr>
+          <p:nvPr>
+            <p:ph type="body" sz="quarter" idx="10"/>
+          </p:nvPr>
+        </p:nvSpPr>
+        <p:spPr>
+          <a:xfrm>
+            <a:off x="388505" y="1781273"/>
+            <a:ext cx="7683500" cy="3740150"/>
+          </a:xfrm>
+        </p:spPr>
+        <p:txBody>
+          <a:bodyPr/>
+          <a:lstStyle/>
+          <a:p>
+            <a:pPr>
+              <a:buFont typeface="Wingdings" panose="05000000000000000000" pitchFamily="2" charset="2"/>
+              <a:buChar char="u"/>
+            </a:pPr>
+            <a:r>
+              <a:rPr kumimoji="1" lang="en-US" altLang="ja-JP" dirty="0"/>
+              <a:t>(</a:t>
+            </a:r>
+            <a:r>
+              <a:rPr kumimoji="1" lang="ja-JP" altLang="en-US" dirty="0"/>
+              <a:t>各クラスタの分析</a:t>
+            </a:r>
+            <a:r>
+              <a:rPr kumimoji="1" lang="en-US" altLang="ja-JP" dirty="0"/>
+              <a:t>)</a:t>
+            </a:r>
+            <a:endParaRPr kumimoji="1" lang="ja-JP" altLang="en-US" dirty="0"/>
+          </a:p>
+        </p:txBody>
+      </p:sp>
+      <p:sp>
+        <p:nvSpPr>
+          <p:cNvPr id="4" name="テキスト プレースホルダー 3"/>
+          <p:cNvSpPr>
+            <a:spLocks noGrp="1"/>
+          </p:cNvSpPr>
+          <p:nvPr>
+            <p:ph type="body" sz="quarter" idx="11"/>
+          </p:nvPr>
+        </p:nvSpPr>
+        <p:spPr/>
+        <p:txBody>
+          <a:bodyPr/>
+          <a:lstStyle/>
+          <a:p>
+            <a:r>
+              <a:rPr kumimoji="1" lang="ja-JP" altLang="en-US" b="1" dirty="0"/>
+              <a:t>ネットワーク分析</a:t>
+            </a:r>
+          </a:p>
+        </p:txBody>
+      </p:sp>
+    </p:spTree>
+    <p:extLst>
+      <p:ext uri="{BB962C8B-B14F-4D97-AF65-F5344CB8AC3E}">
+        <p14:creationId xmlns:p14="http://schemas.microsoft.com/office/powerpoint/2010/main" val="1183230093"/>
+      </p:ext>
+    </p:extLst>
+  </p:cSld>
+  <p:clrMapOvr>
+    <a:masterClrMapping/>
+  </p:clrMapOvr>
+</p:sld>
+</file>
+
+<file path=ppt/slides/slide22.xml><?xml version="1.0" encoding="utf-8"?>
+<p:sld xmlns:a="http://schemas.openxmlformats.org/drawingml/2006/main" xmlns:r="http://schemas.openxmlformats.org/officeDocument/2006/relationships" xmlns:p="http://schemas.openxmlformats.org/presentationml/2006/main">
+  <p:cSld>
+    <p:spTree>
+      <p:nvGrpSpPr>
+        <p:cNvPr id="1" name=""/>
+        <p:cNvGrpSpPr/>
+        <p:nvPr/>
+      </p:nvGrpSpPr>
+      <p:grpSpPr>
+        <a:xfrm>
+          <a:off x="0" y="0"/>
+          <a:ext cx="0" cy="0"/>
+          <a:chOff x="0" y="0"/>
+          <a:chExt cx="0" cy="0"/>
+        </a:xfrm>
+      </p:grpSpPr>
+      <p:sp>
+        <p:nvSpPr>
+          <p:cNvPr id="2" name="コンテンツ プレースホルダー 1"/>
+          <p:cNvSpPr>
+            <a:spLocks noGrp="1"/>
+          </p:cNvSpPr>
+          <p:nvPr>
+            <p:ph idx="1"/>
+          </p:nvPr>
+        </p:nvSpPr>
+        <p:spPr/>
+        <p:txBody>
+          <a:bodyPr/>
+          <a:lstStyle/>
+          <a:p>
+            <a:r>
+              <a:rPr kumimoji="1" lang="en-US" altLang="ja-JP" dirty="0"/>
+              <a:t>DeNA</a:t>
+            </a:r>
+            <a:r>
+              <a:rPr kumimoji="1" lang="ja-JP" altLang="en-US" dirty="0"/>
+              <a:t>の問題について</a:t>
+            </a:r>
+            <a:endParaRPr kumimoji="1" lang="en-US" altLang="ja-JP" dirty="0"/>
+          </a:p>
+          <a:p>
+            <a:r>
+              <a:rPr kumimoji="1" lang="ja-JP" altLang="en-US" dirty="0"/>
+              <a:t>調査報告書</a:t>
+            </a:r>
+            <a:endParaRPr kumimoji="1" lang="en-US" altLang="ja-JP" dirty="0"/>
+          </a:p>
+          <a:p>
+            <a:r>
+              <a:rPr lang="ja-JP" altLang="en-US" dirty="0"/>
+              <a:t>どうやって分析するか</a:t>
+            </a:r>
+            <a:endParaRPr lang="en-US" altLang="ja-JP" dirty="0"/>
+          </a:p>
+          <a:p>
+            <a:pPr lvl="1">
+              <a:buFont typeface="Wingdings" panose="05000000000000000000" pitchFamily="2" charset="2"/>
+              <a:buChar char="ü"/>
+            </a:pPr>
+            <a:r>
+              <a:rPr kumimoji="1" lang="en-US" altLang="ja-JP" dirty="0"/>
+              <a:t>Bi</a:t>
+            </a:r>
+            <a:r>
+              <a:rPr lang="en-US" altLang="ja-JP" dirty="0"/>
+              <a:t>-Gram</a:t>
+            </a:r>
+            <a:r>
+              <a:rPr lang="ja-JP" altLang="en-US" dirty="0"/>
+              <a:t> </a:t>
+            </a:r>
+            <a:r>
+              <a:rPr lang="en-US" altLang="ja-JP" dirty="0"/>
+              <a:t>Network</a:t>
+            </a:r>
+          </a:p>
+          <a:p>
+            <a:pPr lvl="1">
+              <a:buFont typeface="Wingdings" panose="05000000000000000000" pitchFamily="2" charset="2"/>
+              <a:buChar char="ü"/>
+            </a:pPr>
+            <a:r>
+              <a:rPr lang="en-US" altLang="ja-JP" dirty="0"/>
+              <a:t>Word2Vec</a:t>
+            </a:r>
+          </a:p>
+          <a:p>
+            <a:r>
+              <a:rPr lang="en-US" altLang="ja-JP" dirty="0"/>
+              <a:t>Bi-Gram Network</a:t>
+            </a:r>
+            <a:r>
+              <a:rPr lang="ja-JP" altLang="en-US" dirty="0"/>
+              <a:t>の結果</a:t>
+            </a:r>
+            <a:endParaRPr lang="en-US" altLang="ja-JP" dirty="0"/>
+          </a:p>
+          <a:p>
+            <a:r>
+              <a:rPr lang="en-US" altLang="ja-JP" b="1" dirty="0">
+                <a:solidFill>
+                  <a:schemeClr val="accent1"/>
+                </a:solidFill>
+              </a:rPr>
+              <a:t>Word2Vec</a:t>
+            </a:r>
+            <a:r>
+              <a:rPr lang="ja-JP" altLang="en-US" b="1" dirty="0">
+                <a:solidFill>
+                  <a:schemeClr val="accent1"/>
+                </a:solidFill>
+              </a:rPr>
+              <a:t>の結果</a:t>
+            </a:r>
+            <a:endParaRPr lang="en-US" altLang="ja-JP" b="1" dirty="0">
+              <a:solidFill>
+                <a:schemeClr val="accent1"/>
+              </a:solidFill>
+            </a:endParaRPr>
+          </a:p>
+          <a:p>
+            <a:r>
+              <a:rPr lang="ja-JP" altLang="en-US" dirty="0"/>
+              <a:t>結論</a:t>
+            </a:r>
+            <a:endParaRPr lang="en-US" altLang="ja-JP" dirty="0"/>
+          </a:p>
+          <a:p>
+            <a:endParaRPr kumimoji="1" lang="en-US" altLang="ja-JP" dirty="0"/>
+          </a:p>
+          <a:p>
+            <a:endParaRPr kumimoji="1" lang="en-US" altLang="ja-JP" dirty="0"/>
+          </a:p>
+        </p:txBody>
+      </p:sp>
+    </p:spTree>
+    <p:extLst>
+      <p:ext uri="{BB962C8B-B14F-4D97-AF65-F5344CB8AC3E}">
+        <p14:creationId xmlns:p14="http://schemas.microsoft.com/office/powerpoint/2010/main" val="3536755885"/>
+      </p:ext>
+    </p:extLst>
+  </p:cSld>
+  <p:clrMapOvr>
+    <a:masterClrMapping/>
+  </p:clrMapOvr>
+</p:sld>
+</file>
+
+<file path=ppt/slides/slide23.xml><?xml version="1.0" encoding="utf-8"?>
+<p:sld xmlns:a="http://schemas.openxmlformats.org/drawingml/2006/main" xmlns:r="http://schemas.openxmlformats.org/officeDocument/2006/relationships" xmlns:p="http://schemas.openxmlformats.org/presentationml/2006/main">
+  <p:cSld>
+    <p:spTree>
+      <p:nvGrpSpPr>
+        <p:cNvPr id="1" name=""/>
+        <p:cNvGrpSpPr/>
+        <p:nvPr/>
+      </p:nvGrpSpPr>
+      <p:grpSpPr>
+        <a:xfrm>
+          <a:off x="0" y="0"/>
+          <a:ext cx="0" cy="0"/>
+          <a:chOff x="0" y="0"/>
+          <a:chExt cx="0" cy="0"/>
+        </a:xfrm>
+      </p:grpSpPr>
+      <p:sp>
+        <p:nvSpPr>
+          <p:cNvPr id="2" name="コンテンツ プレースホルダー 1"/>
+          <p:cNvSpPr>
+            <a:spLocks noGrp="1"/>
+          </p:cNvSpPr>
+          <p:nvPr>
+            <p:ph idx="1"/>
+          </p:nvPr>
+        </p:nvSpPr>
+        <p:spPr/>
+        <p:txBody>
+          <a:bodyPr/>
+          <a:lstStyle/>
+          <a:p>
+            <a:r>
+              <a:rPr kumimoji="1" lang="en-US" altLang="ja-JP" dirty="0"/>
+              <a:t>DeNA</a:t>
+            </a:r>
+            <a:r>
+              <a:rPr kumimoji="1" lang="ja-JP" altLang="en-US" dirty="0"/>
+              <a:t>の問題について</a:t>
+            </a:r>
+            <a:endParaRPr kumimoji="1" lang="en-US" altLang="ja-JP" dirty="0"/>
+          </a:p>
+          <a:p>
+            <a:r>
+              <a:rPr kumimoji="1" lang="ja-JP" altLang="en-US" dirty="0"/>
+              <a:t>調査報告書</a:t>
+            </a:r>
+            <a:endParaRPr kumimoji="1" lang="en-US" altLang="ja-JP" dirty="0"/>
+          </a:p>
+          <a:p>
+            <a:r>
+              <a:rPr lang="ja-JP" altLang="en-US" dirty="0"/>
+              <a:t>どうやって分析するか</a:t>
+            </a:r>
+            <a:endParaRPr lang="en-US" altLang="ja-JP" dirty="0"/>
+          </a:p>
+          <a:p>
+            <a:pPr lvl="1">
+              <a:buFont typeface="Wingdings" panose="05000000000000000000" pitchFamily="2" charset="2"/>
+              <a:buChar char="ü"/>
+            </a:pPr>
+            <a:r>
+              <a:rPr kumimoji="1" lang="en-US" altLang="ja-JP" dirty="0"/>
+              <a:t>Bi</a:t>
+            </a:r>
+            <a:r>
+              <a:rPr lang="en-US" altLang="ja-JP" dirty="0"/>
+              <a:t>-Gram</a:t>
+            </a:r>
+            <a:r>
+              <a:rPr lang="ja-JP" altLang="en-US" dirty="0"/>
+              <a:t> </a:t>
+            </a:r>
+            <a:r>
+              <a:rPr lang="en-US" altLang="ja-JP" dirty="0"/>
+              <a:t>Network</a:t>
+            </a:r>
+          </a:p>
+          <a:p>
+            <a:pPr lvl="1">
+              <a:buFont typeface="Wingdings" panose="05000000000000000000" pitchFamily="2" charset="2"/>
+              <a:buChar char="ü"/>
+            </a:pPr>
+            <a:r>
+              <a:rPr lang="en-US" altLang="ja-JP" dirty="0"/>
+              <a:t>Word2Vec</a:t>
+            </a:r>
+          </a:p>
+          <a:p>
+            <a:r>
+              <a:rPr lang="en-US" altLang="ja-JP" dirty="0"/>
+              <a:t>Bi-Gram Network</a:t>
+            </a:r>
+            <a:r>
+              <a:rPr lang="ja-JP" altLang="en-US" dirty="0"/>
+              <a:t>の結果</a:t>
+            </a:r>
+            <a:endParaRPr lang="en-US" altLang="ja-JP" dirty="0"/>
+          </a:p>
+          <a:p>
+            <a:r>
+              <a:rPr lang="en-US" altLang="ja-JP" dirty="0"/>
+              <a:t>Word2Vec</a:t>
+            </a:r>
+            <a:r>
+              <a:rPr lang="ja-JP" altLang="en-US" dirty="0"/>
+              <a:t>の結果</a:t>
+            </a:r>
+            <a:endParaRPr lang="en-US" altLang="ja-JP" dirty="0"/>
+          </a:p>
+          <a:p>
+            <a:r>
+              <a:rPr lang="ja-JP" altLang="en-US" b="1" dirty="0">
+                <a:solidFill>
+                  <a:schemeClr val="accent1"/>
+                </a:solidFill>
+              </a:rPr>
+              <a:t>結論</a:t>
+            </a:r>
+            <a:endParaRPr lang="en-US" altLang="ja-JP" b="1" dirty="0">
+              <a:solidFill>
+                <a:schemeClr val="accent1"/>
+              </a:solidFill>
+            </a:endParaRPr>
+          </a:p>
+          <a:p>
+            <a:endParaRPr kumimoji="1" lang="en-US" altLang="ja-JP" dirty="0"/>
+          </a:p>
+          <a:p>
+            <a:endParaRPr kumimoji="1" lang="en-US" altLang="ja-JP" dirty="0"/>
+          </a:p>
+        </p:txBody>
+      </p:sp>
+    </p:spTree>
+    <p:extLst>
+      <p:ext uri="{BB962C8B-B14F-4D97-AF65-F5344CB8AC3E}">
+        <p14:creationId xmlns:p14="http://schemas.microsoft.com/office/powerpoint/2010/main" val="1914791592"/>
+      </p:ext>
+    </p:extLst>
+  </p:cSld>
+  <p:clrMapOvr>
+    <a:masterClrMapping/>
+  </p:clrMapOvr>
+</p:sld>
+</file>
+
+<file path=ppt/slides/slide24.xml><?xml version="1.0" encoding="utf-8"?>
+<p:sld xmlns:a="http://schemas.openxmlformats.org/drawingml/2006/main" xmlns:r="http://schemas.openxmlformats.org/officeDocument/2006/relationships" xmlns:p="http://schemas.openxmlformats.org/presentationml/2006/main">
+  <p:cSld>
+    <p:spTree>
+      <p:nvGrpSpPr>
+        <p:cNvPr id="1" name=""/>
+        <p:cNvGrpSpPr/>
+        <p:nvPr/>
+      </p:nvGrpSpPr>
+      <p:grpSpPr>
+        <a:xfrm>
+          <a:off x="0" y="0"/>
+          <a:ext cx="0" cy="0"/>
+          <a:chOff x="0" y="0"/>
+          <a:chExt cx="0" cy="0"/>
+        </a:xfrm>
+      </p:grpSpPr>
+      <p:sp>
+        <p:nvSpPr>
+          <p:cNvPr id="2" name="タイトル 1"/>
+          <p:cNvSpPr>
+            <a:spLocks noGrp="1"/>
+          </p:cNvSpPr>
+          <p:nvPr>
+            <p:ph type="title"/>
+          </p:nvPr>
+        </p:nvSpPr>
+        <p:spPr/>
+        <p:txBody>
+          <a:bodyPr>
+            <a:normAutofit fontScale="90000"/>
+          </a:bodyPr>
+          <a:lstStyle/>
+          <a:p>
+            <a:r>
+              <a:rPr kumimoji="1" lang="en-US" altLang="ja-JP" dirty="0"/>
+              <a:t>&lt;</a:t>
+            </a:r>
+            <a:r>
+              <a:rPr kumimoji="1" lang="ja-JP" altLang="en-US" dirty="0"/>
+              <a:t>まとめの一言</a:t>
+            </a:r>
+            <a:r>
+              <a:rPr kumimoji="1" lang="en-US" altLang="ja-JP" dirty="0"/>
+              <a:t>&gt;</a:t>
+            </a:r>
+            <a:endParaRPr kumimoji="1" lang="ja-JP" altLang="en-US" dirty="0"/>
+          </a:p>
+        </p:txBody>
+      </p:sp>
+      <p:sp>
+        <p:nvSpPr>
+          <p:cNvPr id="4" name="テキスト プレースホルダー 3"/>
+          <p:cNvSpPr>
+            <a:spLocks noGrp="1"/>
+          </p:cNvSpPr>
+          <p:nvPr>
+            <p:ph type="body" sz="quarter" idx="11"/>
+          </p:nvPr>
+        </p:nvSpPr>
+        <p:spPr/>
+        <p:txBody>
+          <a:bodyPr/>
+          <a:lstStyle/>
+          <a:p>
+            <a:r>
+              <a:rPr kumimoji="1" lang="ja-JP" altLang="en-US" b="1" dirty="0"/>
+              <a:t>結論</a:t>
+            </a:r>
+          </a:p>
+        </p:txBody>
+      </p:sp>
+    </p:spTree>
+    <p:extLst>
+      <p:ext uri="{BB962C8B-B14F-4D97-AF65-F5344CB8AC3E}">
+        <p14:creationId xmlns:p14="http://schemas.microsoft.com/office/powerpoint/2010/main" val="633104049"/>
       </p:ext>
     </p:extLst>
   </p:cSld>
@@ -4739,7 +8120,7 @@
           <a:p>
             <a:r>
               <a:rPr kumimoji="1" lang="ja-JP" altLang="en-US" dirty="0"/>
-              <a:t>要約を読む</a:t>
+              <a:t>委員会に認定された事実</a:t>
             </a:r>
           </a:p>
         </p:txBody>
@@ -4756,8 +8137,8 @@
         </p:nvSpPr>
         <p:spPr>
           <a:xfrm>
-            <a:off x="388505" y="1781273"/>
-            <a:ext cx="7683500" cy="3740150"/>
+            <a:off x="579726" y="2052974"/>
+            <a:ext cx="7335838" cy="3220990"/>
           </a:xfrm>
         </p:spPr>
         <p:txBody>
@@ -4768,7 +8149,61 @@
               <a:buFont typeface="Wingdings" panose="05000000000000000000" pitchFamily="2" charset="2"/>
               <a:buChar char="u"/>
             </a:pPr>
-            <a:endParaRPr kumimoji="1" lang="ja-JP" altLang="en-US" dirty="0"/>
+            <a:r>
+              <a:rPr lang="ja-JP" altLang="en-US" dirty="0"/>
+              <a:t>運営していたサービスは</a:t>
+            </a:r>
+            <a:r>
+              <a:rPr lang="ja-JP" altLang="en-US" b="1" dirty="0"/>
+              <a:t>プラットフォーム</a:t>
+            </a:r>
+            <a:r>
+              <a:rPr lang="en-US" altLang="ja-JP" b="1" dirty="0"/>
+              <a:t>(</a:t>
+            </a:r>
+            <a:r>
+              <a:rPr lang="ja-JP" altLang="en-US" b="1" dirty="0"/>
+              <a:t>一般の人が投稿可能</a:t>
+            </a:r>
+            <a:r>
+              <a:rPr lang="en-US" altLang="ja-JP" b="1" dirty="0"/>
+              <a:t>)</a:t>
+            </a:r>
+            <a:r>
+              <a:rPr lang="ja-JP" altLang="en-US" dirty="0"/>
+              <a:t>ではなく</a:t>
+            </a:r>
+            <a:r>
+              <a:rPr lang="ja-JP" altLang="en-US" b="1" dirty="0"/>
+              <a:t>メディア</a:t>
+            </a:r>
+            <a:endParaRPr lang="en-US" altLang="ja-JP" b="1" dirty="0"/>
+          </a:p>
+          <a:p>
+            <a:pPr>
+              <a:buFont typeface="Wingdings" panose="05000000000000000000" pitchFamily="2" charset="2"/>
+              <a:buChar char="u"/>
+            </a:pPr>
+            <a:r>
+              <a:rPr kumimoji="1" lang="ja-JP" altLang="en-US" dirty="0"/>
+              <a:t>ライターへの報酬単価が低いことが、不適切な記事を生む背景になっていた可能性</a:t>
+            </a:r>
+            <a:endParaRPr kumimoji="1" lang="en-US" altLang="ja-JP" dirty="0"/>
+          </a:p>
+          <a:p>
+            <a:pPr>
+              <a:buFont typeface="Wingdings" panose="05000000000000000000" pitchFamily="2" charset="2"/>
+              <a:buChar char="u"/>
+            </a:pPr>
+            <a:r>
+              <a:rPr kumimoji="1" lang="ja-JP" altLang="en-US" dirty="0"/>
+              <a:t>記事が殆どチェックされずに公開されており、</a:t>
+            </a:r>
+            <a:r>
+              <a:rPr lang="ja-JP" altLang="en-US" dirty="0"/>
+              <a:t>著作権違反などを取り締まる体制がなかった</a:t>
+            </a:r>
+            <a:endParaRPr lang="en-US" altLang="ja-JP" dirty="0"/>
           </a:p>
         </p:txBody>
       </p:sp>
@@ -4826,50 +8261,111 @@
       </p:grpSpPr>
       <p:sp>
         <p:nvSpPr>
-          <p:cNvPr id="2" name="コンテンツ プレースホルダー 1"/>
+          <p:cNvPr id="2" name="タイトル 1"/>
           <p:cNvSpPr>
             <a:spLocks noGrp="1"/>
           </p:cNvSpPr>
           <p:nvPr>
-            <p:ph idx="1"/>
+            <p:ph type="title"/>
           </p:nvPr>
         </p:nvSpPr>
         <p:spPr/>
         <p:txBody>
+          <a:bodyPr>
+            <a:normAutofit fontScale="90000"/>
+          </a:bodyPr>
+          <a:lstStyle/>
+          <a:p>
+            <a:r>
+              <a:rPr lang="ja-JP" altLang="en-US" dirty="0"/>
+              <a:t>原因・背景の分析</a:t>
+            </a:r>
+            <a:endParaRPr kumimoji="1" lang="ja-JP" altLang="en-US" dirty="0"/>
+          </a:p>
+        </p:txBody>
+      </p:sp>
+      <p:sp>
+        <p:nvSpPr>
+          <p:cNvPr id="11" name="テキスト プレースホルダー 10"/>
+          <p:cNvSpPr>
+            <a:spLocks noGrp="1"/>
+          </p:cNvSpPr>
+          <p:nvPr>
+            <p:ph type="body" sz="quarter" idx="11"/>
+          </p:nvPr>
+        </p:nvSpPr>
+        <p:spPr/>
+        <p:txBody>
           <a:bodyPr/>
           <a:lstStyle/>
           <a:p>
             <a:r>
-              <a:rPr kumimoji="1" lang="en-US" altLang="ja-JP" dirty="0"/>
-              <a:t>DeNA</a:t>
-            </a:r>
-            <a:r>
-              <a:rPr kumimoji="1" lang="ja-JP" altLang="en-US" dirty="0"/>
-              <a:t>の問題について</a:t>
-            </a:r>
-            <a:endParaRPr kumimoji="1" lang="en-US" altLang="ja-JP" dirty="0"/>
-          </a:p>
-          <a:p>
-            <a:r>
-              <a:rPr kumimoji="1" lang="ja-JP" altLang="en-US" dirty="0"/>
+              <a:rPr lang="ja-JP" altLang="en-US" b="1" dirty="0"/>
               <a:t>調査報告書</a:t>
             </a:r>
-            <a:endParaRPr kumimoji="1" lang="en-US" altLang="ja-JP" dirty="0"/>
-          </a:p>
-          <a:p>
-            <a:r>
-              <a:rPr lang="ja-JP" altLang="en-US" b="1" dirty="0">
-                <a:solidFill>
-                  <a:schemeClr val="accent1"/>
-                </a:solidFill>
-              </a:rPr>
-              <a:t>どうやって分析するか</a:t>
-            </a:r>
-            <a:endParaRPr lang="en-US" altLang="ja-JP" b="1" dirty="0">
-              <a:solidFill>
-                <a:schemeClr val="accent1"/>
-              </a:solidFill>
-            </a:endParaRPr>
+          </a:p>
+        </p:txBody>
+      </p:sp>
+      <p:sp>
+        <p:nvSpPr>
+          <p:cNvPr id="12" name="テキスト プレースホルダー 2"/>
+          <p:cNvSpPr>
+            <a:spLocks noGrp="1"/>
+          </p:cNvSpPr>
+          <p:nvPr>
+            <p:ph type="body" sz="quarter" idx="10"/>
+          </p:nvPr>
+        </p:nvSpPr>
+        <p:spPr>
+          <a:xfrm>
+            <a:off x="533546" y="1502734"/>
+            <a:ext cx="7474382" cy="4990429"/>
+          </a:xfrm>
+        </p:spPr>
+        <p:txBody>
+          <a:bodyPr/>
+          <a:lstStyle/>
+          <a:p>
+            <a:pPr>
+              <a:buFont typeface="Wingdings" panose="05000000000000000000" pitchFamily="2" charset="2"/>
+              <a:buChar char="u"/>
+            </a:pPr>
+            <a:r>
+              <a:rPr lang="en-US" altLang="ja-JP" sz="2400" dirty="0" err="1"/>
+              <a:t>Iemo</a:t>
+            </a:r>
+            <a:r>
+              <a:rPr lang="ja-JP" altLang="en-US" sz="2400" dirty="0"/>
+              <a:t>社</a:t>
+            </a:r>
+            <a:r>
+              <a:rPr lang="en-US" altLang="ja-JP" sz="2400" dirty="0"/>
+              <a:t>,</a:t>
+            </a:r>
+            <a:r>
+              <a:rPr lang="ja-JP" altLang="en-US" sz="2400" dirty="0"/>
+              <a:t>ペロリ社を買収する際にキュレ</a:t>
+            </a:r>
+            <a:r>
+              <a:rPr lang="en-US" altLang="ja-JP" sz="2400" dirty="0"/>
+              <a:t>―</a:t>
+            </a:r>
+            <a:r>
+              <a:rPr lang="ja-JP" altLang="en-US" sz="2400" dirty="0"/>
+              <a:t>ション事業のリスクを適切に把握出来ていなかった</a:t>
+            </a:r>
+            <a:endParaRPr lang="en-US" altLang="ja-JP" sz="2400" dirty="0"/>
+          </a:p>
+          <a:p>
+            <a:pPr>
+              <a:buFont typeface="Wingdings" panose="05000000000000000000" pitchFamily="2" charset="2"/>
+              <a:buChar char="u"/>
+            </a:pPr>
+            <a:r>
+              <a:rPr lang="ja-JP" altLang="en-US" sz="2400" dirty="0"/>
+              <a:t>事業リスクに対する予防策が十分ではなかった</a:t>
+            </a:r>
+            <a:endParaRPr lang="en-US" altLang="ja-JP" sz="2400" dirty="0"/>
           </a:p>
           <a:p>
             <a:pPr lvl="1">
@@ -4877,37 +8373,21 @@
               <a:buChar char="ü"/>
             </a:pPr>
             <a:r>
-              <a:rPr kumimoji="1" lang="en-US" altLang="ja-JP" b="1" dirty="0">
-                <a:solidFill>
-                  <a:schemeClr val="accent1"/>
-                </a:solidFill>
-              </a:rPr>
-              <a:t>Bi</a:t>
-            </a:r>
-            <a:r>
-              <a:rPr lang="en-US" altLang="ja-JP" b="1" dirty="0">
-                <a:solidFill>
-                  <a:schemeClr val="accent1"/>
-                </a:solidFill>
-              </a:rPr>
-              <a:t>-Gram</a:t>
-            </a:r>
-            <a:r>
-              <a:rPr lang="ja-JP" altLang="en-US" b="1" dirty="0">
-                <a:solidFill>
-                  <a:schemeClr val="accent1"/>
-                </a:solidFill>
-              </a:rPr>
-              <a:t> </a:t>
-            </a:r>
-            <a:r>
-              <a:rPr lang="en-US" altLang="ja-JP" b="1" dirty="0">
-                <a:solidFill>
-                  <a:schemeClr val="accent1"/>
-                </a:solidFill>
-              </a:rPr>
-              <a:t>Network</a:t>
-            </a:r>
+              <a:rPr lang="ja-JP" altLang="en-US" sz="2000" dirty="0"/>
+              <a:t>組織作り・コンプライアンス</a:t>
+            </a:r>
+            <a:endParaRPr lang="en-US" altLang="ja-JP" sz="2000" dirty="0"/>
+          </a:p>
+          <a:p>
+            <a:pPr>
+              <a:buFont typeface="Wingdings" panose="05000000000000000000" pitchFamily="2" charset="2"/>
+              <a:buChar char="u"/>
+            </a:pPr>
+            <a:r>
+              <a:rPr lang="ja-JP" altLang="en-US" sz="2400" dirty="0"/>
+              <a:t>リスクが顕在化した後、問題の早期発見が遅れた</a:t>
+            </a:r>
+            <a:endParaRPr lang="en-US" altLang="ja-JP" sz="2400" dirty="0"/>
           </a:p>
           <a:p>
             <a:pPr lvl="1">
@@ -4915,55 +8395,137 @@
               <a:buChar char="ü"/>
             </a:pPr>
             <a:r>
-              <a:rPr lang="en-US" altLang="ja-JP" b="1" dirty="0">
-                <a:solidFill>
-                  <a:schemeClr val="accent1"/>
-                </a:solidFill>
-              </a:rPr>
-              <a:t>Word2Vec</a:t>
-            </a:r>
-          </a:p>
-          <a:p>
-            <a:r>
-              <a:rPr lang="en-US" altLang="ja-JP" dirty="0"/>
-              <a:t>Bi-Gram Network</a:t>
-            </a:r>
-            <a:r>
-              <a:rPr lang="ja-JP" altLang="en-US" dirty="0"/>
-              <a:t>の結果</a:t>
-            </a:r>
-            <a:endParaRPr lang="en-US" altLang="ja-JP" dirty="0"/>
-          </a:p>
-          <a:p>
-            <a:r>
-              <a:rPr lang="en-US" altLang="ja-JP" dirty="0"/>
-              <a:t>Word2Vec</a:t>
-            </a:r>
-            <a:r>
-              <a:rPr lang="ja-JP" altLang="en-US" dirty="0"/>
-              <a:t>の結果</a:t>
-            </a:r>
-            <a:endParaRPr lang="en-US" altLang="ja-JP" dirty="0"/>
-          </a:p>
-          <a:p>
-            <a:r>
-              <a:rPr lang="ja-JP" altLang="en-US" dirty="0"/>
-              <a:t>結論</a:t>
-            </a:r>
-            <a:endParaRPr lang="en-US" altLang="ja-JP" dirty="0"/>
-          </a:p>
-          <a:p>
-            <a:endParaRPr kumimoji="1" lang="en-US" altLang="ja-JP" dirty="0"/>
-          </a:p>
-          <a:p>
-            <a:endParaRPr kumimoji="1" lang="en-US" altLang="ja-JP" dirty="0"/>
+              <a:rPr lang="en-US" altLang="ja-JP" sz="2000" dirty="0"/>
+              <a:t>KPI</a:t>
+            </a:r>
+            <a:r>
+              <a:rPr lang="ja-JP" altLang="en-US" sz="2000" dirty="0"/>
+              <a:t>が適切でなかった</a:t>
+            </a:r>
+            <a:r>
+              <a:rPr lang="en-US" altLang="ja-JP" sz="2000" dirty="0"/>
+              <a:t>(SEO DAU)</a:t>
+            </a:r>
+          </a:p>
+          <a:p>
+            <a:pPr lvl="1">
+              <a:buFont typeface="Wingdings" panose="05000000000000000000" pitchFamily="2" charset="2"/>
+              <a:buChar char="ü"/>
+            </a:pPr>
+            <a:r>
+              <a:rPr lang="ja-JP" altLang="en-US" sz="2000" dirty="0"/>
+              <a:t>法務部などのチェックが機能していなかった</a:t>
+            </a:r>
+            <a:endParaRPr lang="en-US" altLang="ja-JP" sz="2000" dirty="0"/>
+          </a:p>
+          <a:p>
+            <a:pPr lvl="1">
+              <a:buFont typeface="Wingdings" panose="05000000000000000000" pitchFamily="2" charset="2"/>
+              <a:buChar char="ü"/>
+            </a:pPr>
+            <a:r>
+              <a:rPr lang="ja-JP" altLang="en-US" sz="2000" dirty="0"/>
+              <a:t>認識の齟齬</a:t>
+            </a:r>
+            <a:r>
+              <a:rPr lang="en-US" altLang="ja-JP" sz="2000" dirty="0"/>
+              <a:t>(</a:t>
+            </a:r>
+            <a:r>
+              <a:rPr lang="ja-JP" altLang="en-US" sz="2000" dirty="0"/>
+              <a:t>メディアではなくプラットフォームを提供しているだけという誤認識</a:t>
+            </a:r>
+            <a:r>
+              <a:rPr lang="en-US" altLang="ja-JP" sz="2000" dirty="0"/>
+              <a:t>)</a:t>
+            </a:r>
+          </a:p>
+          <a:p>
+            <a:pPr>
+              <a:buFont typeface="Wingdings" panose="05000000000000000000" pitchFamily="2" charset="2"/>
+              <a:buChar char="u"/>
+            </a:pPr>
+            <a:r>
+              <a:rPr lang="ja-JP" altLang="en-US" sz="2400" dirty="0"/>
+              <a:t>「自己修正」を妨げる複数の要因があった</a:t>
+            </a:r>
+            <a:endParaRPr lang="en-US" altLang="ja-JP" sz="2400" dirty="0"/>
+          </a:p>
+          <a:p>
+            <a:pPr lvl="1">
+              <a:buFont typeface="Wingdings" panose="05000000000000000000" pitchFamily="2" charset="2"/>
+              <a:buChar char="ü"/>
+            </a:pPr>
+            <a:r>
+              <a:rPr lang="ja-JP" altLang="en-US" sz="2000" b="1" dirty="0"/>
+              <a:t>コミュニケーション不全</a:t>
+            </a:r>
+            <a:endParaRPr lang="en-US" altLang="ja-JP" sz="2000" b="1" dirty="0"/>
+          </a:p>
+          <a:p>
+            <a:pPr lvl="1">
+              <a:buFont typeface="Wingdings" panose="05000000000000000000" pitchFamily="2" charset="2"/>
+              <a:buChar char="ü"/>
+            </a:pPr>
+            <a:r>
+              <a:rPr lang="ja-JP" altLang="en-US" sz="2000" b="1" dirty="0"/>
+              <a:t>「永久ベンチャー」</a:t>
+            </a:r>
+            <a:r>
+              <a:rPr lang="ja-JP" altLang="en-US" sz="2000" dirty="0"/>
+              <a:t>という理念の独走</a:t>
+            </a:r>
+            <a:endParaRPr lang="en-US" altLang="ja-JP" sz="2000" dirty="0"/>
+          </a:p>
+          <a:p>
+            <a:pPr lvl="1">
+              <a:buFont typeface="Wingdings" panose="05000000000000000000" pitchFamily="2" charset="2"/>
+              <a:buChar char="ü"/>
+            </a:pPr>
+            <a:r>
+              <a:rPr lang="en-US" altLang="ja-JP" sz="2000" dirty="0"/>
+              <a:t>“</a:t>
+            </a:r>
+            <a:r>
+              <a:rPr lang="ja-JP" altLang="en-US" sz="2000" dirty="0"/>
+              <a:t>大企業</a:t>
+            </a:r>
+            <a:r>
+              <a:rPr lang="en-US" altLang="ja-JP" sz="2000" dirty="0"/>
+              <a:t>”</a:t>
+            </a:r>
+            <a:r>
+              <a:rPr lang="ja-JP" altLang="en-US" sz="2000" dirty="0"/>
+              <a:t>か</a:t>
+            </a:r>
+            <a:r>
+              <a:rPr lang="en-US" altLang="ja-JP" sz="2000" dirty="0"/>
+              <a:t>”</a:t>
+            </a:r>
+            <a:r>
+              <a:rPr lang="ja-JP" altLang="en-US" sz="2000" dirty="0"/>
+              <a:t>ベンチャー</a:t>
+            </a:r>
+            <a:r>
+              <a:rPr lang="en-US" altLang="ja-JP" sz="2000" dirty="0"/>
+              <a:t>”</a:t>
+            </a:r>
+            <a:r>
+              <a:rPr lang="ja-JP" altLang="en-US" sz="2000" dirty="0"/>
+              <a:t>かという</a:t>
+            </a:r>
+            <a:r>
+              <a:rPr lang="ja-JP" altLang="en-US" sz="2000" b="1" dirty="0"/>
+              <a:t>二元論的思考</a:t>
+            </a:r>
+            <a:endParaRPr lang="en-US" altLang="ja-JP" sz="2000" b="1" dirty="0"/>
           </a:p>
         </p:txBody>
       </p:sp>
     </p:spTree>
     <p:extLst>
       <p:ext uri="{BB962C8B-B14F-4D97-AF65-F5344CB8AC3E}">
-        <p14:creationId xmlns:p14="http://schemas.microsoft.com/office/powerpoint/2010/main" val="1526840563"/>
+        <p14:creationId xmlns:p14="http://schemas.microsoft.com/office/powerpoint/2010/main" val="3073300007"/>
       </p:ext>
     </p:extLst>
   </p:cSld>
@@ -4992,128 +8554,215 @@
       </p:grpSpPr>
       <p:sp>
         <p:nvSpPr>
-          <p:cNvPr id="2" name="コンテンツ プレースホルダー 1"/>
+          <p:cNvPr id="2" name="タイトル 1"/>
           <p:cNvSpPr>
             <a:spLocks noGrp="1"/>
           </p:cNvSpPr>
           <p:nvPr>
-            <p:ph idx="1"/>
+            <p:ph type="title"/>
           </p:nvPr>
         </p:nvSpPr>
         <p:spPr/>
         <p:txBody>
+          <a:bodyPr>
+            <a:normAutofit fontScale="90000"/>
+          </a:bodyPr>
+          <a:lstStyle/>
+          <a:p>
+            <a:r>
+              <a:rPr kumimoji="1" lang="ja-JP" altLang="en-US" dirty="0"/>
+              <a:t>今回の分析のモチベーション</a:t>
+            </a:r>
+          </a:p>
+        </p:txBody>
+      </p:sp>
+      <p:sp>
+        <p:nvSpPr>
+          <p:cNvPr id="3" name="テキスト プレースホルダー 2"/>
+          <p:cNvSpPr>
+            <a:spLocks noGrp="1"/>
+          </p:cNvSpPr>
+          <p:nvPr>
+            <p:ph type="body" sz="quarter" idx="10"/>
+          </p:nvPr>
+        </p:nvSpPr>
+        <p:spPr/>
+        <p:txBody>
           <a:bodyPr/>
           <a:lstStyle/>
           <a:p>
+            <a:pPr>
+              <a:buFont typeface="Wingdings" panose="05000000000000000000" pitchFamily="2" charset="2"/>
+              <a:buChar char="u"/>
+            </a:pPr>
+            <a:r>
+              <a:rPr kumimoji="1" lang="ja-JP" altLang="en-US" dirty="0"/>
+              <a:t>要約版は</a:t>
+            </a:r>
             <a:r>
               <a:rPr kumimoji="1" lang="en-US" altLang="ja-JP" dirty="0"/>
-              <a:t>DeNA</a:t>
+              <a:t>30</a:t>
             </a:r>
             <a:r>
               <a:rPr kumimoji="1" lang="ja-JP" altLang="en-US" dirty="0"/>
-              <a:t>の問題について</a:t>
+              <a:t>ページなので読めるけど全文版は</a:t>
+            </a:r>
+            <a:r>
+              <a:rPr kumimoji="1" lang="en-US" altLang="ja-JP" dirty="0"/>
+              <a:t>250</a:t>
+            </a:r>
+            <a:r>
+              <a:rPr kumimoji="1" lang="ja-JP" altLang="en-US" dirty="0"/>
+              <a:t>ページ超もあるのでしんどい</a:t>
             </a:r>
             <a:endParaRPr kumimoji="1" lang="en-US" altLang="ja-JP" dirty="0"/>
           </a:p>
           <a:p>
-            <a:r>
-              <a:rPr kumimoji="1" lang="ja-JP" altLang="en-US" dirty="0"/>
+            <a:pPr>
+              <a:buFont typeface="Wingdings" panose="05000000000000000000" pitchFamily="2" charset="2"/>
+              <a:buChar char="u"/>
+            </a:pPr>
+            <a:r>
+              <a:rPr lang="ja-JP" altLang="en-US" dirty="0"/>
+              <a:t>要約版の理解を前提とした上で、全文版がどんな感じになっているのか大体把握したい</a:t>
+            </a:r>
+            <a:endParaRPr lang="en-US" altLang="ja-JP" dirty="0"/>
+          </a:p>
+          <a:p>
+            <a:pPr>
+              <a:buFont typeface="Wingdings" panose="05000000000000000000" pitchFamily="2" charset="2"/>
+              <a:buChar char="u"/>
+            </a:pPr>
+            <a:endParaRPr kumimoji="1" lang="ja-JP" altLang="en-US" dirty="0"/>
+          </a:p>
+        </p:txBody>
+      </p:sp>
+      <p:sp>
+        <p:nvSpPr>
+          <p:cNvPr id="4" name="テキスト プレースホルダー 3"/>
+          <p:cNvSpPr>
+            <a:spLocks noGrp="1"/>
+          </p:cNvSpPr>
+          <p:nvPr>
+            <p:ph type="body" sz="quarter" idx="11"/>
+          </p:nvPr>
+        </p:nvSpPr>
+        <p:spPr/>
+        <p:txBody>
+          <a:bodyPr/>
+          <a:lstStyle/>
+          <a:p>
+            <a:r>
+              <a:rPr kumimoji="1" lang="ja-JP" altLang="en-US" b="1" dirty="0"/>
               <a:t>調査報告書</a:t>
             </a:r>
-            <a:endParaRPr kumimoji="1" lang="en-US" altLang="ja-JP" dirty="0"/>
-          </a:p>
-          <a:p>
-            <a:r>
-              <a:rPr lang="ja-JP" altLang="en-US" dirty="0"/>
-              <a:t>どうやって分析するか</a:t>
-            </a:r>
-            <a:endParaRPr lang="en-US" altLang="ja-JP" dirty="0"/>
-          </a:p>
-          <a:p>
-            <a:pPr lvl="1">
-              <a:buFont typeface="Wingdings" panose="05000000000000000000" pitchFamily="2" charset="2"/>
-              <a:buChar char="ü"/>
+          </a:p>
+        </p:txBody>
+      </p:sp>
+      <p:sp>
+        <p:nvSpPr>
+          <p:cNvPr id="5" name="矢印: 下 4"/>
+          <p:cNvSpPr/>
+          <p:nvPr/>
+        </p:nvSpPr>
+        <p:spPr>
+          <a:xfrm>
+            <a:off x="4110181" y="3602536"/>
+            <a:ext cx="720437" cy="831273"/>
+          </a:xfrm>
+          <a:prstGeom prst="downArrow">
+            <a:avLst/>
+          </a:prstGeom>
+        </p:spPr>
+        <p:style>
+          <a:lnRef idx="2">
+            <a:schemeClr val="accent1">
+              <a:shade val="50000"/>
+            </a:schemeClr>
+          </a:lnRef>
+          <a:fillRef idx="1">
+            <a:schemeClr val="accent1"/>
+          </a:fillRef>
+          <a:effectRef idx="0">
+            <a:schemeClr val="accent1"/>
+          </a:effectRef>
+          <a:fontRef idx="minor">
+            <a:schemeClr val="lt1"/>
+          </a:fontRef>
+        </p:style>
+        <p:txBody>
+          <a:bodyPr rtlCol="0" anchor="ctr"/>
+          <a:lstStyle/>
+          <a:p>
+            <a:pPr algn="ctr"/>
+            <a:endParaRPr kumimoji="1" lang="ja-JP" altLang="en-US"/>
+          </a:p>
+        </p:txBody>
+      </p:sp>
+      <p:sp>
+        <p:nvSpPr>
+          <p:cNvPr id="6" name="テキスト ボックス 5"/>
+          <p:cNvSpPr txBox="1"/>
+          <p:nvPr/>
+        </p:nvSpPr>
+        <p:spPr>
+          <a:xfrm>
+            <a:off x="969818" y="4738255"/>
+            <a:ext cx="6982691" cy="1212640"/>
+          </a:xfrm>
+          <a:prstGeom prst="rect">
+            <a:avLst/>
+          </a:prstGeom>
+          <a:noFill/>
+        </p:spPr>
+        <p:txBody>
+          <a:bodyPr wrap="square" rtlCol="0">
+            <a:spAutoFit/>
+          </a:bodyPr>
+          <a:lstStyle/>
+          <a:p>
+            <a:pPr algn="ctr">
+              <a:lnSpc>
+                <a:spcPct val="130000"/>
+              </a:lnSpc>
             </a:pPr>
             <a:r>
-              <a:rPr kumimoji="1" lang="en-US" altLang="ja-JP" dirty="0"/>
-              <a:t>Bi</a:t>
-            </a:r>
-            <a:r>
-              <a:rPr lang="en-US" altLang="ja-JP" dirty="0"/>
-              <a:t>-Gram</a:t>
-            </a:r>
-            <a:r>
-              <a:rPr lang="ja-JP" altLang="en-US" dirty="0"/>
-              <a:t> </a:t>
-            </a:r>
-            <a:r>
-              <a:rPr lang="en-US" altLang="ja-JP" dirty="0"/>
-              <a:t>Network</a:t>
-            </a:r>
-          </a:p>
-          <a:p>
-            <a:pPr lvl="1">
-              <a:buFont typeface="Wingdings" panose="05000000000000000000" pitchFamily="2" charset="2"/>
-              <a:buChar char="ü"/>
+              <a:rPr kumimoji="1" lang="ja-JP" altLang="en-US" sz="2800" dirty="0">
+                <a:latin typeface="+mn-ea"/>
+                <a:cs typeface="Meiryo" charset="-128"/>
+              </a:rPr>
+              <a:t>テキストマイニングの諸技術を使って</a:t>
+            </a:r>
+            <a:endParaRPr kumimoji="1" lang="en-US" altLang="ja-JP" sz="2800" dirty="0">
+              <a:latin typeface="+mn-ea"/>
+              <a:cs typeface="Meiryo" charset="-128"/>
+            </a:endParaRPr>
+          </a:p>
+          <a:p>
+            <a:pPr algn="ctr">
+              <a:lnSpc>
+                <a:spcPct val="130000"/>
+              </a:lnSpc>
             </a:pPr>
             <a:r>
-              <a:rPr lang="en-US" altLang="ja-JP" dirty="0"/>
-              <a:t>Word2Vec</a:t>
-            </a:r>
-          </a:p>
-          <a:p>
-            <a:r>
-              <a:rPr lang="en-US" altLang="ja-JP" b="1" dirty="0">
-                <a:solidFill>
-                  <a:schemeClr val="accent1"/>
-                </a:solidFill>
+              <a:rPr kumimoji="1" lang="ja-JP" altLang="en-US" sz="2800" dirty="0">
+                <a:latin typeface="+mn-ea"/>
+                <a:cs typeface="Meiryo" charset="-128"/>
               </a:rPr>
-              <a:t>Bi-Gram Network</a:t>
-            </a:r>
-            <a:r>
-              <a:rPr lang="ja-JP" altLang="en-US" b="1" dirty="0">
-                <a:solidFill>
-                  <a:schemeClr val="accent1"/>
-                </a:solidFill>
-              </a:rPr>
-              <a:t>の結果</a:t>
-            </a:r>
-            <a:endParaRPr lang="en-US" altLang="ja-JP" b="1" dirty="0">
-              <a:solidFill>
-                <a:schemeClr val="accent1"/>
-              </a:solidFill>
+              <a:t>把握を試みる</a:t>
+            </a:r>
+            <a:endParaRPr kumimoji="1" lang="ja-JP" altLang="en-US" sz="2800" dirty="0">
+              <a:latin typeface="+mn-ea"/>
+              <a:ea typeface="+mn-ea"/>
+              <a:cs typeface="Meiryo" charset="-128"/>
             </a:endParaRPr>
-          </a:p>
-          <a:p>
-            <a:r>
-              <a:rPr lang="en-US" altLang="ja-JP" dirty="0"/>
-              <a:t>Word2Vec</a:t>
-            </a:r>
-            <a:r>
-              <a:rPr lang="ja-JP" altLang="en-US" dirty="0"/>
-              <a:t>の結果</a:t>
-            </a:r>
-            <a:endParaRPr lang="en-US" altLang="ja-JP" dirty="0"/>
-          </a:p>
-          <a:p>
-            <a:r>
-              <a:rPr lang="ja-JP" altLang="en-US" dirty="0"/>
-              <a:t>結論</a:t>
-            </a:r>
-            <a:endParaRPr lang="en-US" altLang="ja-JP" dirty="0"/>
-          </a:p>
-          <a:p>
-            <a:endParaRPr kumimoji="1" lang="en-US" altLang="ja-JP" dirty="0"/>
-          </a:p>
-          <a:p>
-            <a:endParaRPr kumimoji="1" lang="en-US" altLang="ja-JP" dirty="0"/>
           </a:p>
         </p:txBody>
       </p:sp>
     </p:spTree>
     <p:extLst>
       <p:ext uri="{BB962C8B-B14F-4D97-AF65-F5344CB8AC3E}">
-        <p14:creationId xmlns:p14="http://schemas.microsoft.com/office/powerpoint/2010/main" val="2901831594"/>
+        <p14:creationId xmlns:p14="http://schemas.microsoft.com/office/powerpoint/2010/main" val="975722790"/>
       </p:ext>
     </p:extLst>
   </p:cSld>
@@ -5128,7 +8777,7 @@
   <a:themeElements>
     <a:clrScheme name="Office テーマ">
       <a:dk1>
-        <a:sysClr val="windowText" lastClr="000000"/>
+        <a:sysClr val="windowText" lastClr="040404"/>
       </a:dk1>
       <a:lt1>
         <a:sysClr val="window" lastClr="FFFFFF"/>
@@ -5412,7 +9061,7 @@
   <a:themeElements>
     <a:clrScheme name="Office">
       <a:dk1>
-        <a:sysClr val="windowText" lastClr="000000"/>
+        <a:sysClr val="windowText" lastClr="040404"/>
       </a:dk1>
       <a:lt1>
         <a:sysClr val="window" lastClr="FFFFFF"/>
